--- a/practical/manual/ImageAnalysis-practical.pptx
+++ b/practical/manual/ImageAnalysis-practical.pptx
@@ -5,7 +5,7 @@
     <p:sldMasterId id="2147483660" r:id="rId1"/>
   </p:sldMasterIdLst>
   <p:notesMasterIdLst>
-    <p:notesMasterId r:id="rId38"/>
+    <p:notesMasterId r:id="rId42"/>
   </p:notesMasterIdLst>
   <p:sldIdLst>
     <p:sldId id="256" r:id="rId2"/>
@@ -19,31 +19,35 @@
     <p:sldId id="444" r:id="rId10"/>
     <p:sldId id="445" r:id="rId11"/>
     <p:sldId id="432" r:id="rId12"/>
-    <p:sldId id="422" r:id="rId13"/>
-    <p:sldId id="409" r:id="rId14"/>
-    <p:sldId id="260" r:id="rId15"/>
-    <p:sldId id="441" r:id="rId16"/>
-    <p:sldId id="443" r:id="rId17"/>
-    <p:sldId id="259" r:id="rId18"/>
-    <p:sldId id="408" r:id="rId19"/>
-    <p:sldId id="425" r:id="rId20"/>
-    <p:sldId id="423" r:id="rId21"/>
-    <p:sldId id="426" r:id="rId22"/>
-    <p:sldId id="424" r:id="rId23"/>
-    <p:sldId id="438" r:id="rId24"/>
-    <p:sldId id="427" r:id="rId25"/>
-    <p:sldId id="428" r:id="rId26"/>
-    <p:sldId id="446" r:id="rId27"/>
-    <p:sldId id="429" r:id="rId28"/>
-    <p:sldId id="261" r:id="rId29"/>
-    <p:sldId id="430" r:id="rId30"/>
-    <p:sldId id="433" r:id="rId31"/>
-    <p:sldId id="434" r:id="rId32"/>
-    <p:sldId id="435" r:id="rId33"/>
-    <p:sldId id="439" r:id="rId34"/>
-    <p:sldId id="436" r:id="rId35"/>
-    <p:sldId id="447" r:id="rId36"/>
-    <p:sldId id="437" r:id="rId37"/>
+    <p:sldId id="449" r:id="rId13"/>
+    <p:sldId id="451" r:id="rId14"/>
+    <p:sldId id="422" r:id="rId15"/>
+    <p:sldId id="409" r:id="rId16"/>
+    <p:sldId id="260" r:id="rId17"/>
+    <p:sldId id="441" r:id="rId18"/>
+    <p:sldId id="443" r:id="rId19"/>
+    <p:sldId id="259" r:id="rId20"/>
+    <p:sldId id="448" r:id="rId21"/>
+    <p:sldId id="408" r:id="rId22"/>
+    <p:sldId id="425" r:id="rId23"/>
+    <p:sldId id="423" r:id="rId24"/>
+    <p:sldId id="426" r:id="rId25"/>
+    <p:sldId id="424" r:id="rId26"/>
+    <p:sldId id="427" r:id="rId27"/>
+    <p:sldId id="438" r:id="rId28"/>
+    <p:sldId id="428" r:id="rId29"/>
+    <p:sldId id="446" r:id="rId30"/>
+    <p:sldId id="429" r:id="rId31"/>
+    <p:sldId id="261" r:id="rId32"/>
+    <p:sldId id="430" r:id="rId33"/>
+    <p:sldId id="433" r:id="rId34"/>
+    <p:sldId id="434" r:id="rId35"/>
+    <p:sldId id="435" r:id="rId36"/>
+    <p:sldId id="439" r:id="rId37"/>
+    <p:sldId id="436" r:id="rId38"/>
+    <p:sldId id="452" r:id="rId39"/>
+    <p:sldId id="447" r:id="rId40"/>
+    <p:sldId id="437" r:id="rId41"/>
   </p:sldIdLst>
   <p:sldSz cx="9144000" cy="6858000" type="screen4x3"/>
   <p:notesSz cx="6858000" cy="9144000"/>
@@ -232,7 +236,7 @@
           <a:p>
             <a:fld id="{C710F063-071C-4CA7-8FB8-30B3C5F6B9B3}" type="datetimeFigureOut">
               <a:rPr lang="fr-FR" smtClean="0"/>
-              <a:t>13/09/2023</a:t>
+              <a:t>14/09/2023</a:t>
             </a:fld>
             <a:endParaRPr lang="fr-FR"/>
           </a:p>
@@ -712,7 +716,7 @@
           <a:p>
             <a:fld id="{ACA7C914-7179-40E0-9CE0-27EC1C010D70}" type="datetimeFigureOut">
               <a:rPr lang="fr-FR" smtClean="0"/>
-              <a:t>13/09/2023</a:t>
+              <a:t>14/09/2023</a:t>
             </a:fld>
             <a:endParaRPr lang="fr-FR"/>
           </a:p>
@@ -882,7 +886,7 @@
           <a:p>
             <a:fld id="{ACA7C914-7179-40E0-9CE0-27EC1C010D70}" type="datetimeFigureOut">
               <a:rPr lang="fr-FR" smtClean="0"/>
-              <a:t>13/09/2023</a:t>
+              <a:t>14/09/2023</a:t>
             </a:fld>
             <a:endParaRPr lang="fr-FR"/>
           </a:p>
@@ -1062,7 +1066,7 @@
           <a:p>
             <a:fld id="{ACA7C914-7179-40E0-9CE0-27EC1C010D70}" type="datetimeFigureOut">
               <a:rPr lang="fr-FR" smtClean="0"/>
-              <a:t>13/09/2023</a:t>
+              <a:t>14/09/2023</a:t>
             </a:fld>
             <a:endParaRPr lang="fr-FR"/>
           </a:p>
@@ -1232,7 +1236,7 @@
           <a:p>
             <a:fld id="{ACA7C914-7179-40E0-9CE0-27EC1C010D70}" type="datetimeFigureOut">
               <a:rPr lang="fr-FR" smtClean="0"/>
-              <a:t>13/09/2023</a:t>
+              <a:t>14/09/2023</a:t>
             </a:fld>
             <a:endParaRPr lang="fr-FR"/>
           </a:p>
@@ -1476,7 +1480,7 @@
           <a:p>
             <a:fld id="{ACA7C914-7179-40E0-9CE0-27EC1C010D70}" type="datetimeFigureOut">
               <a:rPr lang="fr-FR" smtClean="0"/>
-              <a:t>13/09/2023</a:t>
+              <a:t>14/09/2023</a:t>
             </a:fld>
             <a:endParaRPr lang="fr-FR"/>
           </a:p>
@@ -1708,7 +1712,7 @@
           <a:p>
             <a:fld id="{ACA7C914-7179-40E0-9CE0-27EC1C010D70}" type="datetimeFigureOut">
               <a:rPr lang="fr-FR" smtClean="0"/>
-              <a:t>13/09/2023</a:t>
+              <a:t>14/09/2023</a:t>
             </a:fld>
             <a:endParaRPr lang="fr-FR"/>
           </a:p>
@@ -2075,7 +2079,7 @@
           <a:p>
             <a:fld id="{ACA7C914-7179-40E0-9CE0-27EC1C010D70}" type="datetimeFigureOut">
               <a:rPr lang="fr-FR" smtClean="0"/>
-              <a:t>13/09/2023</a:t>
+              <a:t>14/09/2023</a:t>
             </a:fld>
             <a:endParaRPr lang="fr-FR"/>
           </a:p>
@@ -2193,7 +2197,7 @@
           <a:p>
             <a:fld id="{ACA7C914-7179-40E0-9CE0-27EC1C010D70}" type="datetimeFigureOut">
               <a:rPr lang="fr-FR" smtClean="0"/>
-              <a:t>13/09/2023</a:t>
+              <a:t>14/09/2023</a:t>
             </a:fld>
             <a:endParaRPr lang="fr-FR"/>
           </a:p>
@@ -2288,7 +2292,7 @@
           <a:p>
             <a:fld id="{ACA7C914-7179-40E0-9CE0-27EC1C010D70}" type="datetimeFigureOut">
               <a:rPr lang="fr-FR" smtClean="0"/>
-              <a:t>13/09/2023</a:t>
+              <a:t>14/09/2023</a:t>
             </a:fld>
             <a:endParaRPr lang="fr-FR"/>
           </a:p>
@@ -2565,7 +2569,7 @@
           <a:p>
             <a:fld id="{ACA7C914-7179-40E0-9CE0-27EC1C010D70}" type="datetimeFigureOut">
               <a:rPr lang="fr-FR" smtClean="0"/>
-              <a:t>13/09/2023</a:t>
+              <a:t>14/09/2023</a:t>
             </a:fld>
             <a:endParaRPr lang="fr-FR"/>
           </a:p>
@@ -2822,7 +2826,7 @@
           <a:p>
             <a:fld id="{ACA7C914-7179-40E0-9CE0-27EC1C010D70}" type="datetimeFigureOut">
               <a:rPr lang="fr-FR" smtClean="0"/>
-              <a:t>13/09/2023</a:t>
+              <a:t>14/09/2023</a:t>
             </a:fld>
             <a:endParaRPr lang="fr-FR"/>
           </a:p>
@@ -3035,7 +3039,7 @@
           <a:p>
             <a:fld id="{ACA7C914-7179-40E0-9CE0-27EC1C010D70}" type="datetimeFigureOut">
               <a:rPr lang="fr-FR" smtClean="0"/>
-              <a:t>13/09/2023</a:t>
+              <a:t>14/09/2023</a:t>
             </a:fld>
             <a:endParaRPr lang="fr-FR"/>
           </a:p>
@@ -4156,7 +4160,7 @@
             </a:r>
             <a:r>
               <a:rPr lang="fr-FR" dirty="0"/>
-              <a:t> size distribution </a:t>
+              <a:t> size distributions </a:t>
             </a:r>
           </a:p>
           <a:p>
@@ -4214,7 +4218,7 @@
           <p:cNvPr id="2" name="Titre 1">
             <a:extLst>
               <a:ext uri="{FF2B5EF4-FFF2-40B4-BE49-F238E27FC236}">
-                <a16:creationId xmlns:a16="http://schemas.microsoft.com/office/drawing/2014/main" id="{B78644FD-9C83-484A-B268-E1356CDA64EB}"/>
+                <a16:creationId xmlns:a16="http://schemas.microsoft.com/office/drawing/2014/main" id="{48D21884-CA66-429D-8D35-705C80EC3749}"/>
               </a:ext>
             </a:extLst>
           </p:cNvPr>
@@ -4231,45 +4235,104 @@
           <a:lstStyle/>
           <a:p>
             <a:r>
-              <a:rPr lang="fr-FR" dirty="0" err="1"/>
-              <a:t>Any</a:t>
-            </a:r>
-            <a:r>
-              <a:rPr lang="fr-FR" dirty="0"/>
-              <a:t> question about the talk?</a:t>
-            </a:r>
-          </a:p>
-        </p:txBody>
-      </p:sp>
-      <p:sp>
-        <p:nvSpPr>
-          <p:cNvPr id="3" name="Espace réservé du contenu 2">
-            <a:extLst>
-              <a:ext uri="{FF2B5EF4-FFF2-40B4-BE49-F238E27FC236}">
-                <a16:creationId xmlns:a16="http://schemas.microsoft.com/office/drawing/2014/main" id="{CB0809BA-5112-493A-8118-1294C35814EA}"/>
-              </a:ext>
-            </a:extLst>
-          </p:cNvPr>
-          <p:cNvSpPr>
-            <a:spLocks noGrp="1"/>
-          </p:cNvSpPr>
-          <p:nvPr>
-            <p:ph idx="1"/>
-          </p:nvPr>
-        </p:nvSpPr>
-        <p:spPr/>
-        <p:txBody>
-          <a:bodyPr/>
-          <a:lstStyle/>
-          <a:p>
-            <a:endParaRPr lang="fr-FR"/>
-          </a:p>
-        </p:txBody>
-      </p:sp>
+              <a:rPr lang="fr-FR" dirty="0"/>
+              <a:t>Extensions of </a:t>
+            </a:r>
+            <a:r>
+              <a:rPr lang="fr-FR" dirty="0" err="1"/>
+              <a:t>granulometry</a:t>
+            </a:r>
+            <a:r>
+              <a:rPr lang="fr-FR" dirty="0"/>
+              <a:t> – </a:t>
+            </a:r>
+            <a:r>
+              <a:rPr lang="fr-FR" dirty="0" err="1"/>
+              <a:t>parametric</a:t>
+            </a:r>
+            <a:r>
+              <a:rPr lang="fr-FR" dirty="0"/>
+              <a:t> mapping</a:t>
+            </a:r>
+          </a:p>
+        </p:txBody>
+      </p:sp>
+      <p:pic>
+        <p:nvPicPr>
+          <p:cNvPr id="4" name="Picture 2" descr="D:\images\maize\Yu\blueBox\tmp\6641a.png">
+            <a:extLst>
+              <a:ext uri="{FF2B5EF4-FFF2-40B4-BE49-F238E27FC236}">
+                <a16:creationId xmlns:a16="http://schemas.microsoft.com/office/drawing/2014/main" id="{1EA76651-8855-4B7B-9E72-BBE93C5F1469}"/>
+              </a:ext>
+            </a:extLst>
+          </p:cNvPr>
+          <p:cNvPicPr>
+            <a:picLocks noChangeAspect="1" noChangeArrowheads="1"/>
+          </p:cNvPicPr>
+          <p:nvPr/>
+        </p:nvPicPr>
+        <p:blipFill>
+          <a:blip r:embed="rId2" cstate="print"/>
+          <a:srcRect/>
+          <a:stretch>
+            <a:fillRect/>
+          </a:stretch>
+        </p:blipFill>
+        <p:spPr bwMode="auto">
+          <a:xfrm>
+            <a:off x="283180" y="2065900"/>
+            <a:ext cx="3974175" cy="4464496"/>
+          </a:xfrm>
+          <a:prstGeom prst="rect">
+            <a:avLst/>
+          </a:prstGeom>
+          <a:noFill/>
+        </p:spPr>
+      </p:pic>
+      <p:pic>
+        <p:nvPicPr>
+          <p:cNvPr id="10" name="Picture 2" descr="D:\dlegland\projets\maize\stageMaxime\2441a_roi500_gr2ClSq50_gmean_jet.png">
+            <a:extLst>
+              <a:ext uri="{FF2B5EF4-FFF2-40B4-BE49-F238E27FC236}">
+                <a16:creationId xmlns:a16="http://schemas.microsoft.com/office/drawing/2014/main" id="{3B7AF7A3-0CA2-402D-A6CA-B5E262A0A667}"/>
+              </a:ext>
+            </a:extLst>
+          </p:cNvPr>
+          <p:cNvPicPr>
+            <a:picLocks noChangeAspect="1" noChangeArrowheads="1"/>
+          </p:cNvPicPr>
+          <p:nvPr/>
+        </p:nvPicPr>
+        <p:blipFill>
+          <a:blip r:embed="rId3" cstate="print"/>
+          <a:stretch>
+            <a:fillRect/>
+          </a:stretch>
+        </p:blipFill>
+        <p:spPr bwMode="auto">
+          <a:xfrm>
+            <a:off x="4744321" y="2065900"/>
+            <a:ext cx="4034096" cy="4325157"/>
+          </a:xfrm>
+          <a:prstGeom prst="rect">
+            <a:avLst/>
+          </a:prstGeom>
+          <a:noFill/>
+          <a:extLst>
+            <a:ext uri="{909E8E84-426E-40DD-AFC4-6F175D3DCCD1}">
+              <a14:hiddenFill xmlns:a14="http://schemas.microsoft.com/office/drawing/2010/main">
+                <a:solidFill>
+                  <a:srgbClr val="FFFFFF"/>
+                </a:solidFill>
+              </a14:hiddenFill>
+            </a:ext>
+          </a:extLst>
+        </p:spPr>
+      </p:pic>
     </p:spTree>
     <p:extLst>
       <p:ext uri="{BB962C8B-B14F-4D97-AF65-F5344CB8AC3E}">
-        <p14:creationId xmlns:p14="http://schemas.microsoft.com/office/powerpoint/2010/main" val="1374842524"/>
+        <p14:creationId xmlns:p14="http://schemas.microsoft.com/office/powerpoint/2010/main" val="2930735306"/>
       </p:ext>
     </p:extLst>
   </p:cSld>
@@ -4301,7 +4364,7 @@
           <p:cNvPr id="2" name="Titre 1">
             <a:extLst>
               <a:ext uri="{FF2B5EF4-FFF2-40B4-BE49-F238E27FC236}">
-                <a16:creationId xmlns:a16="http://schemas.microsoft.com/office/drawing/2014/main" id="{9D2A5650-6A7B-4BFE-B33B-3FBD4C1B6AB8}"/>
+                <a16:creationId xmlns:a16="http://schemas.microsoft.com/office/drawing/2014/main" id="{FF025999-03C1-4ED7-990B-893303F92DBB}"/>
               </a:ext>
             </a:extLst>
           </p:cNvPr>
@@ -4318,13 +4381,13 @@
           <a:lstStyle/>
           <a:p>
             <a:r>
-              <a:rPr lang="fr-FR" dirty="0" err="1"/>
-              <a:t>Practical</a:t>
-            </a:r>
-            <a:r>
-              <a:rPr lang="fr-FR" dirty="0"/>
-              <a:t> session	</a:t>
-            </a:r>
+              <a:rPr lang="fr-FR" dirty="0"/>
+              <a:t>Extension to orientation mapping</a:t>
+            </a:r>
+            <a:br>
+              <a:rPr lang="fr-FR" dirty="0"/>
+            </a:br>
+            <a:endParaRPr lang="fr-FR" dirty="0"/>
           </a:p>
         </p:txBody>
       </p:sp>
@@ -4333,7 +4396,7 @@
           <p:cNvPr id="3" name="Espace réservé du contenu 2">
             <a:extLst>
               <a:ext uri="{FF2B5EF4-FFF2-40B4-BE49-F238E27FC236}">
-                <a16:creationId xmlns:a16="http://schemas.microsoft.com/office/drawing/2014/main" id="{E341C587-B721-41B9-B8D6-77F264CE1FAB}"/>
+                <a16:creationId xmlns:a16="http://schemas.microsoft.com/office/drawing/2014/main" id="{F42D90BA-2326-4687-9250-3BB45EE587F0}"/>
               </a:ext>
             </a:extLst>
           </p:cNvPr>
@@ -4346,124 +4409,276 @@
         </p:nvSpPr>
         <p:spPr>
           <a:xfrm>
-            <a:off x="628649" y="1825625"/>
-            <a:ext cx="8310251" cy="4351338"/>
+            <a:off x="628650" y="1464235"/>
+            <a:ext cx="7886700" cy="4712728"/>
           </a:xfrm>
         </p:spPr>
         <p:txBody>
-          <a:bodyPr>
-            <a:normAutofit lnSpcReduction="10000"/>
+          <a:bodyPr/>
+          <a:lstStyle/>
+          <a:p>
+            <a:r>
+              <a:rPr lang="en-US" sz="2000" dirty="0"/>
+              <a:t>Context: use of plant fibers within bio-based materials</a:t>
+            </a:r>
+          </a:p>
+          <a:p>
+            <a:r>
+              <a:rPr lang="en-US" sz="2000" dirty="0"/>
+              <a:t>Objective: quantify distribution of orientations</a:t>
+            </a:r>
+          </a:p>
+          <a:p>
+            <a:r>
+              <a:rPr lang="en-US" sz="2000" dirty="0"/>
+              <a:t>Method: granulometry with oriented line SE</a:t>
+            </a:r>
+          </a:p>
+          <a:p>
+            <a:endParaRPr lang="fr-FR" dirty="0"/>
+          </a:p>
+        </p:txBody>
+      </p:sp>
+      <p:pic>
+        <p:nvPicPr>
+          <p:cNvPr id="4" name="Picture 5">
+            <a:extLst>
+              <a:ext uri="{FF2B5EF4-FFF2-40B4-BE49-F238E27FC236}">
+                <a16:creationId xmlns:a16="http://schemas.microsoft.com/office/drawing/2014/main" id="{8F73E9F2-49A4-4BB9-B541-6FAA091C2AD4}"/>
+              </a:ext>
+            </a:extLst>
+          </p:cNvPr>
+          <p:cNvPicPr>
+            <a:picLocks noChangeAspect="1" noChangeArrowheads="1"/>
+          </p:cNvPicPr>
+          <p:nvPr/>
+        </p:nvPicPr>
+        <p:blipFill>
+          <a:blip r:embed="rId2" cstate="print">
+            <a:extLst>
+              <a:ext uri="{28A0092B-C50C-407E-A947-70E740481C1C}">
+                <a14:useLocalDpi xmlns:a14="http://schemas.microsoft.com/office/drawing/2010/main" val="0"/>
+              </a:ext>
+            </a:extLst>
+          </a:blip>
+          <a:srcRect/>
+          <a:stretch>
+            <a:fillRect/>
+          </a:stretch>
+        </p:blipFill>
+        <p:spPr bwMode="auto">
+          <a:xfrm>
+            <a:off x="4648200" y="3064346"/>
+            <a:ext cx="4038600" cy="3028950"/>
+          </a:xfrm>
+          <a:prstGeom prst="rect">
+            <a:avLst/>
+          </a:prstGeom>
+          <a:noFill/>
+          <a:ln>
+            <a:noFill/>
+          </a:ln>
+          <a:extLst>
+            <a:ext uri="{909E8E84-426E-40DD-AFC4-6F175D3DCCD1}">
+              <a14:hiddenFill xmlns:a14="http://schemas.microsoft.com/office/drawing/2010/main">
+                <a:solidFill>
+                  <a:schemeClr val="accent1"/>
+                </a:solidFill>
+              </a14:hiddenFill>
+            </a:ext>
+            <a:ext uri="{91240B29-F687-4F45-9708-019B960494DF}">
+              <a14:hiddenLine xmlns:a14="http://schemas.microsoft.com/office/drawing/2010/main" w="9525">
+                <a:solidFill>
+                  <a:schemeClr val="tx1"/>
+                </a:solidFill>
+                <a:miter lim="800000"/>
+                <a:headEnd/>
+                <a:tailEnd/>
+              </a14:hiddenLine>
+            </a:ext>
+          </a:extLst>
+        </p:spPr>
+      </p:pic>
+      <p:pic>
+        <p:nvPicPr>
+          <p:cNvPr id="5" name="Picture 6">
+            <a:extLst>
+              <a:ext uri="{FF2B5EF4-FFF2-40B4-BE49-F238E27FC236}">
+                <a16:creationId xmlns:a16="http://schemas.microsoft.com/office/drawing/2014/main" id="{3D29D372-9D22-4FEC-9758-8A08E5582084}"/>
+              </a:ext>
+            </a:extLst>
+          </p:cNvPr>
+          <p:cNvPicPr>
+            <a:picLocks noChangeAspect="1" noChangeArrowheads="1"/>
+          </p:cNvPicPr>
+          <p:nvPr/>
+        </p:nvPicPr>
+        <p:blipFill>
+          <a:blip r:embed="rId3" cstate="print">
+            <a:extLst>
+              <a:ext uri="{28A0092B-C50C-407E-A947-70E740481C1C}">
+                <a14:useLocalDpi xmlns:a14="http://schemas.microsoft.com/office/drawing/2010/main" val="0"/>
+              </a:ext>
+            </a:extLst>
+          </a:blip>
+          <a:srcRect/>
+          <a:stretch>
+            <a:fillRect/>
+          </a:stretch>
+        </p:blipFill>
+        <p:spPr bwMode="auto">
+          <a:xfrm>
+            <a:off x="457200" y="3064346"/>
+            <a:ext cx="4038600" cy="3028950"/>
+          </a:xfrm>
+          <a:prstGeom prst="rect">
+            <a:avLst/>
+          </a:prstGeom>
+          <a:noFill/>
+          <a:ln>
+            <a:noFill/>
+          </a:ln>
+          <a:extLst>
+            <a:ext uri="{909E8E84-426E-40DD-AFC4-6F175D3DCCD1}">
+              <a14:hiddenFill xmlns:a14="http://schemas.microsoft.com/office/drawing/2010/main">
+                <a:solidFill>
+                  <a:schemeClr val="accent1"/>
+                </a:solidFill>
+              </a14:hiddenFill>
+            </a:ext>
+            <a:ext uri="{91240B29-F687-4F45-9708-019B960494DF}">
+              <a14:hiddenLine xmlns:a14="http://schemas.microsoft.com/office/drawing/2010/main" w="9525">
+                <a:solidFill>
+                  <a:schemeClr val="tx1"/>
+                </a:solidFill>
+                <a:miter lim="800000"/>
+                <a:headEnd/>
+                <a:tailEnd/>
+              </a14:hiddenLine>
+            </a:ext>
+          </a:extLst>
+        </p:spPr>
+      </p:pic>
+      <p:pic>
+        <p:nvPicPr>
+          <p:cNvPr id="7" name="Image 6">
+            <a:extLst>
+              <a:ext uri="{FF2B5EF4-FFF2-40B4-BE49-F238E27FC236}">
+                <a16:creationId xmlns:a16="http://schemas.microsoft.com/office/drawing/2014/main" id="{D5F46A01-2AAC-451B-A501-977B838DBB6B}"/>
+              </a:ext>
+            </a:extLst>
+          </p:cNvPr>
+          <p:cNvPicPr>
+            <a:picLocks noChangeAspect="1"/>
+          </p:cNvPicPr>
+          <p:nvPr/>
+        </p:nvPicPr>
+        <p:blipFill>
+          <a:blip r:embed="rId4" cstate="print"/>
+          <a:stretch>
+            <a:fillRect/>
+          </a:stretch>
+        </p:blipFill>
+        <p:spPr>
+          <a:xfrm>
+            <a:off x="6143812" y="2294080"/>
+            <a:ext cx="2618220" cy="392733"/>
+          </a:xfrm>
+          <a:prstGeom prst="rect">
+            <a:avLst/>
+          </a:prstGeom>
+          <a:ln>
+            <a:solidFill>
+              <a:schemeClr val="accent1"/>
+            </a:solidFill>
+          </a:ln>
+        </p:spPr>
+      </p:pic>
+      <p:pic>
+        <p:nvPicPr>
+          <p:cNvPr id="9" name="Image 8"/>
+          <p:cNvPicPr>
+            <a:picLocks noChangeAspect="1"/>
+          </p:cNvPicPr>
+          <p:nvPr/>
+        </p:nvPicPr>
+        <p:blipFill>
+          <a:blip r:embed="rId5"/>
+          <a:stretch>
+            <a:fillRect/>
+          </a:stretch>
+        </p:blipFill>
+        <p:spPr>
+          <a:xfrm>
+            <a:off x="7202397" y="4915394"/>
+            <a:ext cx="1941603" cy="1751249"/>
+          </a:xfrm>
+          <a:prstGeom prst="rect">
+            <a:avLst/>
+          </a:prstGeom>
+          <a:solidFill>
+            <a:schemeClr val="bg1"/>
+          </a:solidFill>
+        </p:spPr>
+      </p:pic>
+      <p:sp>
+        <p:nvSpPr>
+          <p:cNvPr id="6" name="Espace réservé du numéro de diapositive 5"/>
+          <p:cNvSpPr>
+            <a:spLocks noGrp="1"/>
+          </p:cNvSpPr>
+          <p:nvPr>
+            <p:ph type="sldNum" sz="quarter" idx="12"/>
+          </p:nvPr>
+        </p:nvSpPr>
+        <p:spPr/>
+        <p:txBody>
+          <a:bodyPr/>
+          <a:lstStyle/>
+          <a:p>
+            <a:fld id="{EB072F31-E728-490E-9D27-BC6EC9F2353E}" type="slidenum">
+              <a:rPr lang="en-US" smtClean="0"/>
+              <a:pPr/>
+              <a:t>13</a:t>
+            </a:fld>
+            <a:endParaRPr lang="en-US" dirty="0"/>
+          </a:p>
+        </p:txBody>
+      </p:sp>
+      <p:sp>
+        <p:nvSpPr>
+          <p:cNvPr id="10" name="ZoneTexte 9"/>
+          <p:cNvSpPr txBox="1"/>
+          <p:nvPr/>
+        </p:nvSpPr>
+        <p:spPr>
+          <a:xfrm>
+            <a:off x="7715250" y="6582976"/>
+            <a:ext cx="1428750" cy="276999"/>
+          </a:xfrm>
+          <a:prstGeom prst="rect">
+            <a:avLst/>
+          </a:prstGeom>
+          <a:noFill/>
+        </p:spPr>
+        <p:txBody>
+          <a:bodyPr wrap="square" rtlCol="0">
+            <a:spAutoFit/>
           </a:bodyPr>
           <a:lstStyle/>
           <a:p>
             <a:r>
-              <a:rPr lang="fr-FR" dirty="0"/>
-              <a:t>Part 1: validation of image quantification </a:t>
-            </a:r>
-            <a:r>
-              <a:rPr lang="fr-FR" dirty="0" err="1"/>
-              <a:t>methods</a:t>
-            </a:r>
-            <a:endParaRPr lang="fr-FR" dirty="0"/>
-          </a:p>
-          <a:p>
-            <a:pPr lvl="1"/>
-            <a:r>
-              <a:rPr lang="fr-FR" dirty="0"/>
-              <a:t>« </a:t>
-            </a:r>
-            <a:r>
-              <a:rPr lang="fr-FR" dirty="0" err="1"/>
-              <a:t>quality</a:t>
-            </a:r>
-            <a:r>
-              <a:rPr lang="fr-FR" dirty="0"/>
-              <a:t> check »</a:t>
-            </a:r>
-          </a:p>
-          <a:p>
-            <a:pPr lvl="1"/>
-            <a:r>
-              <a:rPr lang="fr-FR" dirty="0"/>
-              <a:t>Focus on </a:t>
-            </a:r>
-            <a:r>
-              <a:rPr lang="fr-FR" dirty="0" err="1"/>
-              <a:t>perimeter</a:t>
-            </a:r>
-            <a:endParaRPr lang="fr-FR" dirty="0"/>
-          </a:p>
-          <a:p>
-            <a:endParaRPr lang="fr-FR" dirty="0"/>
-          </a:p>
-          <a:p>
-            <a:r>
-              <a:rPr lang="fr-FR" dirty="0"/>
-              <a:t>Part 2: image texture </a:t>
-            </a:r>
-            <a:r>
-              <a:rPr lang="fr-FR" dirty="0" err="1"/>
-              <a:t>analysis</a:t>
-            </a:r>
-            <a:endParaRPr lang="fr-FR" dirty="0"/>
-          </a:p>
-          <a:p>
-            <a:pPr lvl="1"/>
-            <a:r>
-              <a:rPr lang="fr-FR" dirty="0"/>
-              <a:t>Example on plant tissue images</a:t>
-            </a:r>
-          </a:p>
-          <a:p>
-            <a:endParaRPr lang="fr-FR" dirty="0"/>
-          </a:p>
-          <a:p>
-            <a:r>
-              <a:rPr lang="fr-FR" dirty="0"/>
-              <a:t>Use Fiji/</a:t>
-            </a:r>
-            <a:r>
-              <a:rPr lang="fr-FR" dirty="0" err="1"/>
-              <a:t>ImageJ</a:t>
-            </a:r>
-            <a:endParaRPr lang="fr-FR" dirty="0"/>
-          </a:p>
-          <a:p>
-            <a:pPr lvl="1"/>
-            <a:r>
-              <a:rPr lang="fr-FR" dirty="0"/>
-              <a:t> (</a:t>
-            </a:r>
-            <a:r>
-              <a:rPr lang="fr-FR" dirty="0" err="1"/>
-              <a:t>with</a:t>
-            </a:r>
-            <a:r>
-              <a:rPr lang="fr-FR" dirty="0"/>
-              <a:t> plugins…)</a:t>
-            </a:r>
-          </a:p>
-          <a:p>
-            <a:pPr marL="457200" lvl="1" indent="0">
-              <a:buNone/>
-            </a:pPr>
-            <a:r>
-              <a:rPr lang="fr-FR" dirty="0">
-                <a:hlinkClick r:id="rId2"/>
-              </a:rPr>
-              <a:t>https://github.com/dlegland/image-analysis-practical-2023</a:t>
-            </a:r>
-            <a:r>
-              <a:rPr lang="fr-FR" sz="2800" dirty="0"/>
-              <a:t> </a:t>
-            </a:r>
+              <a:rPr lang="fr-FR" sz="1200" dirty="0"/>
+              <a:t>Gager et al. (2020)</a:t>
+            </a:r>
+            <a:endParaRPr lang="en-GB" sz="1200" dirty="0"/>
           </a:p>
         </p:txBody>
       </p:sp>
     </p:spTree>
     <p:extLst>
       <p:ext uri="{BB962C8B-B14F-4D97-AF65-F5344CB8AC3E}">
-        <p14:creationId xmlns:p14="http://schemas.microsoft.com/office/powerpoint/2010/main" val="139487078"/>
+        <p14:creationId xmlns:p14="http://schemas.microsoft.com/office/powerpoint/2010/main" val="2377837898"/>
       </p:ext>
     </p:extLst>
   </p:cSld>
@@ -4495,6 +4710,287 @@
           <p:cNvPr id="2" name="Titre 1">
             <a:extLst>
               <a:ext uri="{FF2B5EF4-FFF2-40B4-BE49-F238E27FC236}">
+                <a16:creationId xmlns:a16="http://schemas.microsoft.com/office/drawing/2014/main" id="{B78644FD-9C83-484A-B268-E1356CDA64EB}"/>
+              </a:ext>
+            </a:extLst>
+          </p:cNvPr>
+          <p:cNvSpPr>
+            <a:spLocks noGrp="1"/>
+          </p:cNvSpPr>
+          <p:nvPr>
+            <p:ph type="title"/>
+          </p:nvPr>
+        </p:nvSpPr>
+        <p:spPr/>
+        <p:txBody>
+          <a:bodyPr/>
+          <a:lstStyle/>
+          <a:p>
+            <a:r>
+              <a:rPr lang="fr-FR" dirty="0" err="1"/>
+              <a:t>Any</a:t>
+            </a:r>
+            <a:r>
+              <a:rPr lang="fr-FR" dirty="0"/>
+              <a:t> question about the talk?</a:t>
+            </a:r>
+          </a:p>
+        </p:txBody>
+      </p:sp>
+      <p:sp>
+        <p:nvSpPr>
+          <p:cNvPr id="3" name="Espace réservé du contenu 2">
+            <a:extLst>
+              <a:ext uri="{FF2B5EF4-FFF2-40B4-BE49-F238E27FC236}">
+                <a16:creationId xmlns:a16="http://schemas.microsoft.com/office/drawing/2014/main" id="{CB0809BA-5112-493A-8118-1294C35814EA}"/>
+              </a:ext>
+            </a:extLst>
+          </p:cNvPr>
+          <p:cNvSpPr>
+            <a:spLocks noGrp="1"/>
+          </p:cNvSpPr>
+          <p:nvPr>
+            <p:ph idx="1"/>
+          </p:nvPr>
+        </p:nvSpPr>
+        <p:spPr/>
+        <p:txBody>
+          <a:bodyPr/>
+          <a:lstStyle/>
+          <a:p>
+            <a:endParaRPr lang="fr-FR"/>
+          </a:p>
+        </p:txBody>
+      </p:sp>
+    </p:spTree>
+    <p:extLst>
+      <p:ext uri="{BB962C8B-B14F-4D97-AF65-F5344CB8AC3E}">
+        <p14:creationId xmlns:p14="http://schemas.microsoft.com/office/powerpoint/2010/main" val="1374842524"/>
+      </p:ext>
+    </p:extLst>
+  </p:cSld>
+  <p:clrMapOvr>
+    <a:masterClrMapping/>
+  </p:clrMapOvr>
+</p:sld>
+</file>
+
+<file path=ppt/slides/slide15.xml><?xml version="1.0" encoding="utf-8"?>
+<p:sld xmlns:a="http://schemas.openxmlformats.org/drawingml/2006/main" xmlns:r="http://schemas.openxmlformats.org/officeDocument/2006/relationships" xmlns:p="http://schemas.openxmlformats.org/presentationml/2006/main">
+  <p:cSld>
+    <p:spTree>
+      <p:nvGrpSpPr>
+        <p:cNvPr id="1" name=""/>
+        <p:cNvGrpSpPr/>
+        <p:nvPr/>
+      </p:nvGrpSpPr>
+      <p:grpSpPr>
+        <a:xfrm>
+          <a:off x="0" y="0"/>
+          <a:ext cx="0" cy="0"/>
+          <a:chOff x="0" y="0"/>
+          <a:chExt cx="0" cy="0"/>
+        </a:xfrm>
+      </p:grpSpPr>
+      <p:sp>
+        <p:nvSpPr>
+          <p:cNvPr id="2" name="Titre 1">
+            <a:extLst>
+              <a:ext uri="{FF2B5EF4-FFF2-40B4-BE49-F238E27FC236}">
+                <a16:creationId xmlns:a16="http://schemas.microsoft.com/office/drawing/2014/main" id="{9D2A5650-6A7B-4BFE-B33B-3FBD4C1B6AB8}"/>
+              </a:ext>
+            </a:extLst>
+          </p:cNvPr>
+          <p:cNvSpPr>
+            <a:spLocks noGrp="1"/>
+          </p:cNvSpPr>
+          <p:nvPr>
+            <p:ph type="title"/>
+          </p:nvPr>
+        </p:nvSpPr>
+        <p:spPr/>
+        <p:txBody>
+          <a:bodyPr/>
+          <a:lstStyle/>
+          <a:p>
+            <a:r>
+              <a:rPr lang="fr-FR" dirty="0" err="1"/>
+              <a:t>Practical</a:t>
+            </a:r>
+            <a:r>
+              <a:rPr lang="fr-FR" dirty="0"/>
+              <a:t> session	</a:t>
+            </a:r>
+          </a:p>
+        </p:txBody>
+      </p:sp>
+      <p:sp>
+        <p:nvSpPr>
+          <p:cNvPr id="3" name="Espace réservé du contenu 2">
+            <a:extLst>
+              <a:ext uri="{FF2B5EF4-FFF2-40B4-BE49-F238E27FC236}">
+                <a16:creationId xmlns:a16="http://schemas.microsoft.com/office/drawing/2014/main" id="{E341C587-B721-41B9-B8D6-77F264CE1FAB}"/>
+              </a:ext>
+            </a:extLst>
+          </p:cNvPr>
+          <p:cNvSpPr>
+            <a:spLocks noGrp="1"/>
+          </p:cNvSpPr>
+          <p:nvPr>
+            <p:ph idx="1"/>
+          </p:nvPr>
+        </p:nvSpPr>
+        <p:spPr>
+          <a:xfrm>
+            <a:off x="628649" y="1825625"/>
+            <a:ext cx="8310251" cy="4351338"/>
+          </a:xfrm>
+        </p:spPr>
+        <p:txBody>
+          <a:bodyPr>
+            <a:normAutofit lnSpcReduction="10000"/>
+          </a:bodyPr>
+          <a:lstStyle/>
+          <a:p>
+            <a:r>
+              <a:rPr lang="fr-FR" dirty="0"/>
+              <a:t>Part 1: validation of image quantification </a:t>
+            </a:r>
+            <a:r>
+              <a:rPr lang="fr-FR" dirty="0" err="1"/>
+              <a:t>methods</a:t>
+            </a:r>
+            <a:endParaRPr lang="fr-FR" dirty="0"/>
+          </a:p>
+          <a:p>
+            <a:pPr lvl="1"/>
+            <a:r>
+              <a:rPr lang="fr-FR" dirty="0"/>
+              <a:t>« </a:t>
+            </a:r>
+            <a:r>
+              <a:rPr lang="fr-FR" dirty="0" err="1"/>
+              <a:t>quality</a:t>
+            </a:r>
+            <a:r>
+              <a:rPr lang="fr-FR" dirty="0"/>
+              <a:t> check »</a:t>
+            </a:r>
+          </a:p>
+          <a:p>
+            <a:pPr lvl="1"/>
+            <a:r>
+              <a:rPr lang="fr-FR" dirty="0"/>
+              <a:t>Focus on </a:t>
+            </a:r>
+            <a:r>
+              <a:rPr lang="fr-FR" dirty="0" err="1"/>
+              <a:t>perimeter</a:t>
+            </a:r>
+            <a:endParaRPr lang="fr-FR" dirty="0"/>
+          </a:p>
+          <a:p>
+            <a:endParaRPr lang="fr-FR" dirty="0"/>
+          </a:p>
+          <a:p>
+            <a:r>
+              <a:rPr lang="fr-FR" dirty="0"/>
+              <a:t>Part 2: image texture </a:t>
+            </a:r>
+            <a:r>
+              <a:rPr lang="fr-FR" dirty="0" err="1"/>
+              <a:t>analysis</a:t>
+            </a:r>
+            <a:endParaRPr lang="fr-FR" dirty="0"/>
+          </a:p>
+          <a:p>
+            <a:pPr lvl="1"/>
+            <a:r>
+              <a:rPr lang="fr-FR" dirty="0"/>
+              <a:t>Example on plant tissue images</a:t>
+            </a:r>
+          </a:p>
+          <a:p>
+            <a:endParaRPr lang="fr-FR" dirty="0"/>
+          </a:p>
+          <a:p>
+            <a:r>
+              <a:rPr lang="fr-FR" dirty="0"/>
+              <a:t>Use Fiji/</a:t>
+            </a:r>
+            <a:r>
+              <a:rPr lang="fr-FR" dirty="0" err="1"/>
+              <a:t>ImageJ</a:t>
+            </a:r>
+            <a:endParaRPr lang="fr-FR" dirty="0"/>
+          </a:p>
+          <a:p>
+            <a:pPr lvl="1"/>
+            <a:r>
+              <a:rPr lang="fr-FR" dirty="0"/>
+              <a:t> (</a:t>
+            </a:r>
+            <a:r>
+              <a:rPr lang="fr-FR" dirty="0" err="1"/>
+              <a:t>with</a:t>
+            </a:r>
+            <a:r>
+              <a:rPr lang="fr-FR" dirty="0"/>
+              <a:t> plugins…)</a:t>
+            </a:r>
+          </a:p>
+          <a:p>
+            <a:pPr marL="457200" lvl="1" indent="0">
+              <a:buNone/>
+            </a:pPr>
+            <a:r>
+              <a:rPr lang="fr-FR" dirty="0">
+                <a:hlinkClick r:id="rId2"/>
+              </a:rPr>
+              <a:t>https://github.com/dlegland/image-analysis-practical-2023</a:t>
+            </a:r>
+            <a:r>
+              <a:rPr lang="fr-FR" sz="2800" dirty="0"/>
+              <a:t> </a:t>
+            </a:r>
+          </a:p>
+        </p:txBody>
+      </p:sp>
+    </p:spTree>
+    <p:extLst>
+      <p:ext uri="{BB962C8B-B14F-4D97-AF65-F5344CB8AC3E}">
+        <p14:creationId xmlns:p14="http://schemas.microsoft.com/office/powerpoint/2010/main" val="139487078"/>
+      </p:ext>
+    </p:extLst>
+  </p:cSld>
+  <p:clrMapOvr>
+    <a:masterClrMapping/>
+  </p:clrMapOvr>
+</p:sld>
+</file>
+
+<file path=ppt/slides/slide16.xml><?xml version="1.0" encoding="utf-8"?>
+<p:sld xmlns:a="http://schemas.openxmlformats.org/drawingml/2006/main" xmlns:r="http://schemas.openxmlformats.org/officeDocument/2006/relationships" xmlns:p="http://schemas.openxmlformats.org/presentationml/2006/main">
+  <p:cSld>
+    <p:spTree>
+      <p:nvGrpSpPr>
+        <p:cNvPr id="1" name=""/>
+        <p:cNvGrpSpPr/>
+        <p:nvPr/>
+      </p:nvGrpSpPr>
+      <p:grpSpPr>
+        <a:xfrm>
+          <a:off x="0" y="0"/>
+          <a:ext cx="0" cy="0"/>
+          <a:chOff x="0" y="0"/>
+          <a:chExt cx="0" cy="0"/>
+        </a:xfrm>
+      </p:grpSpPr>
+      <p:sp>
+        <p:nvSpPr>
+          <p:cNvPr id="2" name="Titre 1">
+            <a:extLst>
+              <a:ext uri="{FF2B5EF4-FFF2-40B4-BE49-F238E27FC236}">
                 <a16:creationId xmlns:a16="http://schemas.microsoft.com/office/drawing/2014/main" id="{9FF9A376-B842-4390-89D9-DDF3677EB929}"/>
               </a:ext>
             </a:extLst>
@@ -4672,7 +5168,7 @@
 </p:sld>
 </file>
 
-<file path=ppt/slides/slide15.xml><?xml version="1.0" encoding="utf-8"?>
+<file path=ppt/slides/slide17.xml><?xml version="1.0" encoding="utf-8"?>
 <p:sld xmlns:a="http://schemas.openxmlformats.org/drawingml/2006/main" xmlns:r="http://schemas.openxmlformats.org/officeDocument/2006/relationships" xmlns:p="http://schemas.openxmlformats.org/presentationml/2006/main">
   <p:cSld>
     <p:spTree>
@@ -5108,7 +5604,7 @@
 </p:sld>
 </file>
 
-<file path=ppt/slides/slide16.xml><?xml version="1.0" encoding="utf-8"?>
+<file path=ppt/slides/slide18.xml><?xml version="1.0" encoding="utf-8"?>
 <p:sld xmlns:a="http://schemas.openxmlformats.org/drawingml/2006/main" xmlns:r="http://schemas.openxmlformats.org/officeDocument/2006/relationships" xmlns:p="http://schemas.openxmlformats.org/presentationml/2006/main">
   <p:cSld>
     <p:spTree>
@@ -5272,7 +5768,7 @@
 </p:sld>
 </file>
 
-<file path=ppt/slides/slide17.xml><?xml version="1.0" encoding="utf-8"?>
+<file path=ppt/slides/slide19.xml><?xml version="1.0" encoding="utf-8"?>
 <p:sld xmlns:a="http://schemas.openxmlformats.org/drawingml/2006/main" xmlns:r="http://schemas.openxmlformats.org/officeDocument/2006/relationships" xmlns:p="http://schemas.openxmlformats.org/presentationml/2006/main">
   <p:cSld>
     <p:spTree>
@@ -5616,7 +6112,7 @@
 </p:sld>
 </file>
 
-<file path=ppt/slides/slide18.xml><?xml version="1.0" encoding="utf-8"?>
+<file path=ppt/slides/slide2.xml><?xml version="1.0" encoding="utf-8"?>
 <p:sld xmlns:a="http://schemas.openxmlformats.org/drawingml/2006/main" xmlns:r="http://schemas.openxmlformats.org/officeDocument/2006/relationships" xmlns:p="http://schemas.openxmlformats.org/presentationml/2006/main">
   <p:cSld>
     <p:spTree>
@@ -5635,9 +6131,462 @@
       </p:grpSpPr>
       <p:sp>
         <p:nvSpPr>
+          <p:cNvPr id="2" name="Titre 1"/>
+          <p:cNvSpPr>
+            <a:spLocks noGrp="1"/>
+          </p:cNvSpPr>
+          <p:nvPr>
+            <p:ph type="title"/>
+          </p:nvPr>
+        </p:nvSpPr>
+        <p:spPr/>
+        <p:txBody>
+          <a:bodyPr>
+            <a:normAutofit/>
+          </a:bodyPr>
+          <a:lstStyle/>
+          <a:p>
+            <a:r>
+              <a:rPr lang="en-US" dirty="0"/>
+              <a:t>Quantitative image analysis</a:t>
+            </a:r>
+            <a:br>
+              <a:rPr lang="fr-FR" dirty="0"/>
+            </a:br>
+            <a:endParaRPr lang="fr-FR" dirty="0"/>
+          </a:p>
+        </p:txBody>
+      </p:sp>
+      <p:sp>
+        <p:nvSpPr>
+          <p:cNvPr id="3" name="Espace réservé du contenu 2"/>
+          <p:cNvSpPr>
+            <a:spLocks noGrp="1"/>
+          </p:cNvSpPr>
+          <p:nvPr>
+            <p:ph idx="1"/>
+          </p:nvPr>
+        </p:nvSpPr>
+        <p:spPr>
+          <a:xfrm>
+            <a:off x="457200" y="1500808"/>
+            <a:ext cx="8229600" cy="4992066"/>
+          </a:xfrm>
+        </p:spPr>
+        <p:txBody>
+          <a:bodyPr>
+            <a:normAutofit/>
+          </a:bodyPr>
+          <a:lstStyle/>
+          <a:p>
+            <a:r>
+              <a:rPr lang="en-US" dirty="0"/>
+              <a:t>Typical </a:t>
+            </a:r>
+            <a:r>
+              <a:rPr lang="fr-FR" dirty="0"/>
+              <a:t>objectives:</a:t>
+            </a:r>
+          </a:p>
+          <a:p>
+            <a:pPr lvl="1"/>
+            <a:r>
+              <a:rPr lang="en-US" dirty="0"/>
+              <a:t>Comparison of modalities</a:t>
+            </a:r>
+          </a:p>
+          <a:p>
+            <a:pPr lvl="1"/>
+            <a:r>
+              <a:rPr lang="fr-FR" dirty="0"/>
+              <a:t>Classification </a:t>
+            </a:r>
+            <a:endParaRPr lang="en-US" dirty="0"/>
+          </a:p>
+          <a:p>
+            <a:pPr lvl="1"/>
+            <a:r>
+              <a:rPr lang="en-US" dirty="0"/>
+              <a:t>Modelling</a:t>
+            </a:r>
+          </a:p>
+          <a:p>
+            <a:pPr lvl="1"/>
+            <a:r>
+              <a:rPr lang="fr-FR" dirty="0"/>
+              <a:t>…</a:t>
+            </a:r>
+          </a:p>
+          <a:p>
+            <a:r>
+              <a:rPr lang="en-US" dirty="0"/>
+              <a:t>Need to </a:t>
+            </a:r>
+            <a:r>
+              <a:rPr lang="en-US" b="1" dirty="0"/>
+              <a:t>quantify information </a:t>
+            </a:r>
+            <a:r>
+              <a:rPr lang="en-US" dirty="0"/>
+              <a:t>within images</a:t>
+            </a:r>
+          </a:p>
+        </p:txBody>
+      </p:sp>
+      <p:sp>
+        <p:nvSpPr>
+          <p:cNvPr id="13" name="Text Box 26"/>
+          <p:cNvSpPr txBox="1">
+            <a:spLocks noChangeArrowheads="1"/>
+          </p:cNvSpPr>
+          <p:nvPr/>
+        </p:nvSpPr>
+        <p:spPr bwMode="auto">
+          <a:xfrm>
+            <a:off x="3972132" y="4849280"/>
+            <a:ext cx="1150938" cy="366712"/>
+          </a:xfrm>
+          <a:prstGeom prst="rect">
+            <a:avLst/>
+          </a:prstGeom>
+          <a:noFill/>
+          <a:ln w="9525">
+            <a:noFill/>
+            <a:miter lim="800000"/>
+            <a:headEnd/>
+            <a:tailEnd/>
+          </a:ln>
+          <a:effectLst/>
+        </p:spPr>
+        <p:txBody>
+          <a:bodyPr>
+            <a:spAutoFit/>
+          </a:bodyPr>
+          <a:lstStyle/>
+          <a:p>
+            <a:pPr>
+              <a:spcBef>
+                <a:spcPct val="50000"/>
+              </a:spcBef>
+            </a:pPr>
+            <a:r>
+              <a:rPr lang="en-US" dirty="0">
+                <a:solidFill>
+                  <a:srgbClr val="FF7F00"/>
+                </a:solidFill>
+              </a:rPr>
+              <a:t>Analysis</a:t>
+            </a:r>
+          </a:p>
+        </p:txBody>
+      </p:sp>
+      <p:sp>
+        <p:nvSpPr>
+          <p:cNvPr id="14" name="Line 27"/>
+          <p:cNvSpPr>
+            <a:spLocks noChangeShapeType="1"/>
+          </p:cNvSpPr>
+          <p:nvPr/>
+        </p:nvSpPr>
+        <p:spPr bwMode="auto">
+          <a:xfrm>
+            <a:off x="2980137" y="5282195"/>
+            <a:ext cx="3297268" cy="6166"/>
+          </a:xfrm>
+          <a:prstGeom prst="line">
+            <a:avLst/>
+          </a:prstGeom>
+          <a:noFill/>
+          <a:ln w="28575">
+            <a:solidFill>
+              <a:srgbClr val="404040"/>
+            </a:solidFill>
+            <a:round/>
+            <a:headEnd/>
+            <a:tailEnd type="triangle" w="med" len="lg"/>
+          </a:ln>
+          <a:effectLst/>
+        </p:spPr>
+        <p:txBody>
+          <a:bodyPr/>
+          <a:lstStyle/>
+          <a:p>
+            <a:endParaRPr lang="fr-FR"/>
+          </a:p>
+        </p:txBody>
+      </p:sp>
+      <p:sp>
+        <p:nvSpPr>
+          <p:cNvPr id="46" name="Text Box 17"/>
+          <p:cNvSpPr txBox="1">
+            <a:spLocks noChangeArrowheads="1"/>
+          </p:cNvSpPr>
+          <p:nvPr/>
+        </p:nvSpPr>
+        <p:spPr bwMode="auto">
+          <a:xfrm>
+            <a:off x="6714275" y="6236738"/>
+            <a:ext cx="1256997" cy="369332"/>
+          </a:xfrm>
+          <a:prstGeom prst="rect">
+            <a:avLst/>
+          </a:prstGeom>
+          <a:noFill/>
+          <a:ln w="9525">
+            <a:noFill/>
+            <a:miter lim="800000"/>
+            <a:headEnd/>
+            <a:tailEnd/>
+          </a:ln>
+          <a:effectLst/>
+        </p:spPr>
+        <p:txBody>
+          <a:bodyPr wrap="square">
+            <a:spAutoFit/>
+          </a:bodyPr>
+          <a:lstStyle/>
+          <a:p>
+            <a:r>
+              <a:rPr lang="en-US" dirty="0"/>
+              <a:t>Measures</a:t>
+            </a:r>
+          </a:p>
+        </p:txBody>
+      </p:sp>
+      <p:pic>
+        <p:nvPicPr>
+          <p:cNvPr id="2050" name="Picture 2"/>
+          <p:cNvPicPr>
+            <a:picLocks noChangeAspect="1" noChangeArrowheads="1"/>
+          </p:cNvPicPr>
+          <p:nvPr/>
+        </p:nvPicPr>
+        <p:blipFill>
+          <a:blip r:embed="rId3" cstate="print"/>
+          <a:srcRect/>
+          <a:stretch>
+            <a:fillRect/>
+          </a:stretch>
+        </p:blipFill>
+        <p:spPr bwMode="auto">
+          <a:xfrm>
+            <a:off x="1075774" y="4696418"/>
+            <a:ext cx="1543778" cy="1543778"/>
+          </a:xfrm>
+          <a:prstGeom prst="rect">
+            <a:avLst/>
+          </a:prstGeom>
+          <a:noFill/>
+          <a:ln w="9525">
+            <a:noFill/>
+            <a:miter lim="800000"/>
+            <a:headEnd/>
+            <a:tailEnd/>
+          </a:ln>
+        </p:spPr>
+      </p:pic>
+      <p:pic>
+        <p:nvPicPr>
+          <p:cNvPr id="4" name="Image 3">
+            <a:extLst>
+              <a:ext uri="{FF2B5EF4-FFF2-40B4-BE49-F238E27FC236}">
+                <a16:creationId xmlns:a16="http://schemas.microsoft.com/office/drawing/2014/main" id="{7949A8E2-7F64-439C-92C1-A7381BA448E8}"/>
+              </a:ext>
+            </a:extLst>
+          </p:cNvPr>
+          <p:cNvPicPr>
+            <a:picLocks noChangeAspect="1"/>
+          </p:cNvPicPr>
+          <p:nvPr/>
+        </p:nvPicPr>
+        <p:blipFill>
+          <a:blip r:embed="rId4"/>
+          <a:stretch>
+            <a:fillRect/>
+          </a:stretch>
+        </p:blipFill>
+        <p:spPr>
+          <a:xfrm>
+            <a:off x="6562021" y="4696418"/>
+            <a:ext cx="1416343" cy="1540320"/>
+          </a:xfrm>
+          <a:prstGeom prst="rect">
+            <a:avLst/>
+          </a:prstGeom>
+        </p:spPr>
+      </p:pic>
+      <p:sp>
+        <p:nvSpPr>
+          <p:cNvPr id="11" name="Text Box 17">
+            <a:extLst>
+              <a:ext uri="{FF2B5EF4-FFF2-40B4-BE49-F238E27FC236}">
+                <a16:creationId xmlns:a16="http://schemas.microsoft.com/office/drawing/2014/main" id="{1EA1E204-2C6F-4BD0-A9AA-E2735E9D38C8}"/>
+              </a:ext>
+            </a:extLst>
+          </p:cNvPr>
+          <p:cNvSpPr txBox="1">
+            <a:spLocks noChangeArrowheads="1"/>
+          </p:cNvSpPr>
+          <p:nvPr/>
+        </p:nvSpPr>
+        <p:spPr bwMode="auto">
+          <a:xfrm>
+            <a:off x="1410346" y="6208339"/>
+            <a:ext cx="1256997" cy="369332"/>
+          </a:xfrm>
+          <a:prstGeom prst="rect">
+            <a:avLst/>
+          </a:prstGeom>
+          <a:noFill/>
+          <a:ln w="9525">
+            <a:noFill/>
+            <a:miter lim="800000"/>
+            <a:headEnd/>
+            <a:tailEnd/>
+          </a:ln>
+          <a:effectLst/>
+        </p:spPr>
+        <p:txBody>
+          <a:bodyPr wrap="square">
+            <a:spAutoFit/>
+          </a:bodyPr>
+          <a:lstStyle/>
+          <a:p>
+            <a:r>
+              <a:rPr lang="en-US" dirty="0"/>
+              <a:t>Image</a:t>
+            </a:r>
+          </a:p>
+        </p:txBody>
+      </p:sp>
+    </p:spTree>
+  </p:cSld>
+  <p:clrMapOvr>
+    <a:masterClrMapping/>
+  </p:clrMapOvr>
+</p:sld>
+</file>
+
+<file path=ppt/slides/slide20.xml><?xml version="1.0" encoding="utf-8"?>
+<p:sld xmlns:a="http://schemas.openxmlformats.org/drawingml/2006/main" xmlns:r="http://schemas.openxmlformats.org/officeDocument/2006/relationships" xmlns:p="http://schemas.openxmlformats.org/presentationml/2006/main">
+  <p:cSld>
+    <p:spTree>
+      <p:nvGrpSpPr>
+        <p:cNvPr id="1" name=""/>
+        <p:cNvGrpSpPr/>
+        <p:nvPr/>
+      </p:nvGrpSpPr>
+      <p:grpSpPr>
+        <a:xfrm>
+          <a:off x="0" y="0"/>
+          <a:ext cx="0" cy="0"/>
+          <a:chOff x="0" y="0"/>
+          <a:chExt cx="0" cy="0"/>
+        </a:xfrm>
+      </p:grpSpPr>
+      <p:sp>
+        <p:nvSpPr>
           <p:cNvPr id="2" name="Titre 1">
             <a:extLst>
               <a:ext uri="{FF2B5EF4-FFF2-40B4-BE49-F238E27FC236}">
+                <a16:creationId xmlns:a16="http://schemas.microsoft.com/office/drawing/2014/main" id="{F60ADED9-7897-46B0-9A84-80F87C4A9751}"/>
+              </a:ext>
+            </a:extLst>
+          </p:cNvPr>
+          <p:cNvSpPr>
+            <a:spLocks noGrp="1"/>
+          </p:cNvSpPr>
+          <p:nvPr>
+            <p:ph type="title"/>
+          </p:nvPr>
+        </p:nvSpPr>
+        <p:spPr/>
+        <p:txBody>
+          <a:bodyPr/>
+          <a:lstStyle/>
+          <a:p>
+            <a:r>
+              <a:rPr lang="fr-FR" dirty="0"/>
+              <a:t>Image </a:t>
+            </a:r>
+            <a:r>
+              <a:rPr lang="fr-FR" dirty="0" err="1"/>
+              <a:t>coordinate</a:t>
+            </a:r>
+            <a:r>
+              <a:rPr lang="fr-FR" dirty="0"/>
+              <a:t> system</a:t>
+            </a:r>
+          </a:p>
+        </p:txBody>
+      </p:sp>
+      <p:pic>
+        <p:nvPicPr>
+          <p:cNvPr id="4" name="Espace réservé du contenu 3">
+            <a:extLst>
+              <a:ext uri="{FF2B5EF4-FFF2-40B4-BE49-F238E27FC236}">
+                <a16:creationId xmlns:a16="http://schemas.microsoft.com/office/drawing/2014/main" id="{9646E376-5E95-415B-B6F4-BA457F699F20}"/>
+              </a:ext>
+            </a:extLst>
+          </p:cNvPr>
+          <p:cNvPicPr>
+            <a:picLocks noGrp="1" noChangeAspect="1"/>
+          </p:cNvPicPr>
+          <p:nvPr>
+            <p:ph idx="1"/>
+          </p:nvPr>
+        </p:nvPicPr>
+        <p:blipFill>
+          <a:blip r:embed="rId2"/>
+          <a:stretch>
+            <a:fillRect/>
+          </a:stretch>
+        </p:blipFill>
+        <p:spPr>
+          <a:xfrm>
+            <a:off x="628650" y="1962194"/>
+            <a:ext cx="7886700" cy="4078200"/>
+          </a:xfrm>
+          <a:prstGeom prst="rect">
+            <a:avLst/>
+          </a:prstGeom>
+        </p:spPr>
+      </p:pic>
+    </p:spTree>
+    <p:extLst>
+      <p:ext uri="{BB962C8B-B14F-4D97-AF65-F5344CB8AC3E}">
+        <p14:creationId xmlns:p14="http://schemas.microsoft.com/office/powerpoint/2010/main" val="349747407"/>
+      </p:ext>
+    </p:extLst>
+  </p:cSld>
+  <p:clrMapOvr>
+    <a:masterClrMapping/>
+  </p:clrMapOvr>
+</p:sld>
+</file>
+
+<file path=ppt/slides/slide21.xml><?xml version="1.0" encoding="utf-8"?>
+<p:sld xmlns:a="http://schemas.openxmlformats.org/drawingml/2006/main" xmlns:r="http://schemas.openxmlformats.org/officeDocument/2006/relationships" xmlns:p="http://schemas.openxmlformats.org/presentationml/2006/main">
+  <p:cSld>
+    <p:spTree>
+      <p:nvGrpSpPr>
+        <p:cNvPr id="1" name=""/>
+        <p:cNvGrpSpPr/>
+        <p:nvPr/>
+      </p:nvGrpSpPr>
+      <p:grpSpPr>
+        <a:xfrm>
+          <a:off x="0" y="0"/>
+          <a:ext cx="0" cy="0"/>
+          <a:chOff x="0" y="0"/>
+          <a:chExt cx="0" cy="0"/>
+        </a:xfrm>
+      </p:grpSpPr>
+      <p:sp>
+        <p:nvSpPr>
+          <p:cNvPr id="2" name="Titre 1">
+            <a:extLst>
+              <a:ext uri="{FF2B5EF4-FFF2-40B4-BE49-F238E27FC236}">
                 <a16:creationId xmlns:a16="http://schemas.microsoft.com/office/drawing/2014/main" id="{2D09B5CC-4DA8-42BB-9237-507D20320B2F}"/>
               </a:ext>
             </a:extLst>
@@ -5656,7 +6605,7 @@
           <a:p>
             <a:r>
               <a:rPr lang="fr-FR" dirty="0"/>
-              <a:t>1.1 </a:t>
+              <a:t>Ex. 1.1 </a:t>
             </a:r>
             <a:r>
               <a:rPr lang="fr-FR" dirty="0" err="1"/>
@@ -5859,7 +6808,7 @@
 </p:sld>
 </file>
 
-<file path=ppt/slides/slide19.xml><?xml version="1.0" encoding="utf-8"?>
+<file path=ppt/slides/slide22.xml><?xml version="1.0" encoding="utf-8"?>
 <p:sld xmlns:a="http://schemas.openxmlformats.org/drawingml/2006/main" xmlns:r="http://schemas.openxmlformats.org/officeDocument/2006/relationships" xmlns:p="http://schemas.openxmlformats.org/presentationml/2006/main">
   <p:cSld>
     <p:spTree>
@@ -6174,362 +7123,7 @@
 </p:sld>
 </file>
 
-<file path=ppt/slides/slide2.xml><?xml version="1.0" encoding="utf-8"?>
-<p:sld xmlns:a="http://schemas.openxmlformats.org/drawingml/2006/main" xmlns:r="http://schemas.openxmlformats.org/officeDocument/2006/relationships" xmlns:p="http://schemas.openxmlformats.org/presentationml/2006/main">
-  <p:cSld>
-    <p:spTree>
-      <p:nvGrpSpPr>
-        <p:cNvPr id="1" name=""/>
-        <p:cNvGrpSpPr/>
-        <p:nvPr/>
-      </p:nvGrpSpPr>
-      <p:grpSpPr>
-        <a:xfrm>
-          <a:off x="0" y="0"/>
-          <a:ext cx="0" cy="0"/>
-          <a:chOff x="0" y="0"/>
-          <a:chExt cx="0" cy="0"/>
-        </a:xfrm>
-      </p:grpSpPr>
-      <p:sp>
-        <p:nvSpPr>
-          <p:cNvPr id="2" name="Titre 1"/>
-          <p:cNvSpPr>
-            <a:spLocks noGrp="1"/>
-          </p:cNvSpPr>
-          <p:nvPr>
-            <p:ph type="title"/>
-          </p:nvPr>
-        </p:nvSpPr>
-        <p:spPr/>
-        <p:txBody>
-          <a:bodyPr>
-            <a:normAutofit/>
-          </a:bodyPr>
-          <a:lstStyle/>
-          <a:p>
-            <a:r>
-              <a:rPr lang="en-US" dirty="0"/>
-              <a:t>Quantitative image analysis</a:t>
-            </a:r>
-            <a:br>
-              <a:rPr lang="fr-FR" dirty="0"/>
-            </a:br>
-            <a:endParaRPr lang="fr-FR" dirty="0"/>
-          </a:p>
-        </p:txBody>
-      </p:sp>
-      <p:sp>
-        <p:nvSpPr>
-          <p:cNvPr id="3" name="Espace réservé du contenu 2"/>
-          <p:cNvSpPr>
-            <a:spLocks noGrp="1"/>
-          </p:cNvSpPr>
-          <p:nvPr>
-            <p:ph idx="1"/>
-          </p:nvPr>
-        </p:nvSpPr>
-        <p:spPr>
-          <a:xfrm>
-            <a:off x="457200" y="1500808"/>
-            <a:ext cx="8229600" cy="4992066"/>
-          </a:xfrm>
-        </p:spPr>
-        <p:txBody>
-          <a:bodyPr>
-            <a:normAutofit/>
-          </a:bodyPr>
-          <a:lstStyle/>
-          <a:p>
-            <a:r>
-              <a:rPr lang="en-US" dirty="0"/>
-              <a:t>Typical </a:t>
-            </a:r>
-            <a:r>
-              <a:rPr lang="fr-FR" dirty="0"/>
-              <a:t>objectives:</a:t>
-            </a:r>
-          </a:p>
-          <a:p>
-            <a:pPr lvl="1"/>
-            <a:r>
-              <a:rPr lang="en-US" dirty="0"/>
-              <a:t>Comparison of modalities</a:t>
-            </a:r>
-          </a:p>
-          <a:p>
-            <a:pPr lvl="1"/>
-            <a:r>
-              <a:rPr lang="fr-FR" dirty="0"/>
-              <a:t>Classification </a:t>
-            </a:r>
-            <a:endParaRPr lang="en-US" dirty="0"/>
-          </a:p>
-          <a:p>
-            <a:pPr lvl="1"/>
-            <a:r>
-              <a:rPr lang="en-US" dirty="0"/>
-              <a:t>Modelling</a:t>
-            </a:r>
-          </a:p>
-          <a:p>
-            <a:pPr lvl="1"/>
-            <a:r>
-              <a:rPr lang="fr-FR" dirty="0"/>
-              <a:t>…</a:t>
-            </a:r>
-          </a:p>
-          <a:p>
-            <a:r>
-              <a:rPr lang="en-US" dirty="0"/>
-              <a:t>Need to </a:t>
-            </a:r>
-            <a:r>
-              <a:rPr lang="en-US" b="1" dirty="0"/>
-              <a:t>quantify information </a:t>
-            </a:r>
-            <a:r>
-              <a:rPr lang="en-US" dirty="0"/>
-              <a:t>within images</a:t>
-            </a:r>
-          </a:p>
-        </p:txBody>
-      </p:sp>
-      <p:sp>
-        <p:nvSpPr>
-          <p:cNvPr id="13" name="Text Box 26"/>
-          <p:cNvSpPr txBox="1">
-            <a:spLocks noChangeArrowheads="1"/>
-          </p:cNvSpPr>
-          <p:nvPr/>
-        </p:nvSpPr>
-        <p:spPr bwMode="auto">
-          <a:xfrm>
-            <a:off x="3972132" y="4849280"/>
-            <a:ext cx="1150938" cy="366712"/>
-          </a:xfrm>
-          <a:prstGeom prst="rect">
-            <a:avLst/>
-          </a:prstGeom>
-          <a:noFill/>
-          <a:ln w="9525">
-            <a:noFill/>
-            <a:miter lim="800000"/>
-            <a:headEnd/>
-            <a:tailEnd/>
-          </a:ln>
-          <a:effectLst/>
-        </p:spPr>
-        <p:txBody>
-          <a:bodyPr>
-            <a:spAutoFit/>
-          </a:bodyPr>
-          <a:lstStyle/>
-          <a:p>
-            <a:pPr>
-              <a:spcBef>
-                <a:spcPct val="50000"/>
-              </a:spcBef>
-            </a:pPr>
-            <a:r>
-              <a:rPr lang="en-US" dirty="0">
-                <a:solidFill>
-                  <a:srgbClr val="FF7F00"/>
-                </a:solidFill>
-              </a:rPr>
-              <a:t>Analysis</a:t>
-            </a:r>
-          </a:p>
-        </p:txBody>
-      </p:sp>
-      <p:sp>
-        <p:nvSpPr>
-          <p:cNvPr id="14" name="Line 27"/>
-          <p:cNvSpPr>
-            <a:spLocks noChangeShapeType="1"/>
-          </p:cNvSpPr>
-          <p:nvPr/>
-        </p:nvSpPr>
-        <p:spPr bwMode="auto">
-          <a:xfrm>
-            <a:off x="2980137" y="5282195"/>
-            <a:ext cx="3297268" cy="6166"/>
-          </a:xfrm>
-          <a:prstGeom prst="line">
-            <a:avLst/>
-          </a:prstGeom>
-          <a:noFill/>
-          <a:ln w="28575">
-            <a:solidFill>
-              <a:srgbClr val="404040"/>
-            </a:solidFill>
-            <a:round/>
-            <a:headEnd/>
-            <a:tailEnd type="triangle" w="med" len="lg"/>
-          </a:ln>
-          <a:effectLst/>
-        </p:spPr>
-        <p:txBody>
-          <a:bodyPr/>
-          <a:lstStyle/>
-          <a:p>
-            <a:endParaRPr lang="fr-FR"/>
-          </a:p>
-        </p:txBody>
-      </p:sp>
-      <p:sp>
-        <p:nvSpPr>
-          <p:cNvPr id="46" name="Text Box 17"/>
-          <p:cNvSpPr txBox="1">
-            <a:spLocks noChangeArrowheads="1"/>
-          </p:cNvSpPr>
-          <p:nvPr/>
-        </p:nvSpPr>
-        <p:spPr bwMode="auto">
-          <a:xfrm>
-            <a:off x="6714275" y="6236738"/>
-            <a:ext cx="1256997" cy="369332"/>
-          </a:xfrm>
-          <a:prstGeom prst="rect">
-            <a:avLst/>
-          </a:prstGeom>
-          <a:noFill/>
-          <a:ln w="9525">
-            <a:noFill/>
-            <a:miter lim="800000"/>
-            <a:headEnd/>
-            <a:tailEnd/>
-          </a:ln>
-          <a:effectLst/>
-        </p:spPr>
-        <p:txBody>
-          <a:bodyPr wrap="square">
-            <a:spAutoFit/>
-          </a:bodyPr>
-          <a:lstStyle/>
-          <a:p>
-            <a:r>
-              <a:rPr lang="en-US" dirty="0"/>
-              <a:t>Measures</a:t>
-            </a:r>
-          </a:p>
-        </p:txBody>
-      </p:sp>
-      <p:pic>
-        <p:nvPicPr>
-          <p:cNvPr id="2050" name="Picture 2"/>
-          <p:cNvPicPr>
-            <a:picLocks noChangeAspect="1" noChangeArrowheads="1"/>
-          </p:cNvPicPr>
-          <p:nvPr/>
-        </p:nvPicPr>
-        <p:blipFill>
-          <a:blip r:embed="rId3" cstate="print"/>
-          <a:srcRect/>
-          <a:stretch>
-            <a:fillRect/>
-          </a:stretch>
-        </p:blipFill>
-        <p:spPr bwMode="auto">
-          <a:xfrm>
-            <a:off x="1075774" y="4696418"/>
-            <a:ext cx="1543778" cy="1543778"/>
-          </a:xfrm>
-          <a:prstGeom prst="rect">
-            <a:avLst/>
-          </a:prstGeom>
-          <a:noFill/>
-          <a:ln w="9525">
-            <a:noFill/>
-            <a:miter lim="800000"/>
-            <a:headEnd/>
-            <a:tailEnd/>
-          </a:ln>
-        </p:spPr>
-      </p:pic>
-      <p:pic>
-        <p:nvPicPr>
-          <p:cNvPr id="4" name="Image 3">
-            <a:extLst>
-              <a:ext uri="{FF2B5EF4-FFF2-40B4-BE49-F238E27FC236}">
-                <a16:creationId xmlns:a16="http://schemas.microsoft.com/office/drawing/2014/main" id="{7949A8E2-7F64-439C-92C1-A7381BA448E8}"/>
-              </a:ext>
-            </a:extLst>
-          </p:cNvPr>
-          <p:cNvPicPr>
-            <a:picLocks noChangeAspect="1"/>
-          </p:cNvPicPr>
-          <p:nvPr/>
-        </p:nvPicPr>
-        <p:blipFill>
-          <a:blip r:embed="rId4"/>
-          <a:stretch>
-            <a:fillRect/>
-          </a:stretch>
-        </p:blipFill>
-        <p:spPr>
-          <a:xfrm>
-            <a:off x="6562021" y="4696418"/>
-            <a:ext cx="1416343" cy="1540320"/>
-          </a:xfrm>
-          <a:prstGeom prst="rect">
-            <a:avLst/>
-          </a:prstGeom>
-        </p:spPr>
-      </p:pic>
-      <p:sp>
-        <p:nvSpPr>
-          <p:cNvPr id="11" name="Text Box 17">
-            <a:extLst>
-              <a:ext uri="{FF2B5EF4-FFF2-40B4-BE49-F238E27FC236}">
-                <a16:creationId xmlns:a16="http://schemas.microsoft.com/office/drawing/2014/main" id="{1EA1E204-2C6F-4BD0-A9AA-E2735E9D38C8}"/>
-              </a:ext>
-            </a:extLst>
-          </p:cNvPr>
-          <p:cNvSpPr txBox="1">
-            <a:spLocks noChangeArrowheads="1"/>
-          </p:cNvSpPr>
-          <p:nvPr/>
-        </p:nvSpPr>
-        <p:spPr bwMode="auto">
-          <a:xfrm>
-            <a:off x="1410346" y="6208339"/>
-            <a:ext cx="1256997" cy="369332"/>
-          </a:xfrm>
-          <a:prstGeom prst="rect">
-            <a:avLst/>
-          </a:prstGeom>
-          <a:noFill/>
-          <a:ln w="9525">
-            <a:noFill/>
-            <a:miter lim="800000"/>
-            <a:headEnd/>
-            <a:tailEnd/>
-          </a:ln>
-          <a:effectLst/>
-        </p:spPr>
-        <p:txBody>
-          <a:bodyPr wrap="square">
-            <a:spAutoFit/>
-          </a:bodyPr>
-          <a:lstStyle/>
-          <a:p>
-            <a:r>
-              <a:rPr lang="en-US" dirty="0"/>
-              <a:t>Image</a:t>
-            </a:r>
-          </a:p>
-        </p:txBody>
-      </p:sp>
-    </p:spTree>
-  </p:cSld>
-  <p:clrMapOvr>
-    <a:masterClrMapping/>
-  </p:clrMapOvr>
-</p:sld>
-</file>
-
-<file path=ppt/slides/slide20.xml><?xml version="1.0" encoding="utf-8"?>
+<file path=ppt/slides/slide23.xml><?xml version="1.0" encoding="utf-8"?>
 <p:sld xmlns:a="http://schemas.openxmlformats.org/drawingml/2006/main" xmlns:r="http://schemas.openxmlformats.org/officeDocument/2006/relationships" xmlns:p="http://schemas.openxmlformats.org/presentationml/2006/main">
   <p:cSld>
     <p:spTree>
@@ -6833,7 +7427,7 @@
 </p:sld>
 </file>
 
-<file path=ppt/slides/slide21.xml><?xml version="1.0" encoding="utf-8"?>
+<file path=ppt/slides/slide24.xml><?xml version="1.0" encoding="utf-8"?>
 <p:sld xmlns:a="http://schemas.openxmlformats.org/drawingml/2006/main" xmlns:r="http://schemas.openxmlformats.org/officeDocument/2006/relationships" xmlns:p="http://schemas.openxmlformats.org/presentationml/2006/main">
   <p:cSld>
     <p:spTree>
@@ -6957,7 +7551,7 @@
 </p:sld>
 </file>
 
-<file path=ppt/slides/slide22.xml><?xml version="1.0" encoding="utf-8"?>
+<file path=ppt/slides/slide25.xml><?xml version="1.0" encoding="utf-8"?>
 <p:sld xmlns:a="http://schemas.openxmlformats.org/drawingml/2006/main" xmlns:r="http://schemas.openxmlformats.org/officeDocument/2006/relationships" xmlns:p="http://schemas.openxmlformats.org/presentationml/2006/main">
   <p:cSld>
     <p:spTree>
@@ -6996,6 +7590,10 @@
           <a:lstStyle/>
           <a:p>
             <a:r>
+              <a:rPr lang="fr-FR" dirty="0"/>
+              <a:t>Ex.1.2 </a:t>
+            </a:r>
+            <a:r>
               <a:rPr lang="fr-FR" dirty="0" err="1"/>
               <a:t>Other</a:t>
             </a:r>
@@ -7173,7 +7771,7 @@
 </p:sld>
 </file>
 
-<file path=ppt/slides/slide23.xml><?xml version="1.0" encoding="utf-8"?>
+<file path=ppt/slides/slide26.xml><?xml version="1.0" encoding="utf-8"?>
 <p:sld xmlns:a="http://schemas.openxmlformats.org/drawingml/2006/main" xmlns:r="http://schemas.openxmlformats.org/officeDocument/2006/relationships" xmlns:p="http://schemas.openxmlformats.org/presentationml/2006/main">
   <p:cSld>
     <p:spTree>
@@ -7192,6 +7790,125 @@
       </p:grpSpPr>
       <p:sp>
         <p:nvSpPr>
+          <p:cNvPr id="4" name="Titre 3">
+            <a:extLst>
+              <a:ext uri="{FF2B5EF4-FFF2-40B4-BE49-F238E27FC236}">
+                <a16:creationId xmlns:a16="http://schemas.microsoft.com/office/drawing/2014/main" id="{E4BE9EB1-E9A3-4CE8-ADCA-3E087D2D6A92}"/>
+              </a:ext>
+            </a:extLst>
+          </p:cNvPr>
+          <p:cNvSpPr>
+            <a:spLocks noGrp="1"/>
+          </p:cNvSpPr>
+          <p:nvPr>
+            <p:ph type="title"/>
+          </p:nvPr>
+        </p:nvSpPr>
+        <p:spPr/>
+        <p:txBody>
+          <a:bodyPr/>
+          <a:lstStyle/>
+          <a:p>
+            <a:r>
+              <a:rPr lang="fr-FR" dirty="0" err="1"/>
+              <a:t>Results</a:t>
+            </a:r>
+            <a:r>
+              <a:rPr lang="fr-FR" dirty="0"/>
+              <a:t> for square</a:t>
+            </a:r>
+          </a:p>
+        </p:txBody>
+      </p:sp>
+      <p:pic>
+        <p:nvPicPr>
+          <p:cNvPr id="7" name="Espace réservé du contenu 6">
+            <a:extLst>
+              <a:ext uri="{FF2B5EF4-FFF2-40B4-BE49-F238E27FC236}">
+                <a16:creationId xmlns:a16="http://schemas.microsoft.com/office/drawing/2014/main" id="{0EE79806-26E4-4176-A063-EA1ECB507EDE}"/>
+              </a:ext>
+            </a:extLst>
+          </p:cNvPr>
+          <p:cNvPicPr>
+            <a:picLocks noGrp="1" noChangeAspect="1"/>
+          </p:cNvPicPr>
+          <p:nvPr>
+            <p:ph sz="half" idx="1"/>
+          </p:nvPr>
+        </p:nvPicPr>
+        <p:blipFill>
+          <a:blip r:embed="rId2"/>
+          <a:stretch>
+            <a:fillRect/>
+          </a:stretch>
+        </p:blipFill>
+        <p:spPr>
+          <a:xfrm>
+            <a:off x="700321" y="1939389"/>
+            <a:ext cx="3742857" cy="4123809"/>
+          </a:xfrm>
+          <a:prstGeom prst="rect">
+            <a:avLst/>
+          </a:prstGeom>
+        </p:spPr>
+      </p:pic>
+      <p:sp>
+        <p:nvSpPr>
+          <p:cNvPr id="6" name="Espace réservé du contenu 5">
+            <a:extLst>
+              <a:ext uri="{FF2B5EF4-FFF2-40B4-BE49-F238E27FC236}">
+                <a16:creationId xmlns:a16="http://schemas.microsoft.com/office/drawing/2014/main" id="{00E7861C-1988-4E9B-A2F6-7363175A7EE2}"/>
+              </a:ext>
+            </a:extLst>
+          </p:cNvPr>
+          <p:cNvSpPr>
+            <a:spLocks noGrp="1"/>
+          </p:cNvSpPr>
+          <p:nvPr>
+            <p:ph sz="half" idx="2"/>
+          </p:nvPr>
+        </p:nvSpPr>
+        <p:spPr/>
+        <p:txBody>
+          <a:bodyPr/>
+          <a:lstStyle/>
+          <a:p>
+            <a:endParaRPr lang="fr-FR"/>
+          </a:p>
+        </p:txBody>
+      </p:sp>
+    </p:spTree>
+    <p:extLst>
+      <p:ext uri="{BB962C8B-B14F-4D97-AF65-F5344CB8AC3E}">
+        <p14:creationId xmlns:p14="http://schemas.microsoft.com/office/powerpoint/2010/main" val="13174502"/>
+      </p:ext>
+    </p:extLst>
+  </p:cSld>
+  <p:clrMapOvr>
+    <a:masterClrMapping/>
+  </p:clrMapOvr>
+</p:sld>
+</file>
+
+<file path=ppt/slides/slide27.xml><?xml version="1.0" encoding="utf-8"?>
+<p:sld xmlns:a="http://schemas.openxmlformats.org/drawingml/2006/main" xmlns:r="http://schemas.openxmlformats.org/officeDocument/2006/relationships" xmlns:p="http://schemas.openxmlformats.org/presentationml/2006/main">
+  <p:cSld>
+    <p:spTree>
+      <p:nvGrpSpPr>
+        <p:cNvPr id="1" name=""/>
+        <p:cNvGrpSpPr/>
+        <p:nvPr/>
+      </p:nvGrpSpPr>
+      <p:grpSpPr>
+        <a:xfrm>
+          <a:off x="0" y="0"/>
+          <a:ext cx="0" cy="0"/>
+          <a:chOff x="0" y="0"/>
+          <a:chExt cx="0" cy="0"/>
+        </a:xfrm>
+      </p:grpSpPr>
+      <p:sp>
+        <p:nvSpPr>
           <p:cNvPr id="2" name="Titre 1">
             <a:extLst>
               <a:ext uri="{FF2B5EF4-FFF2-40B4-BE49-F238E27FC236}">
@@ -7211,6 +7928,10 @@
           <a:bodyPr/>
           <a:lstStyle/>
           <a:p>
+            <a:r>
+              <a:rPr lang="fr-FR" dirty="0"/>
+              <a:t>Ex. 1.3 </a:t>
+            </a:r>
             <a:r>
               <a:rPr lang="fr-FR" dirty="0" err="1"/>
               <a:t>Other</a:t>
@@ -7406,126 +8127,7 @@
 </p:sld>
 </file>
 
-<file path=ppt/slides/slide24.xml><?xml version="1.0" encoding="utf-8"?>
-<p:sld xmlns:a="http://schemas.openxmlformats.org/drawingml/2006/main" xmlns:r="http://schemas.openxmlformats.org/officeDocument/2006/relationships" xmlns:p="http://schemas.openxmlformats.org/presentationml/2006/main">
-  <p:cSld>
-    <p:spTree>
-      <p:nvGrpSpPr>
-        <p:cNvPr id="1" name=""/>
-        <p:cNvGrpSpPr/>
-        <p:nvPr/>
-      </p:nvGrpSpPr>
-      <p:grpSpPr>
-        <a:xfrm>
-          <a:off x="0" y="0"/>
-          <a:ext cx="0" cy="0"/>
-          <a:chOff x="0" y="0"/>
-          <a:chExt cx="0" cy="0"/>
-        </a:xfrm>
-      </p:grpSpPr>
-      <p:sp>
-        <p:nvSpPr>
-          <p:cNvPr id="4" name="Titre 3">
-            <a:extLst>
-              <a:ext uri="{FF2B5EF4-FFF2-40B4-BE49-F238E27FC236}">
-                <a16:creationId xmlns:a16="http://schemas.microsoft.com/office/drawing/2014/main" id="{E4BE9EB1-E9A3-4CE8-ADCA-3E087D2D6A92}"/>
-              </a:ext>
-            </a:extLst>
-          </p:cNvPr>
-          <p:cNvSpPr>
-            <a:spLocks noGrp="1"/>
-          </p:cNvSpPr>
-          <p:nvPr>
-            <p:ph type="title"/>
-          </p:nvPr>
-        </p:nvSpPr>
-        <p:spPr/>
-        <p:txBody>
-          <a:bodyPr/>
-          <a:lstStyle/>
-          <a:p>
-            <a:r>
-              <a:rPr lang="fr-FR" dirty="0" err="1"/>
-              <a:t>Results</a:t>
-            </a:r>
-            <a:r>
-              <a:rPr lang="fr-FR" dirty="0"/>
-              <a:t> for square</a:t>
-            </a:r>
-          </a:p>
-        </p:txBody>
-      </p:sp>
-      <p:pic>
-        <p:nvPicPr>
-          <p:cNvPr id="7" name="Espace réservé du contenu 6">
-            <a:extLst>
-              <a:ext uri="{FF2B5EF4-FFF2-40B4-BE49-F238E27FC236}">
-                <a16:creationId xmlns:a16="http://schemas.microsoft.com/office/drawing/2014/main" id="{0EE79806-26E4-4176-A063-EA1ECB507EDE}"/>
-              </a:ext>
-            </a:extLst>
-          </p:cNvPr>
-          <p:cNvPicPr>
-            <a:picLocks noGrp="1" noChangeAspect="1"/>
-          </p:cNvPicPr>
-          <p:nvPr>
-            <p:ph sz="half" idx="1"/>
-          </p:nvPr>
-        </p:nvPicPr>
-        <p:blipFill>
-          <a:blip r:embed="rId2"/>
-          <a:stretch>
-            <a:fillRect/>
-          </a:stretch>
-        </p:blipFill>
-        <p:spPr>
-          <a:xfrm>
-            <a:off x="700321" y="1939389"/>
-            <a:ext cx="3742857" cy="4123809"/>
-          </a:xfrm>
-          <a:prstGeom prst="rect">
-            <a:avLst/>
-          </a:prstGeom>
-        </p:spPr>
-      </p:pic>
-      <p:sp>
-        <p:nvSpPr>
-          <p:cNvPr id="6" name="Espace réservé du contenu 5">
-            <a:extLst>
-              <a:ext uri="{FF2B5EF4-FFF2-40B4-BE49-F238E27FC236}">
-                <a16:creationId xmlns:a16="http://schemas.microsoft.com/office/drawing/2014/main" id="{00E7861C-1988-4E9B-A2F6-7363175A7EE2}"/>
-              </a:ext>
-            </a:extLst>
-          </p:cNvPr>
-          <p:cNvSpPr>
-            <a:spLocks noGrp="1"/>
-          </p:cNvSpPr>
-          <p:nvPr>
-            <p:ph sz="half" idx="2"/>
-          </p:nvPr>
-        </p:nvSpPr>
-        <p:spPr/>
-        <p:txBody>
-          <a:bodyPr/>
-          <a:lstStyle/>
-          <a:p>
-            <a:endParaRPr lang="fr-FR"/>
-          </a:p>
-        </p:txBody>
-      </p:sp>
-    </p:spTree>
-    <p:extLst>
-      <p:ext uri="{BB962C8B-B14F-4D97-AF65-F5344CB8AC3E}">
-        <p14:creationId xmlns:p14="http://schemas.microsoft.com/office/powerpoint/2010/main" val="13174502"/>
-      </p:ext>
-    </p:extLst>
-  </p:cSld>
-  <p:clrMapOvr>
-    <a:masterClrMapping/>
-  </p:clrMapOvr>
-</p:sld>
-</file>
-
-<file path=ppt/slides/slide25.xml><?xml version="1.0" encoding="utf-8"?>
+<file path=ppt/slides/slide28.xml><?xml version="1.0" encoding="utf-8"?>
 <p:sld xmlns:a="http://schemas.openxmlformats.org/drawingml/2006/main" xmlns:r="http://schemas.openxmlformats.org/officeDocument/2006/relationships" xmlns:p="http://schemas.openxmlformats.org/presentationml/2006/main">
   <p:cSld>
     <p:spTree>
@@ -7683,527 +8285,6 @@
 </p:sld>
 </file>
 
-<file path=ppt/slides/slide26.xml><?xml version="1.0" encoding="utf-8"?>
-<p:sld xmlns:a="http://schemas.openxmlformats.org/drawingml/2006/main" xmlns:r="http://schemas.openxmlformats.org/officeDocument/2006/relationships" xmlns:p="http://schemas.openxmlformats.org/presentationml/2006/main">
-  <p:cSld>
-    <p:spTree>
-      <p:nvGrpSpPr>
-        <p:cNvPr id="1" name=""/>
-        <p:cNvGrpSpPr/>
-        <p:nvPr/>
-      </p:nvGrpSpPr>
-      <p:grpSpPr>
-        <a:xfrm>
-          <a:off x="0" y="0"/>
-          <a:ext cx="0" cy="0"/>
-          <a:chOff x="0" y="0"/>
-          <a:chExt cx="0" cy="0"/>
-        </a:xfrm>
-      </p:grpSpPr>
-      <p:sp>
-        <p:nvSpPr>
-          <p:cNvPr id="2" name="Titre 1">
-            <a:extLst>
-              <a:ext uri="{FF2B5EF4-FFF2-40B4-BE49-F238E27FC236}">
-                <a16:creationId xmlns:a16="http://schemas.microsoft.com/office/drawing/2014/main" id="{DDB8407F-1155-401B-B4C2-283CE8EAC497}"/>
-              </a:ext>
-            </a:extLst>
-          </p:cNvPr>
-          <p:cNvSpPr>
-            <a:spLocks noGrp="1"/>
-          </p:cNvSpPr>
-          <p:nvPr>
-            <p:ph type="title"/>
-          </p:nvPr>
-        </p:nvSpPr>
-        <p:spPr/>
-        <p:txBody>
-          <a:bodyPr/>
-          <a:lstStyle/>
-          <a:p>
-            <a:r>
-              <a:rPr lang="fr-FR" dirty="0"/>
-              <a:t>Bonus: impact of image </a:t>
-            </a:r>
-            <a:r>
-              <a:rPr lang="fr-FR" dirty="0" err="1"/>
-              <a:t>resolution</a:t>
-            </a:r>
-            <a:endParaRPr lang="fr-FR" dirty="0"/>
-          </a:p>
-        </p:txBody>
-      </p:sp>
-      <p:sp>
-        <p:nvSpPr>
-          <p:cNvPr id="3" name="Espace réservé du contenu 2">
-            <a:extLst>
-              <a:ext uri="{FF2B5EF4-FFF2-40B4-BE49-F238E27FC236}">
-                <a16:creationId xmlns:a16="http://schemas.microsoft.com/office/drawing/2014/main" id="{6F1CA76D-69CE-4048-83E7-FEB8090554A7}"/>
-              </a:ext>
-            </a:extLst>
-          </p:cNvPr>
-          <p:cNvSpPr>
-            <a:spLocks noGrp="1"/>
-          </p:cNvSpPr>
-          <p:nvPr>
-            <p:ph idx="1"/>
-          </p:nvPr>
-        </p:nvSpPr>
-        <p:spPr/>
-        <p:txBody>
-          <a:bodyPr/>
-          <a:lstStyle/>
-          <a:p>
-            <a:r>
-              <a:rPr lang="fr-FR" dirty="0"/>
-              <a:t>Try to </a:t>
-            </a:r>
-            <a:r>
-              <a:rPr lang="fr-FR" dirty="0" err="1"/>
-              <a:t>evaluate</a:t>
-            </a:r>
-            <a:r>
-              <a:rPr lang="fr-FR" dirty="0"/>
-              <a:t> the </a:t>
-            </a:r>
-            <a:r>
-              <a:rPr lang="fr-FR" dirty="0" err="1"/>
-              <a:t>precision</a:t>
-            </a:r>
-            <a:r>
-              <a:rPr lang="fr-FR" dirty="0"/>
-              <a:t> for </a:t>
-            </a:r>
-            <a:r>
-              <a:rPr lang="fr-FR" dirty="0" err="1"/>
-              <a:t>various</a:t>
-            </a:r>
-            <a:r>
-              <a:rPr lang="fr-FR" dirty="0"/>
-              <a:t> pixel sizes</a:t>
-            </a:r>
-          </a:p>
-          <a:p>
-            <a:pPr lvl="1"/>
-            <a:r>
-              <a:rPr lang="fr-FR" dirty="0"/>
-              <a:t>Size = 0.5*D -&gt; 100*D</a:t>
-            </a:r>
-          </a:p>
-          <a:p>
-            <a:pPr lvl="1"/>
-            <a:endParaRPr lang="fr-FR" dirty="0"/>
-          </a:p>
-          <a:p>
-            <a:r>
-              <a:rPr lang="fr-FR" dirty="0"/>
-              <a:t>Try </a:t>
-            </a:r>
-            <a:r>
-              <a:rPr lang="fr-FR" dirty="0" err="1"/>
-              <a:t>also</a:t>
-            </a:r>
-            <a:r>
-              <a:rPr lang="fr-FR" dirty="0"/>
-              <a:t> </a:t>
-            </a:r>
-            <a:r>
-              <a:rPr lang="fr-FR" dirty="0" err="1"/>
-              <a:t>rectangular</a:t>
-            </a:r>
-            <a:r>
-              <a:rPr lang="fr-FR" dirty="0"/>
-              <a:t> pixel (</a:t>
-            </a:r>
-            <a:r>
-              <a:rPr lang="fr-FR" dirty="0" err="1"/>
-              <a:t>width</a:t>
-            </a:r>
-            <a:r>
-              <a:rPr lang="fr-FR" dirty="0"/>
-              <a:t> != </a:t>
-            </a:r>
-            <a:r>
-              <a:rPr lang="fr-FR" dirty="0" err="1"/>
-              <a:t>height</a:t>
-            </a:r>
-            <a:r>
-              <a:rPr lang="fr-FR" dirty="0"/>
-              <a:t>)</a:t>
-            </a:r>
-          </a:p>
-        </p:txBody>
-      </p:sp>
-    </p:spTree>
-    <p:extLst>
-      <p:ext uri="{BB962C8B-B14F-4D97-AF65-F5344CB8AC3E}">
-        <p14:creationId xmlns:p14="http://schemas.microsoft.com/office/powerpoint/2010/main" val="3733822845"/>
-      </p:ext>
-    </p:extLst>
-  </p:cSld>
-  <p:clrMapOvr>
-    <a:masterClrMapping/>
-  </p:clrMapOvr>
-</p:sld>
-</file>
-
-<file path=ppt/slides/slide27.xml><?xml version="1.0" encoding="utf-8"?>
-<p:sld xmlns:a="http://schemas.openxmlformats.org/drawingml/2006/main" xmlns:r="http://schemas.openxmlformats.org/officeDocument/2006/relationships" xmlns:p="http://schemas.openxmlformats.org/presentationml/2006/main">
-  <p:cSld>
-    <p:spTree>
-      <p:nvGrpSpPr>
-        <p:cNvPr id="1" name=""/>
-        <p:cNvGrpSpPr/>
-        <p:nvPr/>
-      </p:nvGrpSpPr>
-      <p:grpSpPr>
-        <a:xfrm>
-          <a:off x="0" y="0"/>
-          <a:ext cx="0" cy="0"/>
-          <a:chOff x="0" y="0"/>
-          <a:chExt cx="0" cy="0"/>
-        </a:xfrm>
-      </p:grpSpPr>
-      <p:sp>
-        <p:nvSpPr>
-          <p:cNvPr id="2" name="Titre 1">
-            <a:extLst>
-              <a:ext uri="{FF2B5EF4-FFF2-40B4-BE49-F238E27FC236}">
-                <a16:creationId xmlns:a16="http://schemas.microsoft.com/office/drawing/2014/main" id="{5E00B60F-8778-47A8-B186-72CFEEC26429}"/>
-              </a:ext>
-            </a:extLst>
-          </p:cNvPr>
-          <p:cNvSpPr>
-            <a:spLocks noGrp="1"/>
-          </p:cNvSpPr>
-          <p:nvPr>
-            <p:ph type="title"/>
-          </p:nvPr>
-        </p:nvSpPr>
-        <p:spPr/>
-        <p:txBody>
-          <a:bodyPr/>
-          <a:lstStyle/>
-          <a:p>
-            <a:r>
-              <a:rPr lang="fr-FR" dirty="0"/>
-              <a:t>Bonus: </a:t>
-            </a:r>
-            <a:r>
-              <a:rPr lang="fr-FR" dirty="0" err="1"/>
-              <a:t>evaluate</a:t>
-            </a:r>
-            <a:r>
-              <a:rPr lang="fr-FR" dirty="0"/>
-              <a:t> </a:t>
-            </a:r>
-            <a:r>
-              <a:rPr lang="fr-FR" dirty="0" err="1"/>
-              <a:t>error</a:t>
-            </a:r>
-            <a:r>
-              <a:rPr lang="fr-FR" dirty="0"/>
-              <a:t> on surface area </a:t>
-            </a:r>
-            <a:r>
-              <a:rPr lang="fr-FR" dirty="0" err="1"/>
-              <a:t>measure</a:t>
-            </a:r>
-            <a:endParaRPr lang="fr-FR" dirty="0"/>
-          </a:p>
-        </p:txBody>
-      </p:sp>
-      <p:sp>
-        <p:nvSpPr>
-          <p:cNvPr id="3" name="Espace réservé du contenu 2">
-            <a:extLst>
-              <a:ext uri="{FF2B5EF4-FFF2-40B4-BE49-F238E27FC236}">
-                <a16:creationId xmlns:a16="http://schemas.microsoft.com/office/drawing/2014/main" id="{3D93F023-F3BC-4DD1-BB8C-771DA8E2B524}"/>
-              </a:ext>
-            </a:extLst>
-          </p:cNvPr>
-          <p:cNvSpPr>
-            <a:spLocks noGrp="1"/>
-          </p:cNvSpPr>
-          <p:nvPr>
-            <p:ph idx="1"/>
-          </p:nvPr>
-        </p:nvSpPr>
-        <p:spPr/>
-        <p:txBody>
-          <a:bodyPr/>
-          <a:lstStyle/>
-          <a:p>
-            <a:r>
-              <a:rPr lang="fr-FR" dirty="0" err="1"/>
-              <a:t>Sample</a:t>
-            </a:r>
-            <a:r>
-              <a:rPr lang="fr-FR" dirty="0"/>
-              <a:t> </a:t>
-            </a:r>
-            <a:r>
-              <a:rPr lang="fr-FR" dirty="0" err="1"/>
-              <a:t>shapes</a:t>
-            </a:r>
-            <a:r>
-              <a:rPr lang="fr-FR" dirty="0"/>
-              <a:t>:</a:t>
-            </a:r>
-          </a:p>
-          <a:p>
-            <a:pPr lvl="1"/>
-            <a:r>
-              <a:rPr lang="fr-FR" dirty="0" err="1"/>
-              <a:t>Sphere</a:t>
-            </a:r>
-            <a:endParaRPr lang="fr-FR" dirty="0"/>
-          </a:p>
-          <a:p>
-            <a:pPr lvl="1"/>
-            <a:r>
-              <a:rPr lang="fr-FR" dirty="0" err="1"/>
-              <a:t>Ellipsoid</a:t>
-            </a:r>
-            <a:r>
-              <a:rPr lang="fr-FR" dirty="0"/>
-              <a:t>, </a:t>
-            </a:r>
-            <a:r>
-              <a:rPr lang="fr-FR" dirty="0" err="1"/>
-              <a:t>cylinder</a:t>
-            </a:r>
-            <a:r>
-              <a:rPr lang="fr-FR" dirty="0"/>
-              <a:t>, </a:t>
-            </a:r>
-            <a:r>
-              <a:rPr lang="fr-FR" dirty="0" err="1"/>
-              <a:t>cuboid</a:t>
-            </a:r>
-            <a:r>
-              <a:rPr lang="fr-FR" dirty="0"/>
-              <a:t>…</a:t>
-            </a:r>
-          </a:p>
-          <a:p>
-            <a:pPr lvl="1"/>
-            <a:r>
-              <a:rPr lang="fr-FR" dirty="0" err="1"/>
-              <a:t>Problem</a:t>
-            </a:r>
-            <a:r>
-              <a:rPr lang="fr-FR" dirty="0"/>
-              <a:t>: </a:t>
-            </a:r>
-            <a:r>
-              <a:rPr lang="fr-FR" dirty="0" err="1"/>
-              <a:t>even</a:t>
-            </a:r>
-            <a:r>
-              <a:rPr lang="fr-FR" dirty="0"/>
-              <a:t> distribution of orientations?</a:t>
-            </a:r>
-          </a:p>
-          <a:p>
-            <a:pPr lvl="1"/>
-            <a:endParaRPr lang="fr-FR" dirty="0"/>
-          </a:p>
-          <a:p>
-            <a:endParaRPr lang="fr-FR" dirty="0"/>
-          </a:p>
-        </p:txBody>
-      </p:sp>
-    </p:spTree>
-    <p:extLst>
-      <p:ext uri="{BB962C8B-B14F-4D97-AF65-F5344CB8AC3E}">
-        <p14:creationId xmlns:p14="http://schemas.microsoft.com/office/powerpoint/2010/main" val="2812739763"/>
-      </p:ext>
-    </p:extLst>
-  </p:cSld>
-  <p:clrMapOvr>
-    <a:masterClrMapping/>
-  </p:clrMapOvr>
-</p:sld>
-</file>
-
-<file path=ppt/slides/slide28.xml><?xml version="1.0" encoding="utf-8"?>
-<p:sld xmlns:a="http://schemas.openxmlformats.org/drawingml/2006/main" xmlns:r="http://schemas.openxmlformats.org/officeDocument/2006/relationships" xmlns:p="http://schemas.openxmlformats.org/presentationml/2006/main">
-  <p:cSld>
-    <p:spTree>
-      <p:nvGrpSpPr>
-        <p:cNvPr id="1" name=""/>
-        <p:cNvGrpSpPr/>
-        <p:nvPr/>
-      </p:nvGrpSpPr>
-      <p:grpSpPr>
-        <a:xfrm>
-          <a:off x="0" y="0"/>
-          <a:ext cx="0" cy="0"/>
-          <a:chOff x="0" y="0"/>
-          <a:chExt cx="0" cy="0"/>
-        </a:xfrm>
-      </p:grpSpPr>
-      <p:sp>
-        <p:nvSpPr>
-          <p:cNvPr id="2" name="Titre 1">
-            <a:extLst>
-              <a:ext uri="{FF2B5EF4-FFF2-40B4-BE49-F238E27FC236}">
-                <a16:creationId xmlns:a16="http://schemas.microsoft.com/office/drawing/2014/main" id="{F8C92785-EB96-45EF-9983-7FC99BFFACC0}"/>
-              </a:ext>
-            </a:extLst>
-          </p:cNvPr>
-          <p:cNvSpPr>
-            <a:spLocks noGrp="1"/>
-          </p:cNvSpPr>
-          <p:nvPr>
-            <p:ph type="title"/>
-          </p:nvPr>
-        </p:nvSpPr>
-        <p:spPr/>
-        <p:txBody>
-          <a:bodyPr/>
-          <a:lstStyle/>
-          <a:p>
-            <a:r>
-              <a:rPr lang="fr-FR" dirty="0" err="1"/>
-              <a:t>Practical</a:t>
-            </a:r>
-            <a:r>
-              <a:rPr lang="fr-FR" dirty="0"/>
-              <a:t> </a:t>
-            </a:r>
-            <a:r>
-              <a:rPr lang="fr-FR" dirty="0" err="1"/>
-              <a:t>outline</a:t>
-            </a:r>
-            <a:r>
-              <a:rPr lang="fr-FR" dirty="0"/>
-              <a:t> 2</a:t>
-            </a:r>
-          </a:p>
-        </p:txBody>
-      </p:sp>
-      <p:sp>
-        <p:nvSpPr>
-          <p:cNvPr id="3" name="Espace réservé du contenu 2">
-            <a:extLst>
-              <a:ext uri="{FF2B5EF4-FFF2-40B4-BE49-F238E27FC236}">
-                <a16:creationId xmlns:a16="http://schemas.microsoft.com/office/drawing/2014/main" id="{6479D2AC-A5D2-400F-B9E2-11721F0B2B1E}"/>
-              </a:ext>
-            </a:extLst>
-          </p:cNvPr>
-          <p:cNvSpPr>
-            <a:spLocks noGrp="1"/>
-          </p:cNvSpPr>
-          <p:nvPr>
-            <p:ph idx="1"/>
-          </p:nvPr>
-        </p:nvSpPr>
-        <p:spPr/>
-        <p:txBody>
-          <a:bodyPr/>
-          <a:lstStyle/>
-          <a:p>
-            <a:r>
-              <a:rPr lang="fr-FR" dirty="0"/>
-              <a:t>Image texture </a:t>
-            </a:r>
-            <a:r>
-              <a:rPr lang="fr-FR" dirty="0" err="1"/>
-              <a:t>analysis</a:t>
-            </a:r>
-            <a:endParaRPr lang="fr-FR" dirty="0"/>
-          </a:p>
-          <a:p>
-            <a:endParaRPr lang="fr-FR" dirty="0"/>
-          </a:p>
-          <a:p>
-            <a:endParaRPr lang="fr-FR" dirty="0"/>
-          </a:p>
-          <a:p>
-            <a:endParaRPr lang="fr-FR" dirty="0"/>
-          </a:p>
-          <a:p>
-            <a:r>
-              <a:rPr lang="fr-FR" strike="sngStrike" dirty="0" err="1"/>
-              <a:t>Recall</a:t>
-            </a:r>
-            <a:r>
-              <a:rPr lang="fr-FR" strike="sngStrike" dirty="0"/>
-              <a:t> </a:t>
-            </a:r>
-            <a:r>
-              <a:rPr lang="fr-FR" strike="sngStrike" dirty="0" err="1"/>
-              <a:t>morphological</a:t>
-            </a:r>
-            <a:r>
-              <a:rPr lang="fr-FR" strike="sngStrike" dirty="0"/>
-              <a:t> </a:t>
-            </a:r>
-            <a:r>
-              <a:rPr lang="fr-FR" strike="sngStrike" dirty="0" err="1"/>
-              <a:t>filters</a:t>
-            </a:r>
-            <a:endParaRPr lang="fr-FR" strike="sngStrike" dirty="0"/>
-          </a:p>
-          <a:p>
-            <a:r>
-              <a:rPr lang="fr-FR" dirty="0" err="1"/>
-              <a:t>Compute</a:t>
-            </a:r>
-            <a:r>
-              <a:rPr lang="fr-FR" dirty="0"/>
-              <a:t> </a:t>
-            </a:r>
-            <a:r>
-              <a:rPr lang="fr-FR" dirty="0" err="1"/>
-              <a:t>granulometry</a:t>
-            </a:r>
-            <a:r>
-              <a:rPr lang="fr-FR" dirty="0"/>
-              <a:t> </a:t>
-            </a:r>
-            <a:r>
-              <a:rPr lang="fr-FR" dirty="0" err="1"/>
-              <a:t>curves</a:t>
-            </a:r>
-            <a:endParaRPr lang="fr-FR" dirty="0"/>
-          </a:p>
-          <a:p>
-            <a:r>
-              <a:rPr lang="fr-FR" dirty="0" err="1"/>
-              <a:t>Interpret</a:t>
-            </a:r>
-            <a:r>
-              <a:rPr lang="fr-FR" dirty="0"/>
-              <a:t>!</a:t>
-            </a:r>
-          </a:p>
-          <a:p>
-            <a:endParaRPr lang="fr-FR" dirty="0"/>
-          </a:p>
-          <a:p>
-            <a:endParaRPr lang="fr-FR" dirty="0"/>
-          </a:p>
-          <a:p>
-            <a:endParaRPr lang="fr-FR" dirty="0"/>
-          </a:p>
-        </p:txBody>
-      </p:sp>
-    </p:spTree>
-    <p:extLst>
-      <p:ext uri="{BB962C8B-B14F-4D97-AF65-F5344CB8AC3E}">
-        <p14:creationId xmlns:p14="http://schemas.microsoft.com/office/powerpoint/2010/main" val="1334882989"/>
-      </p:ext>
-    </p:extLst>
-  </p:cSld>
-  <p:clrMapOvr>
-    <a:masterClrMapping/>
-  </p:clrMapOvr>
-</p:sld>
-</file>
-
 <file path=ppt/slides/slide29.xml><?xml version="1.0" encoding="utf-8"?>
 <p:sld xmlns:a="http://schemas.openxmlformats.org/drawingml/2006/main" xmlns:r="http://schemas.openxmlformats.org/officeDocument/2006/relationships" xmlns:p="http://schemas.openxmlformats.org/presentationml/2006/main">
   <p:cSld>
@@ -8226,7 +8307,7 @@
           <p:cNvPr id="2" name="Titre 1">
             <a:extLst>
               <a:ext uri="{FF2B5EF4-FFF2-40B4-BE49-F238E27FC236}">
-                <a16:creationId xmlns:a16="http://schemas.microsoft.com/office/drawing/2014/main" id="{CB824BD1-BA98-4DA7-A0D0-D7072A87A1FF}"/>
+                <a16:creationId xmlns:a16="http://schemas.microsoft.com/office/drawing/2014/main" id="{DDB8407F-1155-401B-B4C2-283CE8EAC497}"/>
               </a:ext>
             </a:extLst>
           </p:cNvPr>
@@ -8243,8 +8324,86 @@
           <a:lstStyle/>
           <a:p>
             <a:r>
-              <a:rPr lang="fr-FR" dirty="0" err="1"/>
-              <a:t>Demonstration</a:t>
+              <a:rPr lang="fr-FR" dirty="0"/>
+              <a:t>Bonus: impact of image </a:t>
+            </a:r>
+            <a:r>
+              <a:rPr lang="fr-FR" dirty="0" err="1"/>
+              <a:t>resolution</a:t>
+            </a:r>
+            <a:endParaRPr lang="fr-FR" dirty="0"/>
+          </a:p>
+        </p:txBody>
+      </p:sp>
+      <p:sp>
+        <p:nvSpPr>
+          <p:cNvPr id="3" name="Espace réservé du contenu 2">
+            <a:extLst>
+              <a:ext uri="{FF2B5EF4-FFF2-40B4-BE49-F238E27FC236}">
+                <a16:creationId xmlns:a16="http://schemas.microsoft.com/office/drawing/2014/main" id="{6F1CA76D-69CE-4048-83E7-FEB8090554A7}"/>
+              </a:ext>
+            </a:extLst>
+          </p:cNvPr>
+          <p:cNvSpPr>
+            <a:spLocks noGrp="1"/>
+          </p:cNvSpPr>
+          <p:nvPr>
+            <p:ph idx="1"/>
+          </p:nvPr>
+        </p:nvSpPr>
+        <p:spPr/>
+        <p:txBody>
+          <a:bodyPr/>
+          <a:lstStyle/>
+          <a:p>
+            <a:r>
+              <a:rPr lang="fr-FR" dirty="0"/>
+              <a:t>Try to </a:t>
+            </a:r>
+            <a:r>
+              <a:rPr lang="fr-FR" dirty="0" err="1"/>
+              <a:t>evaluate</a:t>
+            </a:r>
+            <a:r>
+              <a:rPr lang="fr-FR" dirty="0"/>
+              <a:t> the </a:t>
+            </a:r>
+            <a:r>
+              <a:rPr lang="fr-FR" dirty="0" err="1"/>
+              <a:t>precision</a:t>
+            </a:r>
+            <a:r>
+              <a:rPr lang="fr-FR" dirty="0"/>
+              <a:t> for </a:t>
+            </a:r>
+            <a:r>
+              <a:rPr lang="fr-FR" dirty="0" err="1"/>
+              <a:t>various</a:t>
+            </a:r>
+            <a:r>
+              <a:rPr lang="fr-FR" dirty="0"/>
+              <a:t> pixel sizes</a:t>
+            </a:r>
+          </a:p>
+          <a:p>
+            <a:pPr lvl="1"/>
+            <a:r>
+              <a:rPr lang="fr-FR" dirty="0"/>
+              <a:t>Size = 0.5*D -&gt; 100*D</a:t>
+            </a:r>
+          </a:p>
+          <a:p>
+            <a:pPr lvl="1"/>
+            <a:endParaRPr lang="fr-FR" dirty="0"/>
+          </a:p>
+          <a:p>
+            <a:r>
+              <a:rPr lang="fr-FR" dirty="0"/>
+              <a:t>Try </a:t>
+            </a:r>
+            <a:r>
+              <a:rPr lang="fr-FR" dirty="0" err="1"/>
+              <a:t>also</a:t>
             </a:r>
             <a:r>
               <a:rPr lang="fr-FR" dirty="0"/>
@@ -8252,146 +8411,35 @@
             </a:r>
             <a:r>
               <a:rPr lang="fr-FR" dirty="0" err="1"/>
-              <a:t>example</a:t>
-            </a:r>
-            <a:endParaRPr lang="fr-FR" dirty="0"/>
-          </a:p>
-        </p:txBody>
-      </p:sp>
-      <p:sp>
-        <p:nvSpPr>
-          <p:cNvPr id="3" name="Espace réservé du contenu 2">
-            <a:extLst>
-              <a:ext uri="{FF2B5EF4-FFF2-40B4-BE49-F238E27FC236}">
-                <a16:creationId xmlns:a16="http://schemas.microsoft.com/office/drawing/2014/main" id="{97C59F0A-3418-4794-9CD2-4855B5B7A4A3}"/>
-              </a:ext>
-            </a:extLst>
-          </p:cNvPr>
-          <p:cNvSpPr>
-            <a:spLocks noGrp="1"/>
-          </p:cNvSpPr>
-          <p:nvPr>
-            <p:ph idx="1"/>
-          </p:nvPr>
-        </p:nvSpPr>
-        <p:spPr/>
-        <p:txBody>
-          <a:bodyPr/>
-          <a:lstStyle/>
-          <a:p>
-            <a:r>
-              <a:rPr lang="en-US" dirty="0"/>
-              <a:t>We will start with the image “coins.png” </a:t>
-            </a:r>
-          </a:p>
-          <a:p>
-            <a:pPr lvl="1"/>
-            <a:r>
-              <a:rPr lang="en-US" dirty="0"/>
-              <a:t>In “practical/granulometry/coins.png”</a:t>
-            </a:r>
-          </a:p>
-          <a:p>
-            <a:r>
-              <a:rPr lang="fr-FR" dirty="0"/>
-              <a:t>Pre-</a:t>
-            </a:r>
-            <a:r>
-              <a:rPr lang="fr-FR" dirty="0" err="1"/>
-              <a:t>exercise</a:t>
-            </a:r>
-            <a:r>
-              <a:rPr lang="fr-FR" dirty="0"/>
-              <a:t>: </a:t>
-            </a:r>
-            <a:r>
-              <a:rPr lang="fr-FR" dirty="0" err="1"/>
-              <a:t>apply</a:t>
-            </a:r>
-            <a:r>
-              <a:rPr lang="fr-FR" dirty="0"/>
-              <a:t> </a:t>
-            </a:r>
-            <a:r>
-              <a:rPr lang="fr-FR" dirty="0" err="1"/>
-              <a:t>morphological</a:t>
-            </a:r>
-            <a:r>
-              <a:rPr lang="fr-FR" dirty="0"/>
-              <a:t> </a:t>
-            </a:r>
-            <a:r>
-              <a:rPr lang="fr-FR" dirty="0" err="1"/>
-              <a:t>filters</a:t>
-            </a:r>
-            <a:r>
-              <a:rPr lang="fr-FR" dirty="0"/>
-              <a:t> </a:t>
-            </a:r>
-            <a:r>
-              <a:rPr lang="fr-FR" dirty="0" err="1"/>
-              <a:t>with</a:t>
-            </a:r>
-            <a:r>
-              <a:rPr lang="fr-FR" dirty="0"/>
-              <a:t> </a:t>
-            </a:r>
-            <a:r>
-              <a:rPr lang="fr-FR" dirty="0" err="1"/>
-              <a:t>various</a:t>
-            </a:r>
-            <a:r>
-              <a:rPr lang="fr-FR" dirty="0"/>
-              <a:t> </a:t>
-            </a:r>
-            <a:r>
-              <a:rPr lang="fr-FR" dirty="0" err="1"/>
-              <a:t>diameters</a:t>
-            </a:r>
-            <a:endParaRPr lang="fr-FR" dirty="0"/>
-          </a:p>
-        </p:txBody>
-      </p:sp>
-      <p:pic>
-        <p:nvPicPr>
-          <p:cNvPr id="5" name="Image 4">
-            <a:extLst>
-              <a:ext uri="{FF2B5EF4-FFF2-40B4-BE49-F238E27FC236}">
-                <a16:creationId xmlns:a16="http://schemas.microsoft.com/office/drawing/2014/main" id="{CFA45F25-AB54-488D-9B44-491FADB83E05}"/>
-              </a:ext>
-            </a:extLst>
-          </p:cNvPr>
-          <p:cNvPicPr>
-            <a:picLocks noChangeAspect="1"/>
-          </p:cNvPicPr>
-          <p:nvPr/>
-        </p:nvPicPr>
-        <p:blipFill>
-          <a:blip r:embed="rId2">
-            <a:extLst>
-              <a:ext uri="{28A0092B-C50C-407E-A947-70E740481C1C}">
-                <a14:useLocalDpi xmlns:a14="http://schemas.microsoft.com/office/drawing/2010/main" val="0"/>
-              </a:ext>
-            </a:extLst>
-          </a:blip>
-          <a:stretch>
-            <a:fillRect/>
-          </a:stretch>
-        </p:blipFill>
-        <p:spPr>
-          <a:xfrm>
-            <a:off x="2331400" y="3739498"/>
-            <a:ext cx="3616474" cy="2965509"/>
-          </a:xfrm>
-          <a:prstGeom prst="rect">
-            <a:avLst/>
-          </a:prstGeom>
-        </p:spPr>
-      </p:pic>
+              <a:t>rectangular</a:t>
+            </a:r>
+            <a:r>
+              <a:rPr lang="fr-FR" dirty="0"/>
+              <a:t> pixel (</a:t>
+            </a:r>
+            <a:r>
+              <a:rPr lang="fr-FR" dirty="0" err="1"/>
+              <a:t>width</a:t>
+            </a:r>
+            <a:r>
+              <a:rPr lang="fr-FR" dirty="0"/>
+              <a:t> != </a:t>
+            </a:r>
+            <a:r>
+              <a:rPr lang="fr-FR" dirty="0" err="1"/>
+              <a:t>height</a:t>
+            </a:r>
+            <a:r>
+              <a:rPr lang="fr-FR" dirty="0"/>
+              <a:t>)</a:t>
+            </a:r>
+          </a:p>
+        </p:txBody>
+      </p:sp>
     </p:spTree>
     <p:extLst>
       <p:ext uri="{BB962C8B-B14F-4D97-AF65-F5344CB8AC3E}">
-        <p14:creationId xmlns:p14="http://schemas.microsoft.com/office/powerpoint/2010/main" val="2738871854"/>
+        <p14:creationId xmlns:p14="http://schemas.microsoft.com/office/powerpoint/2010/main" val="3733822845"/>
       </p:ext>
     </p:extLst>
   </p:cSld>
@@ -9467,6 +9515,560 @@
           <p:cNvPr id="2" name="Titre 1">
             <a:extLst>
               <a:ext uri="{FF2B5EF4-FFF2-40B4-BE49-F238E27FC236}">
+                <a16:creationId xmlns:a16="http://schemas.microsoft.com/office/drawing/2014/main" id="{5E00B60F-8778-47A8-B186-72CFEEC26429}"/>
+              </a:ext>
+            </a:extLst>
+          </p:cNvPr>
+          <p:cNvSpPr>
+            <a:spLocks noGrp="1"/>
+          </p:cNvSpPr>
+          <p:nvPr>
+            <p:ph type="title"/>
+          </p:nvPr>
+        </p:nvSpPr>
+        <p:spPr/>
+        <p:txBody>
+          <a:bodyPr/>
+          <a:lstStyle/>
+          <a:p>
+            <a:r>
+              <a:rPr lang="fr-FR" dirty="0"/>
+              <a:t>Bonus: </a:t>
+            </a:r>
+            <a:r>
+              <a:rPr lang="fr-FR" dirty="0" err="1"/>
+              <a:t>evaluate</a:t>
+            </a:r>
+            <a:r>
+              <a:rPr lang="fr-FR" dirty="0"/>
+              <a:t> </a:t>
+            </a:r>
+            <a:r>
+              <a:rPr lang="fr-FR" dirty="0" err="1"/>
+              <a:t>error</a:t>
+            </a:r>
+            <a:r>
+              <a:rPr lang="fr-FR" dirty="0"/>
+              <a:t> on surface area </a:t>
+            </a:r>
+            <a:r>
+              <a:rPr lang="fr-FR" dirty="0" err="1"/>
+              <a:t>measure</a:t>
+            </a:r>
+            <a:endParaRPr lang="fr-FR" dirty="0"/>
+          </a:p>
+        </p:txBody>
+      </p:sp>
+      <p:sp>
+        <p:nvSpPr>
+          <p:cNvPr id="3" name="Espace réservé du contenu 2">
+            <a:extLst>
+              <a:ext uri="{FF2B5EF4-FFF2-40B4-BE49-F238E27FC236}">
+                <a16:creationId xmlns:a16="http://schemas.microsoft.com/office/drawing/2014/main" id="{3D93F023-F3BC-4DD1-BB8C-771DA8E2B524}"/>
+              </a:ext>
+            </a:extLst>
+          </p:cNvPr>
+          <p:cNvSpPr>
+            <a:spLocks noGrp="1"/>
+          </p:cNvSpPr>
+          <p:nvPr>
+            <p:ph idx="1"/>
+          </p:nvPr>
+        </p:nvSpPr>
+        <p:spPr/>
+        <p:txBody>
+          <a:bodyPr/>
+          <a:lstStyle/>
+          <a:p>
+            <a:r>
+              <a:rPr lang="fr-FR" dirty="0" err="1"/>
+              <a:t>Sample</a:t>
+            </a:r>
+            <a:r>
+              <a:rPr lang="fr-FR" dirty="0"/>
+              <a:t> </a:t>
+            </a:r>
+            <a:r>
+              <a:rPr lang="fr-FR" dirty="0" err="1"/>
+              <a:t>shapes</a:t>
+            </a:r>
+            <a:r>
+              <a:rPr lang="fr-FR" dirty="0"/>
+              <a:t>:</a:t>
+            </a:r>
+          </a:p>
+          <a:p>
+            <a:pPr lvl="1"/>
+            <a:r>
+              <a:rPr lang="fr-FR" dirty="0" err="1"/>
+              <a:t>Sphere</a:t>
+            </a:r>
+            <a:endParaRPr lang="fr-FR" dirty="0"/>
+          </a:p>
+          <a:p>
+            <a:pPr lvl="1"/>
+            <a:r>
+              <a:rPr lang="fr-FR" dirty="0" err="1"/>
+              <a:t>Ellipsoid</a:t>
+            </a:r>
+            <a:r>
+              <a:rPr lang="fr-FR" dirty="0"/>
+              <a:t>, </a:t>
+            </a:r>
+            <a:r>
+              <a:rPr lang="fr-FR" dirty="0" err="1"/>
+              <a:t>cylinder</a:t>
+            </a:r>
+            <a:r>
+              <a:rPr lang="fr-FR" dirty="0"/>
+              <a:t>, </a:t>
+            </a:r>
+            <a:r>
+              <a:rPr lang="fr-FR" dirty="0" err="1"/>
+              <a:t>cuboid</a:t>
+            </a:r>
+            <a:r>
+              <a:rPr lang="fr-FR" dirty="0"/>
+              <a:t>…</a:t>
+            </a:r>
+          </a:p>
+          <a:p>
+            <a:pPr lvl="1"/>
+            <a:r>
+              <a:rPr lang="fr-FR" dirty="0" err="1"/>
+              <a:t>Problem</a:t>
+            </a:r>
+            <a:r>
+              <a:rPr lang="fr-FR" dirty="0"/>
+              <a:t>: </a:t>
+            </a:r>
+            <a:r>
+              <a:rPr lang="fr-FR" dirty="0" err="1"/>
+              <a:t>even</a:t>
+            </a:r>
+            <a:r>
+              <a:rPr lang="fr-FR" dirty="0"/>
+              <a:t> distribution of orientations?</a:t>
+            </a:r>
+          </a:p>
+          <a:p>
+            <a:pPr lvl="1"/>
+            <a:endParaRPr lang="fr-FR" dirty="0"/>
+          </a:p>
+          <a:p>
+            <a:endParaRPr lang="fr-FR" dirty="0"/>
+          </a:p>
+        </p:txBody>
+      </p:sp>
+    </p:spTree>
+    <p:extLst>
+      <p:ext uri="{BB962C8B-B14F-4D97-AF65-F5344CB8AC3E}">
+        <p14:creationId xmlns:p14="http://schemas.microsoft.com/office/powerpoint/2010/main" val="2812739763"/>
+      </p:ext>
+    </p:extLst>
+  </p:cSld>
+  <p:clrMapOvr>
+    <a:masterClrMapping/>
+  </p:clrMapOvr>
+</p:sld>
+</file>
+
+<file path=ppt/slides/slide31.xml><?xml version="1.0" encoding="utf-8"?>
+<p:sld xmlns:a="http://schemas.openxmlformats.org/drawingml/2006/main" xmlns:r="http://schemas.openxmlformats.org/officeDocument/2006/relationships" xmlns:p="http://schemas.openxmlformats.org/presentationml/2006/main">
+  <p:cSld>
+    <p:spTree>
+      <p:nvGrpSpPr>
+        <p:cNvPr id="1" name=""/>
+        <p:cNvGrpSpPr/>
+        <p:nvPr/>
+      </p:nvGrpSpPr>
+      <p:grpSpPr>
+        <a:xfrm>
+          <a:off x="0" y="0"/>
+          <a:ext cx="0" cy="0"/>
+          <a:chOff x="0" y="0"/>
+          <a:chExt cx="0" cy="0"/>
+        </a:xfrm>
+      </p:grpSpPr>
+      <p:sp>
+        <p:nvSpPr>
+          <p:cNvPr id="2" name="Titre 1">
+            <a:extLst>
+              <a:ext uri="{FF2B5EF4-FFF2-40B4-BE49-F238E27FC236}">
+                <a16:creationId xmlns:a16="http://schemas.microsoft.com/office/drawing/2014/main" id="{F8C92785-EB96-45EF-9983-7FC99BFFACC0}"/>
+              </a:ext>
+            </a:extLst>
+          </p:cNvPr>
+          <p:cNvSpPr>
+            <a:spLocks noGrp="1"/>
+          </p:cNvSpPr>
+          <p:nvPr>
+            <p:ph type="title"/>
+          </p:nvPr>
+        </p:nvSpPr>
+        <p:spPr/>
+        <p:txBody>
+          <a:bodyPr/>
+          <a:lstStyle/>
+          <a:p>
+            <a:r>
+              <a:rPr lang="fr-FR" dirty="0" err="1"/>
+              <a:t>Practical</a:t>
+            </a:r>
+            <a:r>
+              <a:rPr lang="fr-FR" dirty="0"/>
+              <a:t> </a:t>
+            </a:r>
+            <a:r>
+              <a:rPr lang="fr-FR" dirty="0" err="1"/>
+              <a:t>outline</a:t>
+            </a:r>
+            <a:r>
+              <a:rPr lang="fr-FR" dirty="0"/>
+              <a:t> 2</a:t>
+            </a:r>
+          </a:p>
+        </p:txBody>
+      </p:sp>
+      <p:sp>
+        <p:nvSpPr>
+          <p:cNvPr id="3" name="Espace réservé du contenu 2">
+            <a:extLst>
+              <a:ext uri="{FF2B5EF4-FFF2-40B4-BE49-F238E27FC236}">
+                <a16:creationId xmlns:a16="http://schemas.microsoft.com/office/drawing/2014/main" id="{6479D2AC-A5D2-400F-B9E2-11721F0B2B1E}"/>
+              </a:ext>
+            </a:extLst>
+          </p:cNvPr>
+          <p:cNvSpPr>
+            <a:spLocks noGrp="1"/>
+          </p:cNvSpPr>
+          <p:nvPr>
+            <p:ph idx="1"/>
+          </p:nvPr>
+        </p:nvSpPr>
+        <p:spPr/>
+        <p:txBody>
+          <a:bodyPr/>
+          <a:lstStyle/>
+          <a:p>
+            <a:r>
+              <a:rPr lang="fr-FR" dirty="0"/>
+              <a:t>Image texture </a:t>
+            </a:r>
+            <a:r>
+              <a:rPr lang="fr-FR" dirty="0" err="1"/>
+              <a:t>analysis</a:t>
+            </a:r>
+            <a:endParaRPr lang="fr-FR" dirty="0"/>
+          </a:p>
+          <a:p>
+            <a:endParaRPr lang="fr-FR" dirty="0"/>
+          </a:p>
+          <a:p>
+            <a:endParaRPr lang="fr-FR" dirty="0"/>
+          </a:p>
+          <a:p>
+            <a:endParaRPr lang="fr-FR" dirty="0"/>
+          </a:p>
+          <a:p>
+            <a:r>
+              <a:rPr lang="fr-FR" strike="sngStrike" dirty="0" err="1"/>
+              <a:t>Recall</a:t>
+            </a:r>
+            <a:r>
+              <a:rPr lang="fr-FR" strike="sngStrike" dirty="0"/>
+              <a:t> </a:t>
+            </a:r>
+            <a:r>
+              <a:rPr lang="fr-FR" strike="sngStrike" dirty="0" err="1"/>
+              <a:t>morphological</a:t>
+            </a:r>
+            <a:r>
+              <a:rPr lang="fr-FR" strike="sngStrike" dirty="0"/>
+              <a:t> </a:t>
+            </a:r>
+            <a:r>
+              <a:rPr lang="fr-FR" strike="sngStrike" dirty="0" err="1"/>
+              <a:t>filters</a:t>
+            </a:r>
+            <a:endParaRPr lang="fr-FR" strike="sngStrike" dirty="0"/>
+          </a:p>
+          <a:p>
+            <a:r>
+              <a:rPr lang="fr-FR" dirty="0" err="1"/>
+              <a:t>Compute</a:t>
+            </a:r>
+            <a:r>
+              <a:rPr lang="fr-FR" dirty="0"/>
+              <a:t> </a:t>
+            </a:r>
+            <a:r>
+              <a:rPr lang="fr-FR" dirty="0" err="1"/>
+              <a:t>granulometry</a:t>
+            </a:r>
+            <a:r>
+              <a:rPr lang="fr-FR" dirty="0"/>
+              <a:t> </a:t>
+            </a:r>
+            <a:r>
+              <a:rPr lang="fr-FR" dirty="0" err="1"/>
+              <a:t>curves</a:t>
+            </a:r>
+            <a:endParaRPr lang="fr-FR" dirty="0"/>
+          </a:p>
+          <a:p>
+            <a:r>
+              <a:rPr lang="fr-FR" dirty="0" err="1"/>
+              <a:t>Interpret</a:t>
+            </a:r>
+            <a:r>
+              <a:rPr lang="fr-FR" dirty="0"/>
+              <a:t>!</a:t>
+            </a:r>
+          </a:p>
+          <a:p>
+            <a:endParaRPr lang="fr-FR" dirty="0"/>
+          </a:p>
+          <a:p>
+            <a:endParaRPr lang="fr-FR" dirty="0"/>
+          </a:p>
+          <a:p>
+            <a:endParaRPr lang="fr-FR" dirty="0"/>
+          </a:p>
+        </p:txBody>
+      </p:sp>
+    </p:spTree>
+    <p:extLst>
+      <p:ext uri="{BB962C8B-B14F-4D97-AF65-F5344CB8AC3E}">
+        <p14:creationId xmlns:p14="http://schemas.microsoft.com/office/powerpoint/2010/main" val="1334882989"/>
+      </p:ext>
+    </p:extLst>
+  </p:cSld>
+  <p:clrMapOvr>
+    <a:masterClrMapping/>
+  </p:clrMapOvr>
+</p:sld>
+</file>
+
+<file path=ppt/slides/slide32.xml><?xml version="1.0" encoding="utf-8"?>
+<p:sld xmlns:a="http://schemas.openxmlformats.org/drawingml/2006/main" xmlns:r="http://schemas.openxmlformats.org/officeDocument/2006/relationships" xmlns:p="http://schemas.openxmlformats.org/presentationml/2006/main">
+  <p:cSld>
+    <p:spTree>
+      <p:nvGrpSpPr>
+        <p:cNvPr id="1" name=""/>
+        <p:cNvGrpSpPr/>
+        <p:nvPr/>
+      </p:nvGrpSpPr>
+      <p:grpSpPr>
+        <a:xfrm>
+          <a:off x="0" y="0"/>
+          <a:ext cx="0" cy="0"/>
+          <a:chOff x="0" y="0"/>
+          <a:chExt cx="0" cy="0"/>
+        </a:xfrm>
+      </p:grpSpPr>
+      <p:sp>
+        <p:nvSpPr>
+          <p:cNvPr id="2" name="Titre 1">
+            <a:extLst>
+              <a:ext uri="{FF2B5EF4-FFF2-40B4-BE49-F238E27FC236}">
+                <a16:creationId xmlns:a16="http://schemas.microsoft.com/office/drawing/2014/main" id="{CB824BD1-BA98-4DA7-A0D0-D7072A87A1FF}"/>
+              </a:ext>
+            </a:extLst>
+          </p:cNvPr>
+          <p:cNvSpPr>
+            <a:spLocks noGrp="1"/>
+          </p:cNvSpPr>
+          <p:nvPr>
+            <p:ph type="title"/>
+          </p:nvPr>
+        </p:nvSpPr>
+        <p:spPr/>
+        <p:txBody>
+          <a:bodyPr/>
+          <a:lstStyle/>
+          <a:p>
+            <a:r>
+              <a:rPr lang="fr-FR" dirty="0" err="1"/>
+              <a:t>Demonstration</a:t>
+            </a:r>
+            <a:r>
+              <a:rPr lang="fr-FR" dirty="0"/>
+              <a:t> </a:t>
+            </a:r>
+            <a:r>
+              <a:rPr lang="fr-FR" dirty="0" err="1"/>
+              <a:t>example</a:t>
+            </a:r>
+            <a:endParaRPr lang="fr-FR" dirty="0"/>
+          </a:p>
+        </p:txBody>
+      </p:sp>
+      <p:sp>
+        <p:nvSpPr>
+          <p:cNvPr id="3" name="Espace réservé du contenu 2">
+            <a:extLst>
+              <a:ext uri="{FF2B5EF4-FFF2-40B4-BE49-F238E27FC236}">
+                <a16:creationId xmlns:a16="http://schemas.microsoft.com/office/drawing/2014/main" id="{97C59F0A-3418-4794-9CD2-4855B5B7A4A3}"/>
+              </a:ext>
+            </a:extLst>
+          </p:cNvPr>
+          <p:cNvSpPr>
+            <a:spLocks noGrp="1"/>
+          </p:cNvSpPr>
+          <p:nvPr>
+            <p:ph idx="1"/>
+          </p:nvPr>
+        </p:nvSpPr>
+        <p:spPr/>
+        <p:txBody>
+          <a:bodyPr/>
+          <a:lstStyle/>
+          <a:p>
+            <a:r>
+              <a:rPr lang="en-US" dirty="0"/>
+              <a:t>We will start with the image “coins.png” </a:t>
+            </a:r>
+          </a:p>
+          <a:p>
+            <a:pPr lvl="1"/>
+            <a:r>
+              <a:rPr lang="en-US" dirty="0"/>
+              <a:t>In “practical/granulometry/coins.png”</a:t>
+            </a:r>
+          </a:p>
+          <a:p>
+            <a:r>
+              <a:rPr lang="fr-FR" dirty="0"/>
+              <a:t>Pre-</a:t>
+            </a:r>
+            <a:r>
+              <a:rPr lang="fr-FR" dirty="0" err="1"/>
+              <a:t>exercise</a:t>
+            </a:r>
+            <a:r>
+              <a:rPr lang="fr-FR" dirty="0"/>
+              <a:t>: </a:t>
+            </a:r>
+            <a:r>
+              <a:rPr lang="fr-FR" dirty="0" err="1"/>
+              <a:t>apply</a:t>
+            </a:r>
+            <a:r>
+              <a:rPr lang="fr-FR" dirty="0"/>
+              <a:t> </a:t>
+            </a:r>
+            <a:r>
+              <a:rPr lang="fr-FR" dirty="0" err="1"/>
+              <a:t>morphological</a:t>
+            </a:r>
+            <a:r>
+              <a:rPr lang="fr-FR" dirty="0"/>
+              <a:t> </a:t>
+            </a:r>
+            <a:r>
+              <a:rPr lang="fr-FR" dirty="0" err="1"/>
+              <a:t>filters</a:t>
+            </a:r>
+            <a:r>
+              <a:rPr lang="fr-FR" dirty="0"/>
+              <a:t> </a:t>
+            </a:r>
+            <a:r>
+              <a:rPr lang="fr-FR" dirty="0" err="1"/>
+              <a:t>with</a:t>
+            </a:r>
+            <a:r>
+              <a:rPr lang="fr-FR" dirty="0"/>
+              <a:t> </a:t>
+            </a:r>
+            <a:r>
+              <a:rPr lang="fr-FR" dirty="0" err="1"/>
+              <a:t>various</a:t>
+            </a:r>
+            <a:r>
+              <a:rPr lang="fr-FR" dirty="0"/>
+              <a:t> </a:t>
+            </a:r>
+            <a:r>
+              <a:rPr lang="fr-FR" dirty="0" err="1"/>
+              <a:t>diameters</a:t>
+            </a:r>
+            <a:endParaRPr lang="fr-FR" dirty="0"/>
+          </a:p>
+        </p:txBody>
+      </p:sp>
+      <p:pic>
+        <p:nvPicPr>
+          <p:cNvPr id="5" name="Image 4">
+            <a:extLst>
+              <a:ext uri="{FF2B5EF4-FFF2-40B4-BE49-F238E27FC236}">
+                <a16:creationId xmlns:a16="http://schemas.microsoft.com/office/drawing/2014/main" id="{CFA45F25-AB54-488D-9B44-491FADB83E05}"/>
+              </a:ext>
+            </a:extLst>
+          </p:cNvPr>
+          <p:cNvPicPr>
+            <a:picLocks noChangeAspect="1"/>
+          </p:cNvPicPr>
+          <p:nvPr/>
+        </p:nvPicPr>
+        <p:blipFill>
+          <a:blip r:embed="rId2">
+            <a:extLst>
+              <a:ext uri="{28A0092B-C50C-407E-A947-70E740481C1C}">
+                <a14:useLocalDpi xmlns:a14="http://schemas.microsoft.com/office/drawing/2010/main" val="0"/>
+              </a:ext>
+            </a:extLst>
+          </a:blip>
+          <a:stretch>
+            <a:fillRect/>
+          </a:stretch>
+        </p:blipFill>
+        <p:spPr>
+          <a:xfrm>
+            <a:off x="2331400" y="3739498"/>
+            <a:ext cx="3616474" cy="2965509"/>
+          </a:xfrm>
+          <a:prstGeom prst="rect">
+            <a:avLst/>
+          </a:prstGeom>
+        </p:spPr>
+      </p:pic>
+    </p:spTree>
+    <p:extLst>
+      <p:ext uri="{BB962C8B-B14F-4D97-AF65-F5344CB8AC3E}">
+        <p14:creationId xmlns:p14="http://schemas.microsoft.com/office/powerpoint/2010/main" val="2738871854"/>
+      </p:ext>
+    </p:extLst>
+  </p:cSld>
+  <p:clrMapOvr>
+    <a:masterClrMapping/>
+  </p:clrMapOvr>
+</p:sld>
+</file>
+
+<file path=ppt/slides/slide33.xml><?xml version="1.0" encoding="utf-8"?>
+<p:sld xmlns:a="http://schemas.openxmlformats.org/drawingml/2006/main" xmlns:r="http://schemas.openxmlformats.org/officeDocument/2006/relationships" xmlns:p="http://schemas.openxmlformats.org/presentationml/2006/main">
+  <p:cSld>
+    <p:spTree>
+      <p:nvGrpSpPr>
+        <p:cNvPr id="1" name=""/>
+        <p:cNvGrpSpPr/>
+        <p:nvPr/>
+      </p:nvGrpSpPr>
+      <p:grpSpPr>
+        <a:xfrm>
+          <a:off x="0" y="0"/>
+          <a:ext cx="0" cy="0"/>
+          <a:chOff x="0" y="0"/>
+          <a:chExt cx="0" cy="0"/>
+        </a:xfrm>
+      </p:grpSpPr>
+      <p:sp>
+        <p:nvSpPr>
+          <p:cNvPr id="2" name="Titre 1">
+            <a:extLst>
+              <a:ext uri="{FF2B5EF4-FFF2-40B4-BE49-F238E27FC236}">
                 <a16:creationId xmlns:a16="http://schemas.microsoft.com/office/drawing/2014/main" id="{2DB4E14A-FF69-4460-B4C2-CDED580D03D7}"/>
               </a:ext>
             </a:extLst>
@@ -9580,7 +10182,7 @@
 </p:sld>
 </file>
 
-<file path=ppt/slides/slide31.xml><?xml version="1.0" encoding="utf-8"?>
+<file path=ppt/slides/slide34.xml><?xml version="1.0" encoding="utf-8"?>
 <p:sld xmlns:a="http://schemas.openxmlformats.org/drawingml/2006/main" xmlns:r="http://schemas.openxmlformats.org/officeDocument/2006/relationships" xmlns:p="http://schemas.openxmlformats.org/presentationml/2006/main">
   <p:cSld>
     <p:spTree>
@@ -9706,7 +10308,7 @@
 </p:sld>
 </file>
 
-<file path=ppt/slides/slide32.xml><?xml version="1.0" encoding="utf-8"?>
+<file path=ppt/slides/slide35.xml><?xml version="1.0" encoding="utf-8"?>
 <p:sld xmlns:a="http://schemas.openxmlformats.org/drawingml/2006/main" xmlns:r="http://schemas.openxmlformats.org/officeDocument/2006/relationships" xmlns:p="http://schemas.openxmlformats.org/presentationml/2006/main">
   <p:cSld>
     <p:spTree>
@@ -9839,7 +10441,7 @@
 </p:sld>
 </file>
 
-<file path=ppt/slides/slide33.xml><?xml version="1.0" encoding="utf-8"?>
+<file path=ppt/slides/slide36.xml><?xml version="1.0" encoding="utf-8"?>
 <p:sld xmlns:a="http://schemas.openxmlformats.org/drawingml/2006/main" xmlns:r="http://schemas.openxmlformats.org/officeDocument/2006/relationships" xmlns:p="http://schemas.openxmlformats.org/presentationml/2006/main">
   <p:cSld>
     <p:spTree>
@@ -9981,7 +10583,7 @@
           <a:p>
             <a:r>
               <a:rPr lang="fr-FR" dirty="0" err="1"/>
-              <a:t>Geometrical</a:t>
+              <a:t>Geometric</a:t>
             </a:r>
             <a:r>
               <a:rPr lang="fr-FR" dirty="0"/>
@@ -9995,11 +10597,19 @@
               <a:rPr lang="fr-FR" dirty="0"/>
               <a:t> </a:t>
             </a:r>
-          </a:p>
-        </p:txBody>
-      </p:sp>
-      <mc:AlternateContent xmlns:mc="http://schemas.openxmlformats.org/markup-compatibility/2006">
-        <mc:Choice xmlns:a14="http://schemas.microsoft.com/office/drawing/2010/main" Requires="a14">
+            <a:r>
+              <a:rPr lang="fr-FR" dirty="0" err="1"/>
+              <a:t>from</a:t>
+            </a:r>
+            <a:r>
+              <a:rPr lang="fr-FR" dirty="0"/>
+              <a:t> a distribution </a:t>
+            </a:r>
+          </a:p>
+        </p:txBody>
+      </p:sp>
+      <mc:AlternateContent xmlns:mc="http://schemas.openxmlformats.org/markup-compatibility/2006" xmlns:a14="http://schemas.microsoft.com/office/drawing/2010/main">
+        <mc:Choice Requires="a14">
           <p:sp>
             <p:nvSpPr>
               <p:cNvPr id="4" name="ZoneTexte 3">
@@ -10028,6 +10638,7 @@
               </a:bodyPr>
               <a:lstStyle/>
               <a:p>
+                <a:pPr/>
                 <a14:m>
                   <m:oMathPara xmlns:m="http://schemas.openxmlformats.org/officeDocument/2006/math">
                     <m:oMathParaPr>
@@ -10159,7 +10770,7 @@
             </p:txBody>
           </p:sp>
         </mc:Choice>
-        <mc:Fallback>
+        <mc:Fallback xmlns="">
           <p:sp>
             <p:nvSpPr>
               <p:cNvPr id="4" name="ZoneTexte 3">
@@ -10204,8 +10815,8 @@
           </p:sp>
         </mc:Fallback>
       </mc:AlternateContent>
-      <mc:AlternateContent xmlns:mc="http://schemas.openxmlformats.org/markup-compatibility/2006">
-        <mc:Choice xmlns:a14="http://schemas.microsoft.com/office/drawing/2010/main" Requires="a14">
+      <mc:AlternateContent xmlns:mc="http://schemas.openxmlformats.org/markup-compatibility/2006" xmlns:a14="http://schemas.microsoft.com/office/drawing/2010/main">
+        <mc:Choice Requires="a14">
           <p:sp>
             <p:nvSpPr>
               <p:cNvPr id="6" name="ZoneTexte 5">
@@ -10234,6 +10845,7 @@
               </a:bodyPr>
               <a:lstStyle/>
               <a:p>
+                <a:pPr/>
                 <a14:m>
                   <m:oMathPara xmlns:m="http://schemas.openxmlformats.org/officeDocument/2006/math">
                     <m:oMathParaPr>
@@ -10359,7 +10971,7 @@
             </p:txBody>
           </p:sp>
         </mc:Choice>
-        <mc:Fallback>
+        <mc:Fallback xmlns="">
           <p:sp>
             <p:nvSpPr>
               <p:cNvPr id="6" name="ZoneTexte 5">
@@ -10404,8 +11016,8 @@
           </p:sp>
         </mc:Fallback>
       </mc:AlternateContent>
-      <mc:AlternateContent xmlns:mc="http://schemas.openxmlformats.org/markup-compatibility/2006">
-        <mc:Choice xmlns:a14="http://schemas.microsoft.com/office/drawing/2010/main" Requires="a14">
+      <mc:AlternateContent xmlns:mc="http://schemas.openxmlformats.org/markup-compatibility/2006" xmlns:a14="http://schemas.microsoft.com/office/drawing/2010/main">
+        <mc:Choice Requires="a14">
           <p:sp>
             <p:nvSpPr>
               <p:cNvPr id="7" name="ZoneTexte 6">
@@ -10434,6 +11046,7 @@
               </a:bodyPr>
               <a:lstStyle/>
               <a:p>
+                <a:pPr/>
                 <a14:m>
                   <m:oMathPara xmlns:m="http://schemas.openxmlformats.org/officeDocument/2006/math">
                     <m:oMathParaPr>
@@ -10607,7 +11220,7 @@
             </p:txBody>
           </p:sp>
         </mc:Choice>
-        <mc:Fallback>
+        <mc:Fallback xmlns="">
           <p:sp>
             <p:nvSpPr>
               <p:cNvPr id="7" name="ZoneTexte 6">
@@ -10665,7 +11278,7 @@
 </p:sld>
 </file>
 
-<file path=ppt/slides/slide34.xml><?xml version="1.0" encoding="utf-8"?>
+<file path=ppt/slides/slide37.xml><?xml version="1.0" encoding="utf-8"?>
 <p:sld xmlns:a="http://schemas.openxmlformats.org/drawingml/2006/main" xmlns:r="http://schemas.openxmlformats.org/officeDocument/2006/relationships" xmlns:p="http://schemas.openxmlformats.org/presentationml/2006/main">
   <p:cSld>
     <p:spTree>
@@ -10840,7 +11453,222 @@
 </p:sld>
 </file>
 
-<file path=ppt/slides/slide35.xml><?xml version="1.0" encoding="utf-8"?>
+<file path=ppt/slides/slide38.xml><?xml version="1.0" encoding="utf-8"?>
+<p:sld xmlns:a="http://schemas.openxmlformats.org/drawingml/2006/main" xmlns:r="http://schemas.openxmlformats.org/officeDocument/2006/relationships" xmlns:p="http://schemas.openxmlformats.org/presentationml/2006/main">
+  <p:cSld>
+    <p:spTree>
+      <p:nvGrpSpPr>
+        <p:cNvPr id="1" name=""/>
+        <p:cNvGrpSpPr/>
+        <p:nvPr/>
+      </p:nvGrpSpPr>
+      <p:grpSpPr>
+        <a:xfrm>
+          <a:off x="0" y="0"/>
+          <a:ext cx="0" cy="0"/>
+          <a:chOff x="0" y="0"/>
+          <a:chExt cx="0" cy="0"/>
+        </a:xfrm>
+      </p:grpSpPr>
+      <p:sp>
+        <p:nvSpPr>
+          <p:cNvPr id="2" name="Titre 1">
+            <a:extLst>
+              <a:ext uri="{FF2B5EF4-FFF2-40B4-BE49-F238E27FC236}">
+                <a16:creationId xmlns:a16="http://schemas.microsoft.com/office/drawing/2014/main" id="{6AB5DB77-2B9E-4FEE-BEE8-384F076BD2D1}"/>
+              </a:ext>
+            </a:extLst>
+          </p:cNvPr>
+          <p:cNvSpPr>
+            <a:spLocks noGrp="1"/>
+          </p:cNvSpPr>
+          <p:nvPr>
+            <p:ph type="title"/>
+          </p:nvPr>
+        </p:nvSpPr>
+        <p:spPr/>
+        <p:txBody>
+          <a:bodyPr/>
+          <a:lstStyle/>
+          <a:p>
+            <a:r>
+              <a:rPr lang="fr-FR" dirty="0" err="1"/>
+              <a:t>Anistropy</a:t>
+            </a:r>
+            <a:r>
+              <a:rPr lang="fr-FR" dirty="0"/>
+              <a:t> – </a:t>
+            </a:r>
+            <a:r>
+              <a:rPr lang="fr-FR" dirty="0" err="1"/>
+              <a:t>expected</a:t>
+            </a:r>
+            <a:r>
+              <a:rPr lang="fr-FR" dirty="0"/>
+              <a:t> </a:t>
+            </a:r>
+            <a:r>
+              <a:rPr lang="fr-FR" dirty="0" err="1"/>
+              <a:t>result</a:t>
+            </a:r>
+            <a:endParaRPr lang="fr-FR" dirty="0"/>
+          </a:p>
+        </p:txBody>
+      </p:sp>
+      <p:pic>
+        <p:nvPicPr>
+          <p:cNvPr id="6" name="Espace réservé du contenu 5">
+            <a:extLst>
+              <a:ext uri="{FF2B5EF4-FFF2-40B4-BE49-F238E27FC236}">
+                <a16:creationId xmlns:a16="http://schemas.microsoft.com/office/drawing/2014/main" id="{509A31D7-F811-43A7-8AD2-7A66A7CCCFF9}"/>
+              </a:ext>
+            </a:extLst>
+          </p:cNvPr>
+          <p:cNvPicPr>
+            <a:picLocks noGrp="1" noChangeAspect="1"/>
+          </p:cNvPicPr>
+          <p:nvPr>
+            <p:ph sz="half" idx="1"/>
+          </p:nvPr>
+        </p:nvPicPr>
+        <p:blipFill>
+          <a:blip r:embed="rId2">
+            <a:extLst>
+              <a:ext uri="{28A0092B-C50C-407E-A947-70E740481C1C}">
+                <a14:useLocalDpi xmlns:a14="http://schemas.microsoft.com/office/drawing/2010/main" val="0"/>
+              </a:ext>
+            </a:extLst>
+          </a:blip>
+          <a:stretch>
+            <a:fillRect/>
+          </a:stretch>
+        </p:blipFill>
+        <p:spPr>
+          <a:xfrm>
+            <a:off x="628650" y="2667471"/>
+            <a:ext cx="3886200" cy="2667645"/>
+          </a:xfrm>
+        </p:spPr>
+      </p:pic>
+      <p:pic>
+        <p:nvPicPr>
+          <p:cNvPr id="8" name="Espace réservé du contenu 7">
+            <a:extLst>
+              <a:ext uri="{FF2B5EF4-FFF2-40B4-BE49-F238E27FC236}">
+                <a16:creationId xmlns:a16="http://schemas.microsoft.com/office/drawing/2014/main" id="{B89FEE55-47F0-48C9-889E-35C2ED1A180E}"/>
+              </a:ext>
+            </a:extLst>
+          </p:cNvPr>
+          <p:cNvPicPr>
+            <a:picLocks noGrp="1" noChangeAspect="1"/>
+          </p:cNvPicPr>
+          <p:nvPr>
+            <p:ph sz="half" idx="2"/>
+          </p:nvPr>
+        </p:nvPicPr>
+        <p:blipFill>
+          <a:blip r:embed="rId3">
+            <a:extLst>
+              <a:ext uri="{28A0092B-C50C-407E-A947-70E740481C1C}">
+                <a14:useLocalDpi xmlns:a14="http://schemas.microsoft.com/office/drawing/2010/main" val="0"/>
+              </a:ext>
+            </a:extLst>
+          </a:blip>
+          <a:stretch>
+            <a:fillRect/>
+          </a:stretch>
+        </p:blipFill>
+        <p:spPr>
+          <a:xfrm>
+            <a:off x="4629150" y="2667471"/>
+            <a:ext cx="3886200" cy="2667645"/>
+          </a:xfrm>
+        </p:spPr>
+      </p:pic>
+      <p:sp>
+        <p:nvSpPr>
+          <p:cNvPr id="9" name="ZoneTexte 8">
+            <a:extLst>
+              <a:ext uri="{FF2B5EF4-FFF2-40B4-BE49-F238E27FC236}">
+                <a16:creationId xmlns:a16="http://schemas.microsoft.com/office/drawing/2014/main" id="{706D2420-A0DE-4172-B9AB-CDF33E70CB86}"/>
+              </a:ext>
+            </a:extLst>
+          </p:cNvPr>
+          <p:cNvSpPr txBox="1"/>
+          <p:nvPr/>
+        </p:nvSpPr>
+        <p:spPr>
+          <a:xfrm>
+            <a:off x="1170774" y="5512037"/>
+            <a:ext cx="1780872" cy="369332"/>
+          </a:xfrm>
+          <a:prstGeom prst="rect">
+            <a:avLst/>
+          </a:prstGeom>
+          <a:noFill/>
+        </p:spPr>
+        <p:txBody>
+          <a:bodyPr wrap="none" rtlCol="0">
+            <a:spAutoFit/>
+          </a:bodyPr>
+          <a:lstStyle/>
+          <a:p>
+            <a:r>
+              <a:rPr lang="fr-FR" dirty="0"/>
+              <a:t>Vertical direction</a:t>
+            </a:r>
+          </a:p>
+        </p:txBody>
+      </p:sp>
+      <p:sp>
+        <p:nvSpPr>
+          <p:cNvPr id="10" name="ZoneTexte 9">
+            <a:extLst>
+              <a:ext uri="{FF2B5EF4-FFF2-40B4-BE49-F238E27FC236}">
+                <a16:creationId xmlns:a16="http://schemas.microsoft.com/office/drawing/2014/main" id="{B216D914-3A6F-4F84-9D21-8DFABDD48807}"/>
+              </a:ext>
+            </a:extLst>
+          </p:cNvPr>
+          <p:cNvSpPr txBox="1"/>
+          <p:nvPr/>
+        </p:nvSpPr>
+        <p:spPr>
+          <a:xfrm>
+            <a:off x="5476430" y="5512037"/>
+            <a:ext cx="2040751" cy="369332"/>
+          </a:xfrm>
+          <a:prstGeom prst="rect">
+            <a:avLst/>
+          </a:prstGeom>
+          <a:noFill/>
+        </p:spPr>
+        <p:txBody>
+          <a:bodyPr wrap="none" rtlCol="0">
+            <a:spAutoFit/>
+          </a:bodyPr>
+          <a:lstStyle/>
+          <a:p>
+            <a:r>
+              <a:rPr lang="fr-FR" dirty="0"/>
+              <a:t>Horizontal direction</a:t>
+            </a:r>
+          </a:p>
+        </p:txBody>
+      </p:sp>
+    </p:spTree>
+    <p:extLst>
+      <p:ext uri="{BB962C8B-B14F-4D97-AF65-F5344CB8AC3E}">
+        <p14:creationId xmlns:p14="http://schemas.microsoft.com/office/powerpoint/2010/main" val="2626400132"/>
+      </p:ext>
+    </p:extLst>
+  </p:cSld>
+  <p:clrMapOvr>
+    <a:masterClrMapping/>
+  </p:clrMapOvr>
+</p:sld>
+</file>
+
+<file path=ppt/slides/slide39.xml><?xml version="1.0" encoding="utf-8"?>
 <p:sld xmlns:a="http://schemas.openxmlformats.org/drawingml/2006/main" xmlns:r="http://schemas.openxmlformats.org/officeDocument/2006/relationships" xmlns:p="http://schemas.openxmlformats.org/presentationml/2006/main">
   <p:cSld>
     <p:spTree>
@@ -11042,130 +11870,6 @@
 </p:sld>
 </file>
 
-<file path=ppt/slides/slide36.xml><?xml version="1.0" encoding="utf-8"?>
-<p:sld xmlns:a="http://schemas.openxmlformats.org/drawingml/2006/main" xmlns:r="http://schemas.openxmlformats.org/officeDocument/2006/relationships" xmlns:p="http://schemas.openxmlformats.org/presentationml/2006/main">
-  <p:cSld>
-    <p:spTree>
-      <p:nvGrpSpPr>
-        <p:cNvPr id="1" name=""/>
-        <p:cNvGrpSpPr/>
-        <p:nvPr/>
-      </p:nvGrpSpPr>
-      <p:grpSpPr>
-        <a:xfrm>
-          <a:off x="0" y="0"/>
-          <a:ext cx="0" cy="0"/>
-          <a:chOff x="0" y="0"/>
-          <a:chExt cx="0" cy="0"/>
-        </a:xfrm>
-      </p:grpSpPr>
-      <p:sp>
-        <p:nvSpPr>
-          <p:cNvPr id="2" name="Titre 1">
-            <a:extLst>
-              <a:ext uri="{FF2B5EF4-FFF2-40B4-BE49-F238E27FC236}">
-                <a16:creationId xmlns:a16="http://schemas.microsoft.com/office/drawing/2014/main" id="{17184488-7E21-4E06-9374-6B377C3E698F}"/>
-              </a:ext>
-            </a:extLst>
-          </p:cNvPr>
-          <p:cNvSpPr>
-            <a:spLocks noGrp="1"/>
-          </p:cNvSpPr>
-          <p:nvPr>
-            <p:ph type="title"/>
-          </p:nvPr>
-        </p:nvSpPr>
-        <p:spPr/>
-        <p:txBody>
-          <a:bodyPr/>
-          <a:lstStyle/>
-          <a:p>
-            <a:r>
-              <a:rPr lang="fr-FR" dirty="0"/>
-              <a:t>Bonus: </a:t>
-            </a:r>
-            <a:r>
-              <a:rPr lang="fr-FR" dirty="0" err="1"/>
-              <a:t>try</a:t>
-            </a:r>
-            <a:r>
-              <a:rPr lang="fr-FR" dirty="0"/>
-              <a:t> « batch </a:t>
-            </a:r>
-            <a:r>
-              <a:rPr lang="fr-FR" dirty="0" err="1"/>
-              <a:t>processing</a:t>
-            </a:r>
-            <a:r>
-              <a:rPr lang="fr-FR" dirty="0"/>
-              <a:t> »</a:t>
-            </a:r>
-          </a:p>
-        </p:txBody>
-      </p:sp>
-      <p:sp>
-        <p:nvSpPr>
-          <p:cNvPr id="3" name="Espace réservé du contenu 2">
-            <a:extLst>
-              <a:ext uri="{FF2B5EF4-FFF2-40B4-BE49-F238E27FC236}">
-                <a16:creationId xmlns:a16="http://schemas.microsoft.com/office/drawing/2014/main" id="{8D563731-B254-4D12-B747-B2687EA8D94B}"/>
-              </a:ext>
-            </a:extLst>
-          </p:cNvPr>
-          <p:cNvSpPr>
-            <a:spLocks noGrp="1"/>
-          </p:cNvSpPr>
-          <p:nvPr>
-            <p:ph sz="half" idx="1"/>
-          </p:nvPr>
-        </p:nvSpPr>
-        <p:spPr/>
-        <p:txBody>
-          <a:bodyPr/>
-          <a:lstStyle/>
-          <a:p>
-            <a:endParaRPr lang="fr-FR"/>
-          </a:p>
-        </p:txBody>
-      </p:sp>
-      <p:sp>
-        <p:nvSpPr>
-          <p:cNvPr id="4" name="Espace réservé du contenu 3">
-            <a:extLst>
-              <a:ext uri="{FF2B5EF4-FFF2-40B4-BE49-F238E27FC236}">
-                <a16:creationId xmlns:a16="http://schemas.microsoft.com/office/drawing/2014/main" id="{970A5871-DAD4-4139-81A1-41C09238BDD0}"/>
-              </a:ext>
-            </a:extLst>
-          </p:cNvPr>
-          <p:cNvSpPr>
-            <a:spLocks noGrp="1"/>
-          </p:cNvSpPr>
-          <p:nvPr>
-            <p:ph sz="half" idx="2"/>
-          </p:nvPr>
-        </p:nvSpPr>
-        <p:spPr/>
-        <p:txBody>
-          <a:bodyPr/>
-          <a:lstStyle/>
-          <a:p>
-            <a:endParaRPr lang="fr-FR"/>
-          </a:p>
-        </p:txBody>
-      </p:sp>
-    </p:spTree>
-    <p:extLst>
-      <p:ext uri="{BB962C8B-B14F-4D97-AF65-F5344CB8AC3E}">
-        <p14:creationId xmlns:p14="http://schemas.microsoft.com/office/powerpoint/2010/main" val="4000133867"/>
-      </p:ext>
-    </p:extLst>
-  </p:cSld>
-  <p:clrMapOvr>
-    <a:masterClrMapping/>
-  </p:clrMapOvr>
-</p:sld>
-</file>
-
 <file path=ppt/slides/slide4.xml><?xml version="1.0" encoding="utf-8"?>
 <p:sld xmlns:a="http://schemas.openxmlformats.org/drawingml/2006/main" xmlns:r="http://schemas.openxmlformats.org/officeDocument/2006/relationships" xmlns:p="http://schemas.openxmlformats.org/presentationml/2006/main">
   <p:cSld>
@@ -11342,6 +12046,130 @@
     <p:extLst>
       <p:ext uri="{BB962C8B-B14F-4D97-AF65-F5344CB8AC3E}">
         <p14:creationId xmlns:p14="http://schemas.microsoft.com/office/powerpoint/2010/main" val="4104610239"/>
+      </p:ext>
+    </p:extLst>
+  </p:cSld>
+  <p:clrMapOvr>
+    <a:masterClrMapping/>
+  </p:clrMapOvr>
+</p:sld>
+</file>
+
+<file path=ppt/slides/slide40.xml><?xml version="1.0" encoding="utf-8"?>
+<p:sld xmlns:a="http://schemas.openxmlformats.org/drawingml/2006/main" xmlns:r="http://schemas.openxmlformats.org/officeDocument/2006/relationships" xmlns:p="http://schemas.openxmlformats.org/presentationml/2006/main">
+  <p:cSld>
+    <p:spTree>
+      <p:nvGrpSpPr>
+        <p:cNvPr id="1" name=""/>
+        <p:cNvGrpSpPr/>
+        <p:nvPr/>
+      </p:nvGrpSpPr>
+      <p:grpSpPr>
+        <a:xfrm>
+          <a:off x="0" y="0"/>
+          <a:ext cx="0" cy="0"/>
+          <a:chOff x="0" y="0"/>
+          <a:chExt cx="0" cy="0"/>
+        </a:xfrm>
+      </p:grpSpPr>
+      <p:sp>
+        <p:nvSpPr>
+          <p:cNvPr id="2" name="Titre 1">
+            <a:extLst>
+              <a:ext uri="{FF2B5EF4-FFF2-40B4-BE49-F238E27FC236}">
+                <a16:creationId xmlns:a16="http://schemas.microsoft.com/office/drawing/2014/main" id="{17184488-7E21-4E06-9374-6B377C3E698F}"/>
+              </a:ext>
+            </a:extLst>
+          </p:cNvPr>
+          <p:cNvSpPr>
+            <a:spLocks noGrp="1"/>
+          </p:cNvSpPr>
+          <p:nvPr>
+            <p:ph type="title"/>
+          </p:nvPr>
+        </p:nvSpPr>
+        <p:spPr/>
+        <p:txBody>
+          <a:bodyPr/>
+          <a:lstStyle/>
+          <a:p>
+            <a:r>
+              <a:rPr lang="fr-FR" dirty="0"/>
+              <a:t>Bonus: </a:t>
+            </a:r>
+            <a:r>
+              <a:rPr lang="fr-FR" dirty="0" err="1"/>
+              <a:t>try</a:t>
+            </a:r>
+            <a:r>
+              <a:rPr lang="fr-FR" dirty="0"/>
+              <a:t> « batch </a:t>
+            </a:r>
+            <a:r>
+              <a:rPr lang="fr-FR" dirty="0" err="1"/>
+              <a:t>processing</a:t>
+            </a:r>
+            <a:r>
+              <a:rPr lang="fr-FR" dirty="0"/>
+              <a:t> »</a:t>
+            </a:r>
+          </a:p>
+        </p:txBody>
+      </p:sp>
+      <p:sp>
+        <p:nvSpPr>
+          <p:cNvPr id="3" name="Espace réservé du contenu 2">
+            <a:extLst>
+              <a:ext uri="{FF2B5EF4-FFF2-40B4-BE49-F238E27FC236}">
+                <a16:creationId xmlns:a16="http://schemas.microsoft.com/office/drawing/2014/main" id="{8D563731-B254-4D12-B747-B2687EA8D94B}"/>
+              </a:ext>
+            </a:extLst>
+          </p:cNvPr>
+          <p:cNvSpPr>
+            <a:spLocks noGrp="1"/>
+          </p:cNvSpPr>
+          <p:nvPr>
+            <p:ph sz="half" idx="1"/>
+          </p:nvPr>
+        </p:nvSpPr>
+        <p:spPr/>
+        <p:txBody>
+          <a:bodyPr/>
+          <a:lstStyle/>
+          <a:p>
+            <a:endParaRPr lang="fr-FR"/>
+          </a:p>
+        </p:txBody>
+      </p:sp>
+      <p:sp>
+        <p:nvSpPr>
+          <p:cNvPr id="4" name="Espace réservé du contenu 3">
+            <a:extLst>
+              <a:ext uri="{FF2B5EF4-FFF2-40B4-BE49-F238E27FC236}">
+                <a16:creationId xmlns:a16="http://schemas.microsoft.com/office/drawing/2014/main" id="{970A5871-DAD4-4139-81A1-41C09238BDD0}"/>
+              </a:ext>
+            </a:extLst>
+          </p:cNvPr>
+          <p:cNvSpPr>
+            <a:spLocks noGrp="1"/>
+          </p:cNvSpPr>
+          <p:nvPr>
+            <p:ph sz="half" idx="2"/>
+          </p:nvPr>
+        </p:nvSpPr>
+        <p:spPr/>
+        <p:txBody>
+          <a:bodyPr/>
+          <a:lstStyle/>
+          <a:p>
+            <a:endParaRPr lang="fr-FR"/>
+          </a:p>
+        </p:txBody>
+      </p:sp>
+    </p:spTree>
+    <p:extLst>
+      <p:ext uri="{BB962C8B-B14F-4D97-AF65-F5344CB8AC3E}">
+        <p14:creationId xmlns:p14="http://schemas.microsoft.com/office/powerpoint/2010/main" val="4000133867"/>
       </p:ext>
     </p:extLst>
   </p:cSld>

--- a/practical/manual/ImageAnalysis-practical.pptx
+++ b/practical/manual/ImageAnalysis-practical.pptx
@@ -22,10 +22,10 @@
     <p:sldId id="449" r:id="rId13"/>
     <p:sldId id="451" r:id="rId14"/>
     <p:sldId id="422" r:id="rId15"/>
-    <p:sldId id="409" r:id="rId16"/>
-    <p:sldId id="260" r:id="rId17"/>
-    <p:sldId id="441" r:id="rId18"/>
-    <p:sldId id="443" r:id="rId19"/>
+    <p:sldId id="441" r:id="rId16"/>
+    <p:sldId id="443" r:id="rId17"/>
+    <p:sldId id="409" r:id="rId18"/>
+    <p:sldId id="260" r:id="rId19"/>
     <p:sldId id="259" r:id="rId20"/>
     <p:sldId id="448" r:id="rId21"/>
     <p:sldId id="408" r:id="rId22"/>
@@ -3522,6 +3522,51 @@
           </a:p>
         </p:txBody>
       </p:sp>
+      <p:sp>
+        <p:nvSpPr>
+          <p:cNvPr id="4" name="Rectangle 3">
+            <a:extLst>
+              <a:ext uri="{FF2B5EF4-FFF2-40B4-BE49-F238E27FC236}">
+                <a16:creationId xmlns:a16="http://schemas.microsoft.com/office/drawing/2014/main" id="{0067AEA6-A472-45F8-B336-1B12F99EC78B}"/>
+              </a:ext>
+            </a:extLst>
+          </p:cNvPr>
+          <p:cNvSpPr/>
+          <p:nvPr/>
+        </p:nvSpPr>
+        <p:spPr>
+          <a:xfrm>
+            <a:off x="0" y="6059190"/>
+            <a:ext cx="7584392" cy="800219"/>
+          </a:xfrm>
+          <a:prstGeom prst="rect">
+            <a:avLst/>
+          </a:prstGeom>
+        </p:spPr>
+        <p:txBody>
+          <a:bodyPr wrap="square">
+            <a:spAutoFit/>
+          </a:bodyPr>
+          <a:lstStyle/>
+          <a:p>
+            <a:pPr lvl="1"/>
+            <a:endParaRPr lang="fr-FR" dirty="0"/>
+          </a:p>
+          <a:p>
+            <a:pPr lvl="1"/>
+            <a:r>
+              <a:rPr lang="fr-FR" dirty="0">
+                <a:hlinkClick r:id="rId2"/>
+              </a:rPr>
+              <a:t>https://github.com/dlegland/image-analysis-practical-2023</a:t>
+            </a:r>
+            <a:r>
+              <a:rPr lang="fr-FR" sz="2800" dirty="0"/>
+              <a:t> </a:t>
+            </a:r>
+          </a:p>
+        </p:txBody>
+      </p:sp>
     </p:spTree>
     <p:extLst>
       <p:ext uri="{BB962C8B-B14F-4D97-AF65-F5344CB8AC3E}">
@@ -4797,399 +4842,6 @@
           <p:cNvPr id="2" name="Titre 1">
             <a:extLst>
               <a:ext uri="{FF2B5EF4-FFF2-40B4-BE49-F238E27FC236}">
-                <a16:creationId xmlns:a16="http://schemas.microsoft.com/office/drawing/2014/main" id="{9D2A5650-6A7B-4BFE-B33B-3FBD4C1B6AB8}"/>
-              </a:ext>
-            </a:extLst>
-          </p:cNvPr>
-          <p:cNvSpPr>
-            <a:spLocks noGrp="1"/>
-          </p:cNvSpPr>
-          <p:nvPr>
-            <p:ph type="title"/>
-          </p:nvPr>
-        </p:nvSpPr>
-        <p:spPr/>
-        <p:txBody>
-          <a:bodyPr/>
-          <a:lstStyle/>
-          <a:p>
-            <a:r>
-              <a:rPr lang="fr-FR" dirty="0" err="1"/>
-              <a:t>Practical</a:t>
-            </a:r>
-            <a:r>
-              <a:rPr lang="fr-FR" dirty="0"/>
-              <a:t> session	</a:t>
-            </a:r>
-          </a:p>
-        </p:txBody>
-      </p:sp>
-      <p:sp>
-        <p:nvSpPr>
-          <p:cNvPr id="3" name="Espace réservé du contenu 2">
-            <a:extLst>
-              <a:ext uri="{FF2B5EF4-FFF2-40B4-BE49-F238E27FC236}">
-                <a16:creationId xmlns:a16="http://schemas.microsoft.com/office/drawing/2014/main" id="{E341C587-B721-41B9-B8D6-77F264CE1FAB}"/>
-              </a:ext>
-            </a:extLst>
-          </p:cNvPr>
-          <p:cNvSpPr>
-            <a:spLocks noGrp="1"/>
-          </p:cNvSpPr>
-          <p:nvPr>
-            <p:ph idx="1"/>
-          </p:nvPr>
-        </p:nvSpPr>
-        <p:spPr>
-          <a:xfrm>
-            <a:off x="628649" y="1825625"/>
-            <a:ext cx="8310251" cy="4351338"/>
-          </a:xfrm>
-        </p:spPr>
-        <p:txBody>
-          <a:bodyPr>
-            <a:normAutofit lnSpcReduction="10000"/>
-          </a:bodyPr>
-          <a:lstStyle/>
-          <a:p>
-            <a:r>
-              <a:rPr lang="fr-FR" dirty="0"/>
-              <a:t>Part 1: validation of image quantification </a:t>
-            </a:r>
-            <a:r>
-              <a:rPr lang="fr-FR" dirty="0" err="1"/>
-              <a:t>methods</a:t>
-            </a:r>
-            <a:endParaRPr lang="fr-FR" dirty="0"/>
-          </a:p>
-          <a:p>
-            <a:pPr lvl="1"/>
-            <a:r>
-              <a:rPr lang="fr-FR" dirty="0"/>
-              <a:t>« </a:t>
-            </a:r>
-            <a:r>
-              <a:rPr lang="fr-FR" dirty="0" err="1"/>
-              <a:t>quality</a:t>
-            </a:r>
-            <a:r>
-              <a:rPr lang="fr-FR" dirty="0"/>
-              <a:t> check »</a:t>
-            </a:r>
-          </a:p>
-          <a:p>
-            <a:pPr lvl="1"/>
-            <a:r>
-              <a:rPr lang="fr-FR" dirty="0"/>
-              <a:t>Focus on </a:t>
-            </a:r>
-            <a:r>
-              <a:rPr lang="fr-FR" dirty="0" err="1"/>
-              <a:t>perimeter</a:t>
-            </a:r>
-            <a:endParaRPr lang="fr-FR" dirty="0"/>
-          </a:p>
-          <a:p>
-            <a:endParaRPr lang="fr-FR" dirty="0"/>
-          </a:p>
-          <a:p>
-            <a:r>
-              <a:rPr lang="fr-FR" dirty="0"/>
-              <a:t>Part 2: image texture </a:t>
-            </a:r>
-            <a:r>
-              <a:rPr lang="fr-FR" dirty="0" err="1"/>
-              <a:t>analysis</a:t>
-            </a:r>
-            <a:endParaRPr lang="fr-FR" dirty="0"/>
-          </a:p>
-          <a:p>
-            <a:pPr lvl="1"/>
-            <a:r>
-              <a:rPr lang="fr-FR" dirty="0"/>
-              <a:t>Example on plant tissue images</a:t>
-            </a:r>
-          </a:p>
-          <a:p>
-            <a:endParaRPr lang="fr-FR" dirty="0"/>
-          </a:p>
-          <a:p>
-            <a:r>
-              <a:rPr lang="fr-FR" dirty="0"/>
-              <a:t>Use Fiji/</a:t>
-            </a:r>
-            <a:r>
-              <a:rPr lang="fr-FR" dirty="0" err="1"/>
-              <a:t>ImageJ</a:t>
-            </a:r>
-            <a:endParaRPr lang="fr-FR" dirty="0"/>
-          </a:p>
-          <a:p>
-            <a:pPr lvl="1"/>
-            <a:r>
-              <a:rPr lang="fr-FR" dirty="0"/>
-              <a:t> (</a:t>
-            </a:r>
-            <a:r>
-              <a:rPr lang="fr-FR" dirty="0" err="1"/>
-              <a:t>with</a:t>
-            </a:r>
-            <a:r>
-              <a:rPr lang="fr-FR" dirty="0"/>
-              <a:t> plugins…)</a:t>
-            </a:r>
-          </a:p>
-          <a:p>
-            <a:pPr marL="457200" lvl="1" indent="0">
-              <a:buNone/>
-            </a:pPr>
-            <a:r>
-              <a:rPr lang="fr-FR" dirty="0">
-                <a:hlinkClick r:id="rId2"/>
-              </a:rPr>
-              <a:t>https://github.com/dlegland/image-analysis-practical-2023</a:t>
-            </a:r>
-            <a:r>
-              <a:rPr lang="fr-FR" sz="2800" dirty="0"/>
-              <a:t> </a:t>
-            </a:r>
-          </a:p>
-        </p:txBody>
-      </p:sp>
-    </p:spTree>
-    <p:extLst>
-      <p:ext uri="{BB962C8B-B14F-4D97-AF65-F5344CB8AC3E}">
-        <p14:creationId xmlns:p14="http://schemas.microsoft.com/office/powerpoint/2010/main" val="139487078"/>
-      </p:ext>
-    </p:extLst>
-  </p:cSld>
-  <p:clrMapOvr>
-    <a:masterClrMapping/>
-  </p:clrMapOvr>
-</p:sld>
-</file>
-
-<file path=ppt/slides/slide16.xml><?xml version="1.0" encoding="utf-8"?>
-<p:sld xmlns:a="http://schemas.openxmlformats.org/drawingml/2006/main" xmlns:r="http://schemas.openxmlformats.org/officeDocument/2006/relationships" xmlns:p="http://schemas.openxmlformats.org/presentationml/2006/main">
-  <p:cSld>
-    <p:spTree>
-      <p:nvGrpSpPr>
-        <p:cNvPr id="1" name=""/>
-        <p:cNvGrpSpPr/>
-        <p:nvPr/>
-      </p:nvGrpSpPr>
-      <p:grpSpPr>
-        <a:xfrm>
-          <a:off x="0" y="0"/>
-          <a:ext cx="0" cy="0"/>
-          <a:chOff x="0" y="0"/>
-          <a:chExt cx="0" cy="0"/>
-        </a:xfrm>
-      </p:grpSpPr>
-      <p:sp>
-        <p:nvSpPr>
-          <p:cNvPr id="2" name="Titre 1">
-            <a:extLst>
-              <a:ext uri="{FF2B5EF4-FFF2-40B4-BE49-F238E27FC236}">
-                <a16:creationId xmlns:a16="http://schemas.microsoft.com/office/drawing/2014/main" id="{9FF9A376-B842-4390-89D9-DDF3677EB929}"/>
-              </a:ext>
-            </a:extLst>
-          </p:cNvPr>
-          <p:cNvSpPr>
-            <a:spLocks noGrp="1"/>
-          </p:cNvSpPr>
-          <p:nvPr>
-            <p:ph type="title"/>
-          </p:nvPr>
-        </p:nvSpPr>
-        <p:spPr/>
-        <p:txBody>
-          <a:bodyPr/>
-          <a:lstStyle/>
-          <a:p>
-            <a:r>
-              <a:rPr lang="fr-FR" dirty="0" err="1"/>
-              <a:t>What</a:t>
-            </a:r>
-            <a:r>
-              <a:rPr lang="fr-FR" dirty="0"/>
-              <a:t> </a:t>
-            </a:r>
-            <a:r>
-              <a:rPr lang="fr-FR" dirty="0" err="1"/>
-              <a:t>we</a:t>
-            </a:r>
-            <a:r>
-              <a:rPr lang="fr-FR" dirty="0"/>
-              <a:t> </a:t>
-            </a:r>
-            <a:r>
-              <a:rPr lang="fr-FR" dirty="0" err="1"/>
-              <a:t>will</a:t>
-            </a:r>
-            <a:r>
-              <a:rPr lang="fr-FR" dirty="0"/>
-              <a:t> </a:t>
-            </a:r>
-            <a:r>
-              <a:rPr lang="fr-FR" dirty="0" err="1"/>
-              <a:t>need</a:t>
-            </a:r>
-            <a:endParaRPr lang="fr-FR" dirty="0"/>
-          </a:p>
-        </p:txBody>
-      </p:sp>
-      <p:sp>
-        <p:nvSpPr>
-          <p:cNvPr id="3" name="Espace réservé du contenu 2">
-            <a:extLst>
-              <a:ext uri="{FF2B5EF4-FFF2-40B4-BE49-F238E27FC236}">
-                <a16:creationId xmlns:a16="http://schemas.microsoft.com/office/drawing/2014/main" id="{9454BF1D-2B0F-4608-94A7-9728011325EE}"/>
-              </a:ext>
-            </a:extLst>
-          </p:cNvPr>
-          <p:cNvSpPr>
-            <a:spLocks noGrp="1"/>
-          </p:cNvSpPr>
-          <p:nvPr>
-            <p:ph idx="1"/>
-          </p:nvPr>
-        </p:nvSpPr>
-        <p:spPr/>
-        <p:txBody>
-          <a:bodyPr>
-            <a:normAutofit/>
-          </a:bodyPr>
-          <a:lstStyle/>
-          <a:p>
-            <a:r>
-              <a:rPr lang="fr-FR" dirty="0" err="1"/>
-              <a:t>ImageJ</a:t>
-            </a:r>
-            <a:r>
-              <a:rPr lang="fr-FR" dirty="0"/>
-              <a:t> / Fiji</a:t>
-            </a:r>
-          </a:p>
-          <a:p>
-            <a:r>
-              <a:rPr lang="fr-FR" dirty="0" err="1"/>
-              <a:t>MorphoLibJ</a:t>
-            </a:r>
-            <a:endParaRPr lang="fr-FR" dirty="0"/>
-          </a:p>
-          <a:p>
-            <a:pPr lvl="1"/>
-            <a:r>
-              <a:rPr lang="fr-FR" dirty="0" err="1"/>
-              <a:t>Perimeter</a:t>
-            </a:r>
-            <a:r>
-              <a:rPr lang="fr-FR" dirty="0"/>
-              <a:t> / surface area </a:t>
-            </a:r>
-            <a:r>
-              <a:rPr lang="fr-FR" dirty="0" err="1"/>
-              <a:t>measure</a:t>
-            </a:r>
-            <a:endParaRPr lang="fr-FR" dirty="0"/>
-          </a:p>
-          <a:p>
-            <a:pPr lvl="1"/>
-            <a:r>
-              <a:rPr lang="fr-FR" dirty="0" err="1"/>
-              <a:t>Morphological</a:t>
-            </a:r>
-            <a:r>
-              <a:rPr lang="fr-FR" dirty="0"/>
-              <a:t> </a:t>
-            </a:r>
-            <a:r>
-              <a:rPr lang="fr-FR" dirty="0" err="1"/>
-              <a:t>filters</a:t>
-            </a:r>
-            <a:endParaRPr lang="fr-FR" dirty="0"/>
-          </a:p>
-          <a:p>
-            <a:r>
-              <a:rPr lang="fr-FR" dirty="0"/>
-              <a:t>Plugins</a:t>
-            </a:r>
-          </a:p>
-          <a:p>
-            <a:pPr lvl="1"/>
-            <a:r>
-              <a:rPr lang="fr-FR" dirty="0" err="1"/>
-              <a:t>DigitalShapes</a:t>
-            </a:r>
-            <a:r>
-              <a:rPr lang="fr-FR" dirty="0"/>
-              <a:t> plugin</a:t>
-            </a:r>
-          </a:p>
-          <a:p>
-            <a:pPr lvl="1"/>
-            <a:r>
-              <a:rPr lang="fr-FR" dirty="0" err="1"/>
-              <a:t>ijGranulometry</a:t>
-            </a:r>
-            <a:r>
-              <a:rPr lang="fr-FR" dirty="0"/>
-              <a:t> plugin</a:t>
-            </a:r>
-          </a:p>
-          <a:p>
-            <a:pPr lvl="1"/>
-            <a:endParaRPr lang="fr-FR" dirty="0"/>
-          </a:p>
-          <a:p>
-            <a:r>
-              <a:rPr lang="fr-FR" dirty="0"/>
-              <a:t>Macro </a:t>
-            </a:r>
-            <a:r>
-              <a:rPr lang="fr-FR" dirty="0" err="1"/>
-              <a:t>programming</a:t>
-            </a:r>
-            <a:endParaRPr lang="fr-FR" dirty="0"/>
-          </a:p>
-        </p:txBody>
-      </p:sp>
-    </p:spTree>
-    <p:extLst>
-      <p:ext uri="{BB962C8B-B14F-4D97-AF65-F5344CB8AC3E}">
-        <p14:creationId xmlns:p14="http://schemas.microsoft.com/office/powerpoint/2010/main" val="1968439191"/>
-      </p:ext>
-    </p:extLst>
-  </p:cSld>
-  <p:clrMapOvr>
-    <a:masterClrMapping/>
-  </p:clrMapOvr>
-</p:sld>
-</file>
-
-<file path=ppt/slides/slide17.xml><?xml version="1.0" encoding="utf-8"?>
-<p:sld xmlns:a="http://schemas.openxmlformats.org/drawingml/2006/main" xmlns:r="http://schemas.openxmlformats.org/officeDocument/2006/relationships" xmlns:p="http://schemas.openxmlformats.org/presentationml/2006/main">
-  <p:cSld>
-    <p:spTree>
-      <p:nvGrpSpPr>
-        <p:cNvPr id="1" name=""/>
-        <p:cNvGrpSpPr/>
-        <p:nvPr/>
-      </p:nvGrpSpPr>
-      <p:grpSpPr>
-        <a:xfrm>
-          <a:off x="0" y="0"/>
-          <a:ext cx="0" cy="0"/>
-          <a:chOff x="0" y="0"/>
-          <a:chExt cx="0" cy="0"/>
-        </a:xfrm>
-      </p:grpSpPr>
-      <p:sp>
-        <p:nvSpPr>
-          <p:cNvPr id="2" name="Titre 1">
-            <a:extLst>
-              <a:ext uri="{FF2B5EF4-FFF2-40B4-BE49-F238E27FC236}">
                 <a16:creationId xmlns:a16="http://schemas.microsoft.com/office/drawing/2014/main" id="{9C5B2C5B-B408-4D48-8B24-4A1F9C196673}"/>
               </a:ext>
             </a:extLst>
@@ -5249,14 +4901,14 @@
             <p:ph idx="1"/>
             <p:extLst>
               <p:ext uri="{D42A27DB-BD31-4B8C-83A1-F6EECF244321}">
-                <p14:modId xmlns:p14="http://schemas.microsoft.com/office/powerpoint/2010/main" val="4216316316"/>
+                <p14:modId xmlns:p14="http://schemas.microsoft.com/office/powerpoint/2010/main" val="2245592671"/>
               </p:ext>
             </p:extLst>
           </p:nvPr>
         </p:nvGraphicFramePr>
         <p:xfrm>
           <a:off x="628650" y="1825625"/>
-          <a:ext cx="7886700" cy="2123440"/>
+          <a:ext cx="7886700" cy="2494280"/>
         </p:xfrm>
         <a:graphic>
           <a:graphicData uri="http://schemas.openxmlformats.org/drawingml/2006/table">
@@ -5442,6 +5094,65 @@
                     <a:bodyPr/>
                     <a:lstStyle/>
                     <a:p>
+                      <a:endParaRPr lang="fr-FR"/>
+                    </a:p>
+                  </a:txBody>
+                  <a:tcPr/>
+                </a:tc>
+                <a:tc>
+                  <a:txBody>
+                    <a:bodyPr/>
+                    <a:lstStyle/>
+                    <a:p>
+                      <a:endParaRPr lang="fr-FR" dirty="0"/>
+                    </a:p>
+                  </a:txBody>
+                  <a:tcPr/>
+                </a:tc>
+                <a:tc>
+                  <a:txBody>
+                    <a:bodyPr/>
+                    <a:lstStyle/>
+                    <a:p>
+                      <a:endParaRPr lang="fr-FR" dirty="0"/>
+                    </a:p>
+                  </a:txBody>
+                  <a:tcPr/>
+                </a:tc>
+                <a:extLst>
+                  <a:ext uri="{0D108BD9-81ED-4DB2-BD59-A6C34878D82A}">
+                    <a16:rowId xmlns:a16="http://schemas.microsoft.com/office/drawing/2014/main" val="1660719288"/>
+                  </a:ext>
+                </a:extLst>
+              </a:tr>
+              <a:tr h="343440">
+                <a:tc>
+                  <a:txBody>
+                    <a:bodyPr/>
+                    <a:lstStyle/>
+                    <a:p>
+                      <a:r>
+                        <a:rPr lang="fr-FR" dirty="0" err="1"/>
+                        <a:t>Mathematical</a:t>
+                      </a:r>
+                      <a:r>
+                        <a:rPr lang="fr-FR" dirty="0"/>
+                        <a:t> </a:t>
+                      </a:r>
+                      <a:r>
+                        <a:rPr lang="fr-FR" dirty="0" err="1"/>
+                        <a:t>morphology</a:t>
+                      </a:r>
+                      <a:endParaRPr lang="fr-FR" dirty="0"/>
+                    </a:p>
+                  </a:txBody>
+                  <a:tcPr/>
+                </a:tc>
+                <a:tc>
+                  <a:txBody>
+                    <a:bodyPr/>
+                    <a:lstStyle/>
+                    <a:p>
                       <a:endParaRPr lang="fr-FR" dirty="0"/>
                     </a:p>
                   </a:txBody>
@@ -5481,17 +5192,12 @@
                     <a:p>
                       <a:r>
                         <a:rPr lang="fr-FR" dirty="0" err="1"/>
-                        <a:t>Mathematical</a:t>
+                        <a:t>Stereology</a:t>
                       </a:r>
                       <a:r>
                         <a:rPr lang="fr-FR" dirty="0"/>
                         <a:t> </a:t>
                       </a:r>
-                      <a:r>
-                        <a:rPr lang="fr-FR" dirty="0" err="1"/>
-                        <a:t>morphology</a:t>
-                      </a:r>
-                      <a:endParaRPr lang="fr-FR" dirty="0"/>
                     </a:p>
                   </a:txBody>
                   <a:tcPr/>
@@ -5604,6 +5310,364 @@
 </p:sld>
 </file>
 
+<file path=ppt/slides/slide16.xml><?xml version="1.0" encoding="utf-8"?>
+<p:sld xmlns:a="http://schemas.openxmlformats.org/drawingml/2006/main" xmlns:r="http://schemas.openxmlformats.org/officeDocument/2006/relationships" xmlns:p="http://schemas.openxmlformats.org/presentationml/2006/main">
+  <p:cSld>
+    <p:spTree>
+      <p:nvGrpSpPr>
+        <p:cNvPr id="1" name=""/>
+        <p:cNvGrpSpPr/>
+        <p:nvPr/>
+      </p:nvGrpSpPr>
+      <p:grpSpPr>
+        <a:xfrm>
+          <a:off x="0" y="0"/>
+          <a:ext cx="0" cy="0"/>
+          <a:chOff x="0" y="0"/>
+          <a:chExt cx="0" cy="0"/>
+        </a:xfrm>
+      </p:grpSpPr>
+      <p:sp>
+        <p:nvSpPr>
+          <p:cNvPr id="2" name="Titre 1">
+            <a:extLst>
+              <a:ext uri="{FF2B5EF4-FFF2-40B4-BE49-F238E27FC236}">
+                <a16:creationId xmlns:a16="http://schemas.microsoft.com/office/drawing/2014/main" id="{9C5B2C5B-B408-4D48-8B24-4A1F9C196673}"/>
+              </a:ext>
+            </a:extLst>
+          </p:cNvPr>
+          <p:cNvSpPr>
+            <a:spLocks noGrp="1"/>
+          </p:cNvSpPr>
+          <p:nvPr>
+            <p:ph type="title"/>
+          </p:nvPr>
+        </p:nvSpPr>
+        <p:spPr/>
+        <p:txBody>
+          <a:bodyPr/>
+          <a:lstStyle/>
+          <a:p>
+            <a:r>
+              <a:rPr lang="fr-FR" dirty="0" err="1"/>
+              <a:t>Some</a:t>
+            </a:r>
+            <a:r>
+              <a:rPr lang="fr-FR" dirty="0"/>
+              <a:t> questions </a:t>
+            </a:r>
+            <a:r>
+              <a:rPr lang="fr-FR" dirty="0" err="1"/>
+              <a:t>before</a:t>
+            </a:r>
+            <a:r>
+              <a:rPr lang="fr-FR" dirty="0"/>
+              <a:t> </a:t>
+            </a:r>
+            <a:r>
+              <a:rPr lang="fr-FR" dirty="0" err="1"/>
+              <a:t>we</a:t>
+            </a:r>
+            <a:r>
+              <a:rPr lang="fr-FR" dirty="0"/>
+              <a:t> start</a:t>
+            </a:r>
+          </a:p>
+        </p:txBody>
+      </p:sp>
+      <p:sp>
+        <p:nvSpPr>
+          <p:cNvPr id="6" name="Espace réservé du contenu 5">
+            <a:extLst>
+              <a:ext uri="{FF2B5EF4-FFF2-40B4-BE49-F238E27FC236}">
+                <a16:creationId xmlns:a16="http://schemas.microsoft.com/office/drawing/2014/main" id="{39397D97-BC90-4BB8-A44F-6670AFD5E63D}"/>
+              </a:ext>
+            </a:extLst>
+          </p:cNvPr>
+          <p:cNvSpPr>
+            <a:spLocks noGrp="1"/>
+          </p:cNvSpPr>
+          <p:nvPr>
+            <p:ph idx="1"/>
+          </p:nvPr>
+        </p:nvSpPr>
+        <p:spPr/>
+        <p:txBody>
+          <a:bodyPr/>
+          <a:lstStyle/>
+          <a:p>
+            <a:r>
+              <a:rPr lang="fr-FR" dirty="0"/>
+              <a:t>How do </a:t>
+            </a:r>
+            <a:r>
+              <a:rPr lang="fr-FR" dirty="0" err="1"/>
+              <a:t>you</a:t>
+            </a:r>
+            <a:r>
+              <a:rPr lang="fr-FR" dirty="0"/>
+              <a:t> use image quantification:</a:t>
+            </a:r>
+          </a:p>
+          <a:p>
+            <a:pPr lvl="1"/>
+            <a:r>
+              <a:rPr lang="fr-FR" dirty="0"/>
+              <a:t>Never use</a:t>
+            </a:r>
+          </a:p>
+          <a:p>
+            <a:pPr lvl="1"/>
+            <a:r>
+              <a:rPr lang="fr-FR" dirty="0" err="1"/>
+              <a:t>Blindly</a:t>
+            </a:r>
+            <a:r>
+              <a:rPr lang="fr-FR" dirty="0"/>
+              <a:t> </a:t>
+            </a:r>
+            <a:r>
+              <a:rPr lang="fr-FR" dirty="0" err="1"/>
+              <a:t>provide</a:t>
+            </a:r>
+            <a:endParaRPr lang="fr-FR" dirty="0"/>
+          </a:p>
+          <a:p>
+            <a:pPr lvl="1"/>
+            <a:r>
+              <a:rPr lang="fr-FR" dirty="0" err="1"/>
+              <a:t>Comparison</a:t>
+            </a:r>
+            <a:endParaRPr lang="fr-FR" dirty="0"/>
+          </a:p>
+          <a:p>
+            <a:pPr lvl="1"/>
+            <a:r>
+              <a:rPr lang="fr-FR" dirty="0" err="1"/>
+              <a:t>Modelling</a:t>
+            </a:r>
+            <a:endParaRPr lang="fr-FR" dirty="0"/>
+          </a:p>
+          <a:p>
+            <a:pPr lvl="1"/>
+            <a:r>
+              <a:rPr lang="fr-FR" dirty="0" err="1"/>
+              <a:t>Other</a:t>
+            </a:r>
+            <a:r>
+              <a:rPr lang="fr-FR" dirty="0"/>
+              <a:t>?</a:t>
+            </a:r>
+          </a:p>
+        </p:txBody>
+      </p:sp>
+    </p:spTree>
+    <p:extLst>
+      <p:ext uri="{BB962C8B-B14F-4D97-AF65-F5344CB8AC3E}">
+        <p14:creationId xmlns:p14="http://schemas.microsoft.com/office/powerpoint/2010/main" val="2955341330"/>
+      </p:ext>
+    </p:extLst>
+  </p:cSld>
+  <p:clrMapOvr>
+    <a:masterClrMapping/>
+  </p:clrMapOvr>
+</p:sld>
+</file>
+
+<file path=ppt/slides/slide17.xml><?xml version="1.0" encoding="utf-8"?>
+<p:sld xmlns:a="http://schemas.openxmlformats.org/drawingml/2006/main" xmlns:r="http://schemas.openxmlformats.org/officeDocument/2006/relationships" xmlns:p="http://schemas.openxmlformats.org/presentationml/2006/main">
+  <p:cSld>
+    <p:spTree>
+      <p:nvGrpSpPr>
+        <p:cNvPr id="1" name=""/>
+        <p:cNvGrpSpPr/>
+        <p:nvPr/>
+      </p:nvGrpSpPr>
+      <p:grpSpPr>
+        <a:xfrm>
+          <a:off x="0" y="0"/>
+          <a:ext cx="0" cy="0"/>
+          <a:chOff x="0" y="0"/>
+          <a:chExt cx="0" cy="0"/>
+        </a:xfrm>
+      </p:grpSpPr>
+      <p:sp>
+        <p:nvSpPr>
+          <p:cNvPr id="2" name="Titre 1">
+            <a:extLst>
+              <a:ext uri="{FF2B5EF4-FFF2-40B4-BE49-F238E27FC236}">
+                <a16:creationId xmlns:a16="http://schemas.microsoft.com/office/drawing/2014/main" id="{9D2A5650-6A7B-4BFE-B33B-3FBD4C1B6AB8}"/>
+              </a:ext>
+            </a:extLst>
+          </p:cNvPr>
+          <p:cNvSpPr>
+            <a:spLocks noGrp="1"/>
+          </p:cNvSpPr>
+          <p:nvPr>
+            <p:ph type="title"/>
+          </p:nvPr>
+        </p:nvSpPr>
+        <p:spPr/>
+        <p:txBody>
+          <a:bodyPr/>
+          <a:lstStyle/>
+          <a:p>
+            <a:r>
+              <a:rPr lang="fr-FR" dirty="0" err="1"/>
+              <a:t>Practical</a:t>
+            </a:r>
+            <a:r>
+              <a:rPr lang="fr-FR" dirty="0"/>
+              <a:t> session	</a:t>
+            </a:r>
+          </a:p>
+        </p:txBody>
+      </p:sp>
+      <p:sp>
+        <p:nvSpPr>
+          <p:cNvPr id="3" name="Espace réservé du contenu 2">
+            <a:extLst>
+              <a:ext uri="{FF2B5EF4-FFF2-40B4-BE49-F238E27FC236}">
+                <a16:creationId xmlns:a16="http://schemas.microsoft.com/office/drawing/2014/main" id="{E341C587-B721-41B9-B8D6-77F264CE1FAB}"/>
+              </a:ext>
+            </a:extLst>
+          </p:cNvPr>
+          <p:cNvSpPr>
+            <a:spLocks noGrp="1"/>
+          </p:cNvSpPr>
+          <p:nvPr>
+            <p:ph idx="1"/>
+          </p:nvPr>
+        </p:nvSpPr>
+        <p:spPr>
+          <a:xfrm>
+            <a:off x="628649" y="1825625"/>
+            <a:ext cx="8310251" cy="4351338"/>
+          </a:xfrm>
+        </p:spPr>
+        <p:txBody>
+          <a:bodyPr>
+            <a:normAutofit lnSpcReduction="10000"/>
+          </a:bodyPr>
+          <a:lstStyle/>
+          <a:p>
+            <a:r>
+              <a:rPr lang="fr-FR" dirty="0"/>
+              <a:t>Part 1: validation of image quantification </a:t>
+            </a:r>
+            <a:r>
+              <a:rPr lang="fr-FR" dirty="0" err="1"/>
+              <a:t>methods</a:t>
+            </a:r>
+            <a:endParaRPr lang="fr-FR" dirty="0"/>
+          </a:p>
+          <a:p>
+            <a:pPr lvl="1"/>
+            <a:r>
+              <a:rPr lang="fr-FR" dirty="0"/>
+              <a:t>« </a:t>
+            </a:r>
+            <a:r>
+              <a:rPr lang="fr-FR" dirty="0" err="1"/>
+              <a:t>quality</a:t>
+            </a:r>
+            <a:r>
+              <a:rPr lang="fr-FR" dirty="0"/>
+              <a:t> check »</a:t>
+            </a:r>
+          </a:p>
+          <a:p>
+            <a:pPr lvl="1"/>
+            <a:r>
+              <a:rPr lang="fr-FR" dirty="0"/>
+              <a:t>Focus on </a:t>
+            </a:r>
+            <a:r>
+              <a:rPr lang="fr-FR" dirty="0" err="1"/>
+              <a:t>perimeter</a:t>
+            </a:r>
+            <a:endParaRPr lang="fr-FR" dirty="0"/>
+          </a:p>
+          <a:p>
+            <a:endParaRPr lang="fr-FR" dirty="0"/>
+          </a:p>
+          <a:p>
+            <a:r>
+              <a:rPr lang="fr-FR" dirty="0"/>
+              <a:t>Part 2: image texture </a:t>
+            </a:r>
+            <a:r>
+              <a:rPr lang="fr-FR" dirty="0" err="1"/>
+              <a:t>analysis</a:t>
+            </a:r>
+            <a:endParaRPr lang="fr-FR" dirty="0"/>
+          </a:p>
+          <a:p>
+            <a:pPr lvl="1"/>
+            <a:r>
+              <a:rPr lang="fr-FR" dirty="0"/>
+              <a:t>Example on plant tissue images</a:t>
+            </a:r>
+          </a:p>
+          <a:p>
+            <a:endParaRPr lang="fr-FR" dirty="0"/>
+          </a:p>
+          <a:p>
+            <a:r>
+              <a:rPr lang="fr-FR" dirty="0"/>
+              <a:t>Use Fiji/</a:t>
+            </a:r>
+            <a:r>
+              <a:rPr lang="fr-FR" dirty="0" err="1"/>
+              <a:t>ImageJ</a:t>
+            </a:r>
+            <a:endParaRPr lang="fr-FR" dirty="0"/>
+          </a:p>
+          <a:p>
+            <a:pPr lvl="1"/>
+            <a:r>
+              <a:rPr lang="fr-FR" dirty="0"/>
+              <a:t> (</a:t>
+            </a:r>
+            <a:r>
+              <a:rPr lang="fr-FR" dirty="0" err="1"/>
+              <a:t>with</a:t>
+            </a:r>
+            <a:r>
+              <a:rPr lang="fr-FR" dirty="0"/>
+              <a:t> plugins…)</a:t>
+            </a:r>
+          </a:p>
+          <a:p>
+            <a:pPr marL="457200" lvl="1" indent="0">
+              <a:buNone/>
+            </a:pPr>
+            <a:r>
+              <a:rPr lang="fr-FR" dirty="0">
+                <a:hlinkClick r:id="rId2"/>
+              </a:rPr>
+              <a:t>https://github.com/dlegland/image-analysis-practical-2023</a:t>
+            </a:r>
+            <a:r>
+              <a:rPr lang="fr-FR" sz="2800" dirty="0"/>
+              <a:t> </a:t>
+            </a:r>
+          </a:p>
+        </p:txBody>
+      </p:sp>
+    </p:spTree>
+    <p:extLst>
+      <p:ext uri="{BB962C8B-B14F-4D97-AF65-F5344CB8AC3E}">
+        <p14:creationId xmlns:p14="http://schemas.microsoft.com/office/powerpoint/2010/main" val="139487078"/>
+      </p:ext>
+    </p:extLst>
+  </p:cSld>
+  <p:clrMapOvr>
+    <a:masterClrMapping/>
+  </p:clrMapOvr>
+</p:sld>
+</file>
+
 <file path=ppt/slides/slide18.xml><?xml version="1.0" encoding="utf-8"?>
 <p:sld xmlns:a="http://schemas.openxmlformats.org/drawingml/2006/main" xmlns:r="http://schemas.openxmlformats.org/officeDocument/2006/relationships" xmlns:p="http://schemas.openxmlformats.org/presentationml/2006/main">
   <p:cSld>
@@ -5626,7 +5690,7 @@
           <p:cNvPr id="2" name="Titre 1">
             <a:extLst>
               <a:ext uri="{FF2B5EF4-FFF2-40B4-BE49-F238E27FC236}">
-                <a16:creationId xmlns:a16="http://schemas.microsoft.com/office/drawing/2014/main" id="{9C5B2C5B-B408-4D48-8B24-4A1F9C196673}"/>
+                <a16:creationId xmlns:a16="http://schemas.microsoft.com/office/drawing/2014/main" id="{9FF9A376-B842-4390-89D9-DDF3677EB929}"/>
               </a:ext>
             </a:extLst>
           </p:cNvPr>
@@ -5644,15 +5708,7 @@
           <a:p>
             <a:r>
               <a:rPr lang="fr-FR" dirty="0" err="1"/>
-              <a:t>Some</a:t>
-            </a:r>
-            <a:r>
-              <a:rPr lang="fr-FR" dirty="0"/>
-              <a:t> questions </a:t>
-            </a:r>
-            <a:r>
-              <a:rPr lang="fr-FR" dirty="0" err="1"/>
-              <a:t>before</a:t>
+              <a:t>What</a:t>
             </a:r>
             <a:r>
               <a:rPr lang="fr-FR" dirty="0"/>
@@ -5664,17 +5720,30 @@
             </a:r>
             <a:r>
               <a:rPr lang="fr-FR" dirty="0"/>
-              <a:t> start</a:t>
-            </a:r>
-          </a:p>
-        </p:txBody>
-      </p:sp>
-      <p:sp>
-        <p:nvSpPr>
-          <p:cNvPr id="6" name="Espace réservé du contenu 5">
-            <a:extLst>
-              <a:ext uri="{FF2B5EF4-FFF2-40B4-BE49-F238E27FC236}">
-                <a16:creationId xmlns:a16="http://schemas.microsoft.com/office/drawing/2014/main" id="{39397D97-BC90-4BB8-A44F-6670AFD5E63D}"/>
+              <a:t> </a:t>
+            </a:r>
+            <a:r>
+              <a:rPr lang="fr-FR" dirty="0" err="1"/>
+              <a:t>will</a:t>
+            </a:r>
+            <a:r>
+              <a:rPr lang="fr-FR" dirty="0"/>
+              <a:t> </a:t>
+            </a:r>
+            <a:r>
+              <a:rPr lang="fr-FR" dirty="0" err="1"/>
+              <a:t>need</a:t>
+            </a:r>
+            <a:endParaRPr lang="fr-FR" dirty="0"/>
+          </a:p>
+        </p:txBody>
+      </p:sp>
+      <p:sp>
+        <p:nvSpPr>
+          <p:cNvPr id="3" name="Espace réservé du contenu 2">
+            <a:extLst>
+              <a:ext uri="{FF2B5EF4-FFF2-40B4-BE49-F238E27FC236}">
+                <a16:creationId xmlns:a16="http://schemas.microsoft.com/office/drawing/2014/main" id="{9454BF1D-2B0F-4608-94A7-9728011325EE}"/>
               </a:ext>
             </a:extLst>
           </p:cNvPr>
@@ -5687,34 +5756,48 @@
         </p:nvSpPr>
         <p:spPr/>
         <p:txBody>
-          <a:bodyPr/>
-          <a:lstStyle/>
-          <a:p>
-            <a:r>
-              <a:rPr lang="fr-FR" dirty="0"/>
-              <a:t>How do </a:t>
-            </a:r>
-            <a:r>
-              <a:rPr lang="fr-FR" dirty="0" err="1"/>
-              <a:t>you</a:t>
-            </a:r>
-            <a:r>
-              <a:rPr lang="fr-FR" dirty="0"/>
-              <a:t> use image quantification:</a:t>
-            </a:r>
+          <a:bodyPr>
+            <a:normAutofit/>
+          </a:bodyPr>
+          <a:lstStyle/>
+          <a:p>
+            <a:r>
+              <a:rPr lang="fr-FR" dirty="0" err="1"/>
+              <a:t>ImageJ</a:t>
+            </a:r>
+            <a:r>
+              <a:rPr lang="fr-FR" dirty="0"/>
+              <a:t> / Fiji</a:t>
+            </a:r>
+          </a:p>
+          <a:p>
+            <a:r>
+              <a:rPr lang="fr-FR" dirty="0" err="1"/>
+              <a:t>MorphoLibJ</a:t>
+            </a:r>
+            <a:endParaRPr lang="fr-FR" dirty="0"/>
           </a:p>
           <a:p>
             <a:pPr lvl="1"/>
             <a:r>
-              <a:rPr lang="fr-FR" dirty="0"/>
-              <a:t>Never use</a:t>
-            </a:r>
+              <a:rPr lang="fr-FR" dirty="0" err="1"/>
+              <a:t>Perimeter</a:t>
+            </a:r>
+            <a:r>
+              <a:rPr lang="fr-FR" dirty="0"/>
+              <a:t> / surface area </a:t>
+            </a:r>
+            <a:r>
+              <a:rPr lang="fr-FR" dirty="0" err="1"/>
+              <a:t>measure</a:t>
+            </a:r>
+            <a:endParaRPr lang="fr-FR" dirty="0"/>
           </a:p>
           <a:p>
             <a:pPr lvl="1"/>
             <a:r>
               <a:rPr lang="fr-FR" dirty="0" err="1"/>
-              <a:t>Blindly</a:t>
+              <a:t>Morphological</a:t>
             </a:r>
             <a:r>
               <a:rPr lang="fr-FR" dirty="0"/>
@@ -5722,43 +5805,97 @@
             </a:r>
             <a:r>
               <a:rPr lang="fr-FR" dirty="0" err="1"/>
-              <a:t>provide</a:t>
+              <a:t>filters</a:t>
             </a:r>
             <a:endParaRPr lang="fr-FR" dirty="0"/>
           </a:p>
           <a:p>
+            <a:r>
+              <a:rPr lang="fr-FR" dirty="0"/>
+              <a:t>« </a:t>
+            </a:r>
+            <a:r>
+              <a:rPr lang="fr-FR" dirty="0" err="1"/>
+              <a:t>ijtools</a:t>
+            </a:r>
+            <a:r>
+              <a:rPr lang="fr-FR" dirty="0"/>
+              <a:t> » Plugins</a:t>
+            </a:r>
+            <a:r>
+              <a:rPr lang="fr-FR" sz="2000" dirty="0"/>
+              <a:t> (</a:t>
+            </a:r>
+            <a:r>
+              <a:rPr lang="fr-FR" sz="2000" dirty="0">
+                <a:hlinkClick r:id="rId2"/>
+              </a:rPr>
+              <a:t>https://github.com/ijtools</a:t>
+            </a:r>
+            <a:r>
+              <a:rPr lang="fr-FR" sz="2000" dirty="0"/>
+              <a:t>)</a:t>
+            </a:r>
+            <a:endParaRPr lang="fr-FR" dirty="0"/>
+          </a:p>
+          <a:p>
             <a:pPr lvl="1"/>
             <a:r>
               <a:rPr lang="fr-FR" dirty="0" err="1"/>
-              <a:t>Comparison</a:t>
+              <a:t>DigitalShapes</a:t>
+            </a:r>
+            <a:r>
+              <a:rPr lang="fr-FR" dirty="0"/>
+              <a:t> plugin</a:t>
+            </a:r>
+          </a:p>
+          <a:p>
+            <a:pPr lvl="1"/>
+            <a:r>
+              <a:rPr lang="fr-FR" dirty="0" err="1"/>
+              <a:t>ijGranulometry</a:t>
+            </a:r>
+            <a:r>
+              <a:rPr lang="fr-FR" dirty="0"/>
+              <a:t> plugin</a:t>
+            </a:r>
+          </a:p>
+          <a:p>
+            <a:pPr lvl="1"/>
+            <a:r>
+              <a:rPr lang="fr-FR" dirty="0" err="1"/>
+              <a:t>ijGeometry</a:t>
+            </a:r>
+            <a:r>
+              <a:rPr lang="fr-FR" dirty="0"/>
+              <a:t> </a:t>
+            </a:r>
+            <a:r>
+              <a:rPr lang="fr-FR" dirty="0" err="1"/>
+              <a:t>library</a:t>
+            </a:r>
+            <a:r>
+              <a:rPr lang="fr-FR" dirty="0"/>
+              <a:t> </a:t>
+            </a:r>
+          </a:p>
+          <a:p>
+            <a:r>
+              <a:rPr lang="fr-FR" dirty="0"/>
+              <a:t>Macro </a:t>
+            </a:r>
+            <a:r>
+              <a:rPr lang="fr-FR" dirty="0" err="1"/>
+              <a:t>programming</a:t>
             </a:r>
             <a:endParaRPr lang="fr-FR" dirty="0"/>
-          </a:p>
-          <a:p>
-            <a:pPr lvl="1"/>
-            <a:r>
-              <a:rPr lang="fr-FR" dirty="0" err="1"/>
-              <a:t>Modelling</a:t>
-            </a:r>
-            <a:endParaRPr lang="fr-FR" dirty="0"/>
-          </a:p>
-          <a:p>
-            <a:pPr lvl="1"/>
-            <a:r>
-              <a:rPr lang="fr-FR" dirty="0" err="1"/>
-              <a:t>Other</a:t>
-            </a:r>
-            <a:r>
-              <a:rPr lang="fr-FR" dirty="0"/>
-              <a:t>?</a:t>
-            </a:r>
           </a:p>
         </p:txBody>
       </p:sp>
     </p:spTree>
     <p:extLst>
       <p:ext uri="{BB962C8B-B14F-4D97-AF65-F5344CB8AC3E}">
-        <p14:creationId xmlns:p14="http://schemas.microsoft.com/office/powerpoint/2010/main" val="2955341330"/>
+        <p14:creationId xmlns:p14="http://schemas.microsoft.com/office/powerpoint/2010/main" val="1968439191"/>
       </p:ext>
     </p:extLst>
   </p:cSld>
@@ -12336,6 +12473,13 @@
             <a:pPr lvl="1"/>
             <a:r>
               <a:rPr lang="fr-FR" dirty="0"/>
+              <a:t>Multiple software </a:t>
+            </a:r>
+          </a:p>
+          <a:p>
+            <a:pPr lvl="1"/>
+            <a:r>
+              <a:rPr lang="fr-FR" dirty="0"/>
               <a:t>Combination </a:t>
             </a:r>
             <a:r>
@@ -12404,7 +12548,15 @@
           <a:p>
             <a:r>
               <a:rPr lang="fr-FR" dirty="0"/>
-              <a:t>Not </a:t>
+              <a:t>Not (</a:t>
+            </a:r>
+            <a:r>
+              <a:rPr lang="fr-FR" dirty="0" err="1"/>
+              <a:t>absolutely</a:t>
+            </a:r>
+            <a:r>
+              <a:rPr lang="fr-FR" dirty="0"/>
+              <a:t>) </a:t>
             </a:r>
             <a:r>
               <a:rPr lang="fr-FR" dirty="0" err="1"/>
@@ -12468,7 +12620,7 @@
         </p:blipFill>
         <p:spPr>
           <a:xfrm>
-            <a:off x="1862226" y="4201498"/>
+            <a:off x="1862226" y="4645880"/>
             <a:ext cx="1419048" cy="780952"/>
           </a:xfrm>
           <a:prstGeom prst="rect">
